--- a/3 semester/Мясников. Презентация.pptx
+++ b/3 semester/Мясников. Презентация.pptx
@@ -5,7 +5,7 @@
     <p:sldMasterId id="2147483660" r:id="rId1"/>
   </p:sldMasterIdLst>
   <p:notesMasterIdLst>
-    <p:notesMasterId r:id="rId19"/>
+    <p:notesMasterId r:id="rId18"/>
   </p:notesMasterIdLst>
   <p:sldIdLst>
     <p:sldId id="256" r:id="rId2"/>
@@ -14,17 +14,16 @@
     <p:sldId id="260" r:id="rId5"/>
     <p:sldId id="259" r:id="rId6"/>
     <p:sldId id="273" r:id="rId7"/>
-    <p:sldId id="276" r:id="rId8"/>
-    <p:sldId id="265" r:id="rId9"/>
-    <p:sldId id="262" r:id="rId10"/>
-    <p:sldId id="278" r:id="rId11"/>
-    <p:sldId id="270" r:id="rId12"/>
-    <p:sldId id="272" r:id="rId13"/>
-    <p:sldId id="277" r:id="rId14"/>
-    <p:sldId id="269" r:id="rId15"/>
-    <p:sldId id="264" r:id="rId16"/>
-    <p:sldId id="271" r:id="rId17"/>
-    <p:sldId id="263" r:id="rId18"/>
+    <p:sldId id="265" r:id="rId8"/>
+    <p:sldId id="262" r:id="rId9"/>
+    <p:sldId id="278" r:id="rId10"/>
+    <p:sldId id="270" r:id="rId11"/>
+    <p:sldId id="272" r:id="rId12"/>
+    <p:sldId id="277" r:id="rId13"/>
+    <p:sldId id="269" r:id="rId14"/>
+    <p:sldId id="264" r:id="rId15"/>
+    <p:sldId id="271" r:id="rId16"/>
+    <p:sldId id="263" r:id="rId17"/>
   </p:sldIdLst>
   <p:sldSz cx="9906000" cy="6858000" type="A4"/>
   <p:notesSz cx="6858000" cy="9144000"/>
@@ -2695,7 +2694,7 @@
             <a:fld id="{7EA884AF-4C88-424D-ADB7-7848CE0D5563}" type="datetimeFigureOut">
               <a:rPr lang="ru-RU" smtClean="0"/>
               <a:pPr/>
-              <a:t>10.12.2023</a:t>
+              <a:t>12.12.2023</a:t>
             </a:fld>
             <a:endParaRPr lang="ru-RU"/>
           </a:p>
@@ -3065,7 +3064,7 @@
             <a:fld id="{38ED4DB7-AC7F-4A42-877D-9FD276944AEC}" type="datetime1">
               <a:rPr lang="ru-RU" smtClean="0"/>
               <a:pPr/>
-              <a:t>10.12.2023</a:t>
+              <a:t>12.12.2023</a:t>
             </a:fld>
             <a:endParaRPr lang="ru-RU"/>
           </a:p>
@@ -3269,7 +3268,7 @@
             <a:fld id="{EFA4A34B-65F3-406A-BC9E-C6FAF08B0E8B}" type="datetime1">
               <a:rPr lang="ru-RU" smtClean="0"/>
               <a:pPr/>
-              <a:t>10.12.2023</a:t>
+              <a:t>12.12.2023</a:t>
             </a:fld>
             <a:endParaRPr lang="ru-RU"/>
           </a:p>
@@ -3449,7 +3448,7 @@
             <a:fld id="{5BA1F008-62DC-4A23-BE89-996EF89291BF}" type="datetime1">
               <a:rPr lang="ru-RU" smtClean="0"/>
               <a:pPr/>
-              <a:t>10.12.2023</a:t>
+              <a:t>12.12.2023</a:t>
             </a:fld>
             <a:endParaRPr lang="ru-RU"/>
           </a:p>
@@ -3629,7 +3628,7 @@
             <a:fld id="{B3F6E369-3AF4-4F4F-905B-434A00AC4342}" type="datetime1">
               <a:rPr lang="ru-RU" smtClean="0"/>
               <a:pPr/>
-              <a:t>10.12.2023</a:t>
+              <a:t>12.12.2023</a:t>
             </a:fld>
             <a:endParaRPr lang="ru-RU"/>
           </a:p>
@@ -3876,7 +3875,7 @@
             <a:fld id="{463BB650-AFB8-4EB8-8969-2F959D8EAD4F}" type="datetime1">
               <a:rPr lang="ru-RU" smtClean="0"/>
               <a:pPr/>
-              <a:t>10.12.2023</a:t>
+              <a:t>12.12.2023</a:t>
             </a:fld>
             <a:endParaRPr lang="ru-RU"/>
           </a:p>
@@ -4107,7 +4106,7 @@
             <a:fld id="{79F2B9F4-0FDB-4F6F-8737-A82692AF2004}" type="datetime1">
               <a:rPr lang="ru-RU" smtClean="0"/>
               <a:pPr/>
-              <a:t>10.12.2023</a:t>
+              <a:t>12.12.2023</a:t>
             </a:fld>
             <a:endParaRPr lang="ru-RU"/>
           </a:p>
@@ -4473,7 +4472,7 @@
             <a:fld id="{B0ECDEB8-08B2-47E9-8D6E-8DF583962871}" type="datetime1">
               <a:rPr lang="ru-RU" smtClean="0"/>
               <a:pPr/>
-              <a:t>10.12.2023</a:t>
+              <a:t>12.12.2023</a:t>
             </a:fld>
             <a:endParaRPr lang="ru-RU"/>
           </a:p>
@@ -4592,7 +4591,7 @@
             <a:fld id="{0125CFBC-8A1E-4B88-8318-D1A46FE9274C}" type="datetime1">
               <a:rPr lang="ru-RU" smtClean="0"/>
               <a:pPr/>
-              <a:t>10.12.2023</a:t>
+              <a:t>12.12.2023</a:t>
             </a:fld>
             <a:endParaRPr lang="ru-RU"/>
           </a:p>
@@ -4689,7 +4688,7 @@
             <a:fld id="{387EE4BF-63A5-4437-AD9E-A7DB957F2D34}" type="datetime1">
               <a:rPr lang="ru-RU" smtClean="0"/>
               <a:pPr/>
-              <a:t>10.12.2023</a:t>
+              <a:t>12.12.2023</a:t>
             </a:fld>
             <a:endParaRPr lang="ru-RU"/>
           </a:p>
@@ -4966,7 +4965,7 @@
             <a:fld id="{A91547C4-783C-4D72-A274-36C5C4D4FDF8}" type="datetime1">
               <a:rPr lang="ru-RU" smtClean="0"/>
               <a:pPr/>
-              <a:t>10.12.2023</a:t>
+              <a:t>12.12.2023</a:t>
             </a:fld>
             <a:endParaRPr lang="ru-RU"/>
           </a:p>
@@ -5220,7 +5219,7 @@
             <a:fld id="{668A31C0-00A8-4167-8EC1-69433850E9EF}" type="datetime1">
               <a:rPr lang="ru-RU" smtClean="0"/>
               <a:pPr/>
-              <a:t>10.12.2023</a:t>
+              <a:t>12.12.2023</a:t>
             </a:fld>
             <a:endParaRPr lang="ru-RU"/>
           </a:p>
@@ -5433,7 +5432,7 @@
             <a:fld id="{72B28B62-43C0-48EE-AC9E-FDF4B84CC8ED}" type="datetime1">
               <a:rPr lang="ru-RU" smtClean="0"/>
               <a:pPr/>
-              <a:t>10.12.2023</a:t>
+              <a:t>12.12.2023</a:t>
             </a:fld>
             <a:endParaRPr lang="ru-RU"/>
           </a:p>
@@ -5984,326 +5983,6 @@
           <p:cNvPr id="2" name="Заголовок 1">
             <a:extLst>
               <a:ext uri="{FF2B5EF4-FFF2-40B4-BE49-F238E27FC236}">
-                <a16:creationId xmlns:a16="http://schemas.microsoft.com/office/drawing/2014/main" id="{642C3DFB-D80E-473F-AA49-7F2442F00278}"/>
-              </a:ext>
-            </a:extLst>
-          </p:cNvPr>
-          <p:cNvSpPr>
-            <a:spLocks noGrp="1"/>
-          </p:cNvSpPr>
-          <p:nvPr>
-            <p:ph type="title"/>
-          </p:nvPr>
-        </p:nvSpPr>
-        <p:spPr>
-          <a:xfrm>
-            <a:off x="0" y="0"/>
-            <a:ext cx="9906000" cy="1038224"/>
-          </a:xfrm>
-        </p:spPr>
-        <p:txBody>
-          <a:bodyPr>
-            <a:normAutofit/>
-          </a:bodyPr>
-          <a:lstStyle/>
-          <a:p>
-            <a:r>
-              <a:rPr lang="ru-RU" sz="2400" dirty="0"/>
-              <a:t>Модель сбора и мониторинга данных интегрированной системы контроля энергопотребления</a:t>
-            </a:r>
-          </a:p>
-        </p:txBody>
-      </p:sp>
-      <p:sp>
-        <p:nvSpPr>
-          <p:cNvPr id="4" name="Номер слайда 3">
-            <a:extLst>
-              <a:ext uri="{FF2B5EF4-FFF2-40B4-BE49-F238E27FC236}">
-                <a16:creationId xmlns:a16="http://schemas.microsoft.com/office/drawing/2014/main" id="{5B696B89-ED8E-4E28-813F-7C2B394B98C6}"/>
-              </a:ext>
-            </a:extLst>
-          </p:cNvPr>
-          <p:cNvSpPr>
-            <a:spLocks noGrp="1"/>
-          </p:cNvSpPr>
-          <p:nvPr>
-            <p:ph type="sldNum" sz="quarter" idx="12"/>
-          </p:nvPr>
-        </p:nvSpPr>
-        <p:spPr/>
-        <p:txBody>
-          <a:bodyPr/>
-          <a:lstStyle/>
-          <a:p>
-            <a:fld id="{E61BA17C-8861-48C6-BD31-E6A55A1FA5BD}" type="slidenum">
-              <a:rPr lang="ru-RU" smtClean="0"/>
-              <a:pPr/>
-              <a:t>10</a:t>
-            </a:fld>
-            <a:endParaRPr lang="ru-RU"/>
-          </a:p>
-        </p:txBody>
-      </p:sp>
-      <p:sp>
-        <p:nvSpPr>
-          <p:cNvPr id="25" name="TextBox 24">
-            <a:extLst>
-              <a:ext uri="{FF2B5EF4-FFF2-40B4-BE49-F238E27FC236}">
-                <a16:creationId xmlns:a16="http://schemas.microsoft.com/office/drawing/2014/main" id="{96ADAA6F-E672-4F8B-B545-8E941C6568D5}"/>
-              </a:ext>
-            </a:extLst>
-          </p:cNvPr>
-          <p:cNvSpPr txBox="1"/>
-          <p:nvPr/>
-        </p:nvSpPr>
-        <p:spPr>
-          <a:xfrm>
-            <a:off x="4984656" y="4691898"/>
-            <a:ext cx="4696692" cy="646331"/>
-          </a:xfrm>
-          <a:prstGeom prst="rect">
-            <a:avLst/>
-          </a:prstGeom>
-          <a:noFill/>
-        </p:spPr>
-        <p:txBody>
-          <a:bodyPr wrap="square" rtlCol="0">
-            <a:spAutoFit/>
-          </a:bodyPr>
-          <a:lstStyle/>
-          <a:p>
-            <a:r>
-              <a:rPr lang="ru-RU" sz="1200" dirty="0"/>
-              <a:t>Схема системы для </a:t>
-            </a:r>
-            <a:r>
-              <a:rPr lang="ru-RU" sz="1200" dirty="0" err="1"/>
-              <a:t>хаба</a:t>
-            </a:r>
-            <a:r>
-              <a:rPr lang="ru-RU" sz="1200" dirty="0"/>
-              <a:t> и его четырех терминаторов; приложение, его хранилище данных;  интеллектуальные устройства и сервер.</a:t>
-            </a:r>
-          </a:p>
-        </p:txBody>
-      </p:sp>
-      <p:sp>
-        <p:nvSpPr>
-          <p:cNvPr id="28" name="TextBox 27">
-            <a:extLst>
-              <a:ext uri="{FF2B5EF4-FFF2-40B4-BE49-F238E27FC236}">
-                <a16:creationId xmlns:a16="http://schemas.microsoft.com/office/drawing/2014/main" id="{96ADAA6F-E672-4F8B-B545-8E941C6568D5}"/>
-              </a:ext>
-            </a:extLst>
-          </p:cNvPr>
-          <p:cNvSpPr txBox="1"/>
-          <p:nvPr/>
-        </p:nvSpPr>
-        <p:spPr>
-          <a:xfrm>
-            <a:off x="507867" y="6567353"/>
-            <a:ext cx="4696692" cy="276999"/>
-          </a:xfrm>
-          <a:prstGeom prst="rect">
-            <a:avLst/>
-          </a:prstGeom>
-          <a:noFill/>
-        </p:spPr>
-        <p:txBody>
-          <a:bodyPr wrap="square" rtlCol="0">
-            <a:spAutoFit/>
-          </a:bodyPr>
-          <a:lstStyle/>
-          <a:p>
-            <a:r>
-              <a:rPr lang="ru-RU" sz="1200" dirty="0"/>
-              <a:t>Схема вариантов взаимодействия </a:t>
-            </a:r>
-            <a:r>
-              <a:rPr lang="ru-RU" sz="1200" dirty="0" err="1"/>
-              <a:t>хаба</a:t>
-            </a:r>
-            <a:r>
-              <a:rPr lang="ru-RU" sz="1200" dirty="0"/>
-              <a:t> и приложения</a:t>
-            </a:r>
-          </a:p>
-        </p:txBody>
-      </p:sp>
-      <p:sp>
-        <p:nvSpPr>
-          <p:cNvPr id="34" name="TextBox 33">
-            <a:extLst>
-              <a:ext uri="{FF2B5EF4-FFF2-40B4-BE49-F238E27FC236}">
-                <a16:creationId xmlns:a16="http://schemas.microsoft.com/office/drawing/2014/main" id="{96ADAA6F-E672-4F8B-B545-8E941C6568D5}"/>
-              </a:ext>
-            </a:extLst>
-          </p:cNvPr>
-          <p:cNvSpPr txBox="1"/>
-          <p:nvPr/>
-        </p:nvSpPr>
-        <p:spPr>
-          <a:xfrm>
-            <a:off x="41563" y="3302169"/>
-            <a:ext cx="5001492" cy="461665"/>
-          </a:xfrm>
-          <a:prstGeom prst="rect">
-            <a:avLst/>
-          </a:prstGeom>
-          <a:noFill/>
-        </p:spPr>
-        <p:txBody>
-          <a:bodyPr wrap="square" rtlCol="0">
-            <a:spAutoFit/>
-          </a:bodyPr>
-          <a:lstStyle/>
-          <a:p>
-            <a:r>
-              <a:rPr lang="ru-RU" sz="1200" dirty="0"/>
-              <a:t>Схема  для сервера и его четырех терминаторов; </a:t>
-            </a:r>
-            <a:r>
-              <a:rPr lang="ru-RU" sz="1200" dirty="0" err="1"/>
-              <a:t>хаб</a:t>
-            </a:r>
-            <a:r>
-              <a:rPr lang="ru-RU" sz="1200" dirty="0"/>
-              <a:t>, хранилище данных, приложение и источник цен на электроэнергию</a:t>
-            </a:r>
-          </a:p>
-        </p:txBody>
-      </p:sp>
-      <p:pic>
-        <p:nvPicPr>
-          <p:cNvPr id="9217" name="Picture 1"/>
-          <p:cNvPicPr>
-            <a:picLocks noChangeAspect="1" noChangeArrowheads="1"/>
-          </p:cNvPicPr>
-          <p:nvPr/>
-        </p:nvPicPr>
-        <p:blipFill>
-          <a:blip r:embed="rId2" cstate="print"/>
-          <a:srcRect/>
-          <a:stretch>
-            <a:fillRect/>
-          </a:stretch>
-        </p:blipFill>
-        <p:spPr bwMode="auto">
-          <a:xfrm>
-            <a:off x="5080340" y="2009277"/>
-            <a:ext cx="4505325" cy="2628900"/>
-          </a:xfrm>
-          <a:prstGeom prst="rect">
-            <a:avLst/>
-          </a:prstGeom>
-          <a:noFill/>
-          <a:ln w="9525">
-            <a:noFill/>
-            <a:miter lim="800000"/>
-            <a:headEnd/>
-            <a:tailEnd/>
-          </a:ln>
-        </p:spPr>
-      </p:pic>
-      <p:pic>
-        <p:nvPicPr>
-          <p:cNvPr id="9218" name="Picture 2"/>
-          <p:cNvPicPr>
-            <a:picLocks noChangeAspect="1" noChangeArrowheads="1"/>
-          </p:cNvPicPr>
-          <p:nvPr/>
-        </p:nvPicPr>
-        <p:blipFill>
-          <a:blip r:embed="rId3" cstate="print"/>
-          <a:srcRect/>
-          <a:stretch>
-            <a:fillRect/>
-          </a:stretch>
-        </p:blipFill>
-        <p:spPr bwMode="auto">
-          <a:xfrm>
-            <a:off x="103909" y="941094"/>
-            <a:ext cx="4876800" cy="2381250"/>
-          </a:xfrm>
-          <a:prstGeom prst="rect">
-            <a:avLst/>
-          </a:prstGeom>
-          <a:noFill/>
-          <a:ln w="9525">
-            <a:noFill/>
-            <a:miter lim="800000"/>
-            <a:headEnd/>
-            <a:tailEnd/>
-          </a:ln>
-        </p:spPr>
-      </p:pic>
-      <p:pic>
-        <p:nvPicPr>
-          <p:cNvPr id="1027" name="Picture 3"/>
-          <p:cNvPicPr>
-            <a:picLocks noChangeAspect="1" noChangeArrowheads="1"/>
-          </p:cNvPicPr>
-          <p:nvPr/>
-        </p:nvPicPr>
-        <p:blipFill>
-          <a:blip r:embed="rId4" cstate="print"/>
-          <a:srcRect/>
-          <a:stretch>
-            <a:fillRect/>
-          </a:stretch>
-        </p:blipFill>
-        <p:spPr bwMode="auto">
-          <a:xfrm>
-            <a:off x="842002" y="4040765"/>
-            <a:ext cx="3857625" cy="2600325"/>
-          </a:xfrm>
-          <a:prstGeom prst="rect">
-            <a:avLst/>
-          </a:prstGeom>
-          <a:noFill/>
-          <a:ln w="9525">
-            <a:noFill/>
-            <a:miter lim="800000"/>
-            <a:headEnd/>
-            <a:tailEnd/>
-          </a:ln>
-        </p:spPr>
-      </p:pic>
-    </p:spTree>
-    <p:extLst>
-      <p:ext uri="{BB962C8B-B14F-4D97-AF65-F5344CB8AC3E}">
-        <p14:creationId xmlns:p14="http://schemas.microsoft.com/office/powerpoint/2010/main" val="2506469640"/>
-      </p:ext>
-    </p:extLst>
-  </p:cSld>
-  <p:clrMapOvr>
-    <a:masterClrMapping/>
-  </p:clrMapOvr>
-</p:sld>
-</file>
-
-<file path=ppt/slides/slide11.xml><?xml version="1.0" encoding="utf-8"?>
-<p:sld xmlns:a="http://schemas.openxmlformats.org/drawingml/2006/main" xmlns:r="http://schemas.openxmlformats.org/officeDocument/2006/relationships" xmlns:p="http://schemas.openxmlformats.org/presentationml/2006/main">
-  <p:cSld>
-    <p:spTree>
-      <p:nvGrpSpPr>
-        <p:cNvPr id="1" name=""/>
-        <p:cNvGrpSpPr/>
-        <p:nvPr/>
-      </p:nvGrpSpPr>
-      <p:grpSpPr>
-        <a:xfrm>
-          <a:off x="0" y="0"/>
-          <a:ext cx="0" cy="0"/>
-          <a:chOff x="0" y="0"/>
-          <a:chExt cx="0" cy="0"/>
-        </a:xfrm>
-      </p:grpSpPr>
-      <p:sp>
-        <p:nvSpPr>
-          <p:cNvPr id="2" name="Заголовок 1">
-            <a:extLst>
-              <a:ext uri="{FF2B5EF4-FFF2-40B4-BE49-F238E27FC236}">
                 <a16:creationId xmlns:a16="http://schemas.microsoft.com/office/drawing/2014/main" id="{B446604C-7F8A-4976-821A-A2F3240A68AB}"/>
               </a:ext>
             </a:extLst>
@@ -6360,7 +6039,7 @@
             <a:fld id="{E61BA17C-8861-48C6-BD31-E6A55A1FA5BD}" type="slidenum">
               <a:rPr lang="ru-RU" smtClean="0"/>
               <a:pPr/>
-              <a:t>11</a:t>
+              <a:t>10</a:t>
             </a:fld>
             <a:endParaRPr lang="ru-RU"/>
           </a:p>
@@ -6652,7 +6331,7 @@
 </p:sld>
 </file>
 
-<file path=ppt/slides/slide12.xml><?xml version="1.0" encoding="utf-8"?>
+<file path=ppt/slides/slide11.xml><?xml version="1.0" encoding="utf-8"?>
 <p:sld xmlns:a="http://schemas.openxmlformats.org/drawingml/2006/main" xmlns:r="http://schemas.openxmlformats.org/officeDocument/2006/relationships" xmlns:p="http://schemas.openxmlformats.org/presentationml/2006/main">
   <p:cSld>
     <p:spTree>
@@ -6751,7 +6430,7 @@
             <a:fld id="{E61BA17C-8861-48C6-BD31-E6A55A1FA5BD}" type="slidenum">
               <a:rPr lang="ru-RU" smtClean="0"/>
               <a:pPr/>
-              <a:t>12</a:t>
+              <a:t>11</a:t>
             </a:fld>
             <a:endParaRPr lang="ru-RU"/>
           </a:p>
@@ -6931,7 +6610,7 @@
 </p:sld>
 </file>
 
-<file path=ppt/slides/slide13.xml><?xml version="1.0" encoding="utf-8"?>
+<file path=ppt/slides/slide12.xml><?xml version="1.0" encoding="utf-8"?>
 <p:sld xmlns:a="http://schemas.openxmlformats.org/drawingml/2006/main" xmlns:r="http://schemas.openxmlformats.org/officeDocument/2006/relationships" xmlns:p="http://schemas.openxmlformats.org/presentationml/2006/main">
   <p:cSld>
     <p:spTree>
@@ -7007,7 +6686,7 @@
             <a:fld id="{E61BA17C-8861-48C6-BD31-E6A55A1FA5BD}" type="slidenum">
               <a:rPr lang="ru-RU" smtClean="0"/>
               <a:pPr/>
-              <a:t>13</a:t>
+              <a:t>12</a:t>
             </a:fld>
             <a:endParaRPr lang="ru-RU"/>
           </a:p>
@@ -7059,7 +6738,7 @@
 </p:sld>
 </file>
 
-<file path=ppt/slides/slide14.xml><?xml version="1.0" encoding="utf-8"?>
+<file path=ppt/slides/slide13.xml><?xml version="1.0" encoding="utf-8"?>
 <p:sld xmlns:a="http://schemas.openxmlformats.org/drawingml/2006/main" xmlns:r="http://schemas.openxmlformats.org/officeDocument/2006/relationships" xmlns:p="http://schemas.openxmlformats.org/presentationml/2006/main">
   <p:cSld>
     <p:spTree>
@@ -7137,7 +6816,7 @@
             <a:fld id="{E61BA17C-8861-48C6-BD31-E6A55A1FA5BD}" type="slidenum">
               <a:rPr lang="ru-RU" smtClean="0"/>
               <a:pPr/>
-              <a:t>14</a:t>
+              <a:t>13</a:t>
             </a:fld>
             <a:endParaRPr lang="ru-RU" dirty="0"/>
           </a:p>
@@ -8355,7 +8034,7 @@
 </p:sld>
 </file>
 
-<file path=ppt/slides/slide15.xml><?xml version="1.0" encoding="utf-8"?>
+<file path=ppt/slides/slide14.xml><?xml version="1.0" encoding="utf-8"?>
 <p:sld xmlns:a="http://schemas.openxmlformats.org/drawingml/2006/main" xmlns:r="http://schemas.openxmlformats.org/officeDocument/2006/relationships" xmlns:p="http://schemas.openxmlformats.org/presentationml/2006/main">
   <p:cSld>
     <p:spTree>
@@ -8476,7 +8155,7 @@
             <a:fld id="{E61BA17C-8861-48C6-BD31-E6A55A1FA5BD}" type="slidenum">
               <a:rPr lang="ru-RU" smtClean="0"/>
               <a:pPr/>
-              <a:t>15</a:t>
+              <a:t>14</a:t>
             </a:fld>
             <a:endParaRPr lang="ru-RU"/>
           </a:p>
@@ -8819,7 +8498,7 @@
 </p:sld>
 </file>
 
-<file path=ppt/slides/slide16.xml><?xml version="1.0" encoding="utf-8"?>
+<file path=ppt/slides/slide15.xml><?xml version="1.0" encoding="utf-8"?>
 <p:sld xmlns:a="http://schemas.openxmlformats.org/drawingml/2006/main" xmlns:r="http://schemas.openxmlformats.org/officeDocument/2006/relationships" xmlns:p="http://schemas.openxmlformats.org/presentationml/2006/main">
   <p:cSld>
     <p:spTree>
@@ -8888,7 +8567,7 @@
             <a:fld id="{E61BA17C-8861-48C6-BD31-E6A55A1FA5BD}" type="slidenum">
               <a:rPr lang="ru-RU" smtClean="0"/>
               <a:pPr/>
-              <a:t>16</a:t>
+              <a:t>15</a:t>
             </a:fld>
             <a:endParaRPr lang="ru-RU"/>
           </a:p>
@@ -9069,7 +8748,7 @@
 </p:sld>
 </file>
 
-<file path=ppt/slides/slide17.xml><?xml version="1.0" encoding="utf-8"?>
+<file path=ppt/slides/slide16.xml><?xml version="1.0" encoding="utf-8"?>
 <p:sld xmlns:a="http://schemas.openxmlformats.org/drawingml/2006/main" xmlns:r="http://schemas.openxmlformats.org/officeDocument/2006/relationships" xmlns:p="http://schemas.openxmlformats.org/presentationml/2006/main">
   <p:cSld>
     <p:spTree>
@@ -9237,7 +8916,7 @@
             <a:fld id="{E61BA17C-8861-48C6-BD31-E6A55A1FA5BD}" type="slidenum">
               <a:rPr lang="ru-RU" smtClean="0"/>
               <a:pPr/>
-              <a:t>17</a:t>
+              <a:t>16</a:t>
             </a:fld>
             <a:endParaRPr lang="ru-RU" dirty="0"/>
           </a:p>
@@ -9320,7 +8999,7 @@
         </p:spPr>
         <p:txBody>
           <a:bodyPr>
-            <a:normAutofit fontScale="92500" lnSpcReduction="10000"/>
+            <a:normAutofit/>
           </a:bodyPr>
           <a:lstStyle/>
           <a:p>
@@ -9329,11 +9008,11 @@
             </a:pPr>
             <a:r>
               <a:rPr lang="ru-RU" sz="2600" b="1" i="1" dirty="0"/>
-              <a:t>Отсутствие адекватных систем управления энергопотреблением домашних хозяйст</a:t>
+              <a:t>Отсутствие оптимального алгоритма выбора наиболее конкурентоспособных предприятий</a:t>
             </a:r>
             <a:r>
               <a:rPr lang="ru-RU" sz="2600" i="1" dirty="0"/>
-              <a:t>в.</a:t>
+              <a:t>.</a:t>
             </a:r>
           </a:p>
           <a:p>
@@ -9348,12 +9027,8 @@
               <a:buNone/>
             </a:pPr>
             <a:r>
-              <a:rPr lang="ru-RU" sz="3300" u="sng" dirty="0"/>
-              <a:t>Причины</a:t>
-            </a:r>
-            <a:r>
               <a:rPr lang="ru-RU" sz="2800" u="sng" dirty="0"/>
-              <a:t> сложившейся ситуации:</a:t>
+              <a:t>Причины сложившейся ситуации:</a:t>
             </a:r>
           </a:p>
           <a:p>
@@ -9363,7 +9038,7 @@
             </a:pPr>
             <a:r>
               <a:rPr lang="ru-RU" dirty="0"/>
-              <a:t>отсутствие грамотно построенных современных систем контроля энергопотребления;</a:t>
+              <a:t>закрытость алгоритмов существующих сервисов предоставления данных а контрагентах;</a:t>
             </a:r>
           </a:p>
           <a:p>
@@ -9373,43 +9048,12 @@
             </a:pPr>
             <a:r>
               <a:rPr lang="ru-RU" dirty="0"/>
-              <a:t>закрытость таких систем;</a:t>
-            </a:r>
-          </a:p>
-          <a:p>
-            <a:pPr algn="just">
-              <a:buFont typeface="Arial" panose="020B0604020202020204" pitchFamily="34" charset="0"/>
-              <a:buChar char="­"/>
-            </a:pPr>
-            <a:r>
-              <a:rPr lang="ru-RU" dirty="0"/>
-              <a:t>зависимость существующих систем энергопотребления от статического расписания, задаваемого пользователем;</a:t>
-            </a:r>
-          </a:p>
-          <a:p>
-            <a:pPr algn="just">
-              <a:buFont typeface="Arial" panose="020B0604020202020204" pitchFamily="34" charset="0"/>
-              <a:buChar char="­"/>
-            </a:pPr>
-            <a:r>
-              <a:rPr lang="ru-RU" dirty="0"/>
-              <a:t>отсутствие отслеживания местоположения пользователя и его привычек;</a:t>
-            </a:r>
-          </a:p>
-          <a:p>
-            <a:pPr algn="just">
-              <a:buFont typeface="Arial" panose="020B0604020202020204" pitchFamily="34" charset="0"/>
-              <a:buChar char="­"/>
-            </a:pPr>
-            <a:r>
-              <a:rPr lang="ru-RU" dirty="0"/>
-              <a:t>проблемы в области сохранения конфиденциальности информации о пользователе.</a:t>
-            </a:r>
-          </a:p>
-          <a:p>
-            <a:pPr lvl="1" algn="ctr">
-              <a:buFontTx/>
-              <a:buChar char="-"/>
+              <a:t>высокая стоимость и малая гибкость таких сервисов.</a:t>
+            </a:r>
+          </a:p>
+          <a:p>
+            <a:pPr marL="495285" lvl="1" indent="0" algn="ctr">
+              <a:buNone/>
             </a:pPr>
             <a:endParaRPr lang="ru-RU" i="1" dirty="0"/>
           </a:p>
@@ -9869,14 +9513,14 @@
           <p:nvPr>
             <p:extLst>
               <p:ext uri="{D42A27DB-BD31-4B8C-83A1-F6EECF244321}">
-                <p14:modId xmlns:p14="http://schemas.microsoft.com/office/powerpoint/2010/main" val="525830709"/>
+                <p14:modId xmlns:p14="http://schemas.microsoft.com/office/powerpoint/2010/main" val="355514538"/>
               </p:ext>
             </p:extLst>
           </p:nvPr>
         </p:nvGraphicFramePr>
         <p:xfrm>
-          <a:off x="189393" y="1167098"/>
-          <a:ext cx="9564207" cy="5120356"/>
+          <a:off x="189392" y="1167098"/>
+          <a:ext cx="8395808" cy="5303236"/>
         </p:xfrm>
         <a:graphic>
           <a:graphicData uri="http://schemas.openxmlformats.org/drawingml/2006/table">
@@ -9885,35 +9529,35 @@
                 <a:tableStyleId>{5940675A-B579-460E-94D1-54222C63F5DA}</a:tableStyleId>
               </a:tblPr>
               <a:tblGrid>
-                <a:gridCol w="341853">
+                <a:gridCol w="300091">
                   <a:extLst>
                     <a:ext uri="{9D8B030D-6E8A-4147-A177-3AD203B41FA5}">
                       <a16:colId xmlns:a16="http://schemas.microsoft.com/office/drawing/2014/main" val="1993572765"/>
                     </a:ext>
                   </a:extLst>
                 </a:gridCol>
-                <a:gridCol w="1878579">
+                <a:gridCol w="1649085">
                   <a:extLst>
                     <a:ext uri="{9D8B030D-6E8A-4147-A177-3AD203B41FA5}">
                       <a16:colId xmlns:a16="http://schemas.microsoft.com/office/drawing/2014/main" val="2375447275"/>
                     </a:ext>
                   </a:extLst>
                 </a:gridCol>
-                <a:gridCol w="3467100">
+                <a:gridCol w="3043546">
                   <a:extLst>
                     <a:ext uri="{9D8B030D-6E8A-4147-A177-3AD203B41FA5}">
                       <a16:colId xmlns:a16="http://schemas.microsoft.com/office/drawing/2014/main" val="1289450732"/>
                     </a:ext>
                   </a:extLst>
                 </a:gridCol>
-                <a:gridCol w="1590675">
+                <a:gridCol w="1980787">
                   <a:extLst>
                     <a:ext uri="{9D8B030D-6E8A-4147-A177-3AD203B41FA5}">
                       <a16:colId xmlns:a16="http://schemas.microsoft.com/office/drawing/2014/main" val="1652212273"/>
                     </a:ext>
                   </a:extLst>
                 </a:gridCol>
-                <a:gridCol w="2286000">
+                <a:gridCol w="1422299">
                   <a:extLst>
                     <a:ext uri="{9D8B030D-6E8A-4147-A177-3AD203B41FA5}">
                       <a16:colId xmlns:a16="http://schemas.microsoft.com/office/drawing/2014/main" val="763732300"/>
@@ -10136,43 +9780,61 @@
                   </a:txBody>
                   <a:tcPr marL="99060" marR="99060" marT="49530" marB="49530" anchor="ctr"/>
                 </a:tc>
-                <a:tc>
+                <a:tc rowSpan="3">
                   <a:txBody>
                     <a:bodyPr/>
                     <a:lstStyle/>
                     <a:p>
-                      <a:pPr algn="ctr"/>
+                      <a:pPr lvl="0" algn="ctr"/>
                       <a:r>
-                        <a:rPr lang="ru-RU" sz="1050" dirty="0"/>
-                        <a:t>1С:Лик</a:t>
+                        <a:rPr lang="ru-RU" sz="1200" kern="1200" dirty="0">
+                          <a:solidFill>
+                            <a:schemeClr val="tx1"/>
+                          </a:solidFill>
+                          <a:effectLst/>
+                          <a:latin typeface="+mn-lt"/>
+                          <a:ea typeface="+mn-ea"/>
+                          <a:cs typeface="+mn-cs"/>
+                        </a:rPr>
+                        <a:t>СПАРК-Интерфакс, </a:t>
                       </a:r>
-                    </a:p>
-                  </a:txBody>
-                  <a:tcPr marL="99060" marR="99060" marT="49530" marB="49530" anchor="ctr"/>
-                </a:tc>
-                <a:tc>
-                  <a:txBody>
-                    <a:bodyPr/>
-                    <a:lstStyle/>
-                    <a:p>
-                      <a:pPr marL="0" marR="0" lvl="0" indent="0" algn="ctr" defTabSz="990570" rtl="0" eaLnBrk="1" fontAlgn="auto" latinLnBrk="0" hangingPunct="1">
-                        <a:lnSpc>
-                          <a:spcPct val="100000"/>
-                        </a:lnSpc>
-                        <a:spcBef>
-                          <a:spcPts val="0"/>
-                        </a:spcBef>
-                        <a:spcAft>
-                          <a:spcPts val="0"/>
-                        </a:spcAft>
-                        <a:buClrTx/>
-                        <a:buSzTx/>
-                        <a:buFontTx/>
-                        <a:buNone/>
-                        <a:tabLst/>
-                        <a:defRPr/>
-                      </a:pPr>
-                      <a:endParaRPr lang="ru-RU" sz="1050" kern="1200" dirty="0">
+                      <a:r>
+                        <a:rPr lang="ru-RU" sz="1200" kern="1200" dirty="0" err="1">
+                          <a:solidFill>
+                            <a:schemeClr val="tx1"/>
+                          </a:solidFill>
+                          <a:effectLst/>
+                          <a:latin typeface="+mn-lt"/>
+                          <a:ea typeface="+mn-ea"/>
+                          <a:cs typeface="+mn-cs"/>
+                        </a:rPr>
+                        <a:t>Ruрsprofil</a:t>
+                      </a:r>
+                      <a:r>
+                        <a:rPr lang="en-US" sz="1200" kern="1200" dirty="0">
+                          <a:solidFill>
+                            <a:schemeClr val="tx1"/>
+                          </a:solidFill>
+                          <a:effectLst/>
+                          <a:latin typeface="+mn-lt"/>
+                          <a:ea typeface="+mn-ea"/>
+                          <a:cs typeface="+mn-cs"/>
+                        </a:rPr>
+                        <a:t>e</a:t>
+                      </a:r>
+                      <a:r>
+                        <a:rPr lang="ru-RU" sz="1200" kern="1200" dirty="0">
+                          <a:solidFill>
+                            <a:schemeClr val="tx1"/>
+                          </a:solidFill>
+                          <a:effectLst/>
+                          <a:latin typeface="+mn-lt"/>
+                          <a:ea typeface="+mn-ea"/>
+                          <a:cs typeface="+mn-cs"/>
+                        </a:rPr>
+                        <a:t>,</a:t>
+                      </a:r>
+                      <a:endParaRPr lang="en-US" sz="1200" kern="1200" dirty="0">
                         <a:solidFill>
                           <a:schemeClr val="tx1"/>
                         </a:solidFill>
@@ -10181,6 +9843,55 @@
                         <a:ea typeface="+mn-ea"/>
                         <a:cs typeface="+mn-cs"/>
                       </a:endParaRPr>
+                    </a:p>
+                    <a:p>
+                      <a:pPr lvl="0" algn="ctr"/>
+                      <a:r>
+                        <a:rPr lang="en-US" sz="1200" kern="1200" dirty="0">
+                          <a:solidFill>
+                            <a:schemeClr val="tx1"/>
+                          </a:solidFill>
+                          <a:effectLst/>
+                          <a:latin typeface="+mn-lt"/>
+                          <a:ea typeface="+mn-ea"/>
+                          <a:cs typeface="+mn-cs"/>
+                        </a:rPr>
+                        <a:t>1C:</a:t>
+                      </a:r>
+                      <a:r>
+                        <a:rPr lang="ru-RU" sz="1200" kern="1200" dirty="0">
+                          <a:solidFill>
+                            <a:schemeClr val="tx1"/>
+                          </a:solidFill>
+                          <a:effectLst/>
+                          <a:latin typeface="+mn-lt"/>
+                          <a:ea typeface="+mn-ea"/>
+                          <a:cs typeface="+mn-cs"/>
+                        </a:rPr>
+                        <a:t>Лик</a:t>
+                      </a:r>
+                    </a:p>
+                  </a:txBody>
+                  <a:tcPr marL="99060" marR="99060" marT="49530" marB="49530" anchor="ctr"/>
+                </a:tc>
+                <a:tc rowSpan="3">
+                  <a:txBody>
+                    <a:bodyPr/>
+                    <a:lstStyle/>
+                    <a:p>
+                      <a:pPr lvl="0" algn="ctr"/>
+                      <a:r>
+                        <a:rPr lang="ru-RU" sz="1200" kern="1200" dirty="0">
+                          <a:solidFill>
+                            <a:schemeClr val="tx1"/>
+                          </a:solidFill>
+                          <a:effectLst/>
+                          <a:latin typeface="+mn-lt"/>
+                          <a:ea typeface="+mn-ea"/>
+                          <a:cs typeface="+mn-cs"/>
+                        </a:rPr>
+                        <a:t>Цена</a:t>
+                      </a:r>
                     </a:p>
                   </a:txBody>
                   <a:tcPr marL="99060" marR="99060" marT="49530" marB="49530" anchor="ctr"/>
@@ -10304,46 +10015,40 @@
                   </a:txBody>
                   <a:tcPr marL="99060" marR="99060" marT="49530" marB="49530" anchor="ctr"/>
                 </a:tc>
-                <a:tc>
+                <a:tc vMerge="1">
                   <a:txBody>
                     <a:bodyPr/>
                     <a:lstStyle/>
                     <a:p>
                       <a:pPr lvl="0" algn="ctr"/>
-                      <a:r>
-                        <a:rPr lang="ru-RU" sz="1200" kern="1200" dirty="0">
-                          <a:solidFill>
-                            <a:schemeClr val="tx1"/>
-                          </a:solidFill>
-                          <a:effectLst/>
-                          <a:latin typeface="+mn-lt"/>
-                          <a:ea typeface="+mn-ea"/>
-                          <a:cs typeface="+mn-cs"/>
-                        </a:rPr>
-                        <a:t>СПАРК</a:t>
-                      </a:r>
+                      <a:endParaRPr lang="ru-RU" sz="1200" kern="1200" dirty="0">
+                        <a:solidFill>
+                          <a:schemeClr val="tx1"/>
+                        </a:solidFill>
+                        <a:effectLst/>
+                        <a:latin typeface="+mn-lt"/>
+                        <a:ea typeface="+mn-ea"/>
+                        <a:cs typeface="+mn-cs"/>
+                      </a:endParaRPr>
                     </a:p>
                   </a:txBody>
                   <a:tcPr marL="99060" marR="99060" marT="49530" marB="49530" anchor="ctr"/>
                 </a:tc>
-                <a:tc>
+                <a:tc vMerge="1">
                   <a:txBody>
                     <a:bodyPr/>
                     <a:lstStyle/>
                     <a:p>
                       <a:pPr lvl="0" algn="ctr"/>
-                      <a:r>
-                        <a:rPr lang="ru-RU" sz="1200" kern="1200" dirty="0">
-                          <a:solidFill>
-                            <a:schemeClr val="tx1"/>
-                          </a:solidFill>
-                          <a:effectLst/>
-                          <a:latin typeface="+mn-lt"/>
-                          <a:ea typeface="+mn-ea"/>
-                          <a:cs typeface="+mn-cs"/>
-                        </a:rPr>
-                        <a:t>Высокая цена</a:t>
-                      </a:r>
+                      <a:endParaRPr lang="ru-RU" sz="1200" kern="1200" dirty="0">
+                        <a:solidFill>
+                          <a:schemeClr val="tx1"/>
+                        </a:solidFill>
+                        <a:effectLst/>
+                        <a:latin typeface="+mn-lt"/>
+                        <a:ea typeface="+mn-ea"/>
+                        <a:cs typeface="+mn-cs"/>
+                      </a:endParaRPr>
                     </a:p>
                   </a:txBody>
                   <a:tcPr marL="99060" marR="99060" marT="49530" marB="49530" anchor="ctr"/>
@@ -10462,7 +10167,7 @@
                   </a:txBody>
                   <a:tcPr marL="99060" marR="99060" marT="49530" marB="49530" anchor="ctr"/>
                 </a:tc>
-                <a:tc>
+                <a:tc vMerge="1">
                   <a:txBody>
                     <a:bodyPr/>
                     <a:lstStyle/>
@@ -10497,7 +10202,7 @@
                   </a:txBody>
                   <a:tcPr marL="99060" marR="99060" marT="49530" marB="49530" anchor="ctr"/>
                 </a:tc>
-                <a:tc>
+                <a:tc vMerge="1">
                   <a:txBody>
                     <a:bodyPr/>
                     <a:lstStyle/>
@@ -10596,7 +10301,7 @@
           <a:p>
             <a:r>
               <a:rPr lang="ru-RU" sz="2400" dirty="0"/>
-              <a:t>Формализация задачи прогнозирования на основании НС</a:t>
+              <a:t>Формализация задачи выбора наиболее конкурентоспособных предприятий</a:t>
             </a:r>
           </a:p>
         </p:txBody>
@@ -10625,2570 +10330,1341 @@
           </a:p>
         </p:txBody>
       </p:sp>
-      <p:sp>
-        <p:nvSpPr>
-          <p:cNvPr id="4" name="Прямоугольник 3"/>
-          <p:cNvSpPr/>
-          <p:nvPr/>
-        </p:nvSpPr>
-        <p:spPr>
-          <a:xfrm>
-            <a:off x="1168400" y="1143000"/>
-            <a:ext cx="1206500" cy="2844800"/>
-          </a:xfrm>
-          <a:prstGeom prst="rect">
-            <a:avLst/>
-          </a:prstGeom>
-          <a:solidFill>
-            <a:schemeClr val="bg1"/>
-          </a:solidFill>
-          <a:ln>
-            <a:solidFill>
-              <a:schemeClr val="tx1"/>
-            </a:solidFill>
-            <a:prstDash val="dash"/>
-          </a:ln>
-        </p:spPr>
-        <p:style>
-          <a:lnRef idx="2">
-            <a:schemeClr val="accent1">
-              <a:shade val="50000"/>
-            </a:schemeClr>
-          </a:lnRef>
-          <a:fillRef idx="1">
-            <a:schemeClr val="accent1"/>
-          </a:fillRef>
-          <a:effectRef idx="0">
-            <a:schemeClr val="accent1"/>
-          </a:effectRef>
-          <a:fontRef idx="minor">
-            <a:schemeClr val="lt1"/>
-          </a:fontRef>
-        </p:style>
-        <p:txBody>
-          <a:bodyPr rtlCol="0" anchor="ctr"/>
-          <a:lstStyle/>
-          <a:p>
-            <a:pPr algn="ctr"/>
-            <a:endParaRPr lang="ru-RU" dirty="0"/>
-          </a:p>
-        </p:txBody>
-      </p:sp>
-      <p:sp>
-        <p:nvSpPr>
-          <p:cNvPr id="6" name="Прямоугольник 5"/>
-          <p:cNvSpPr/>
-          <p:nvPr/>
-        </p:nvSpPr>
-        <p:spPr>
-          <a:xfrm>
-            <a:off x="3289300" y="1143000"/>
-            <a:ext cx="3327400" cy="2844800"/>
-          </a:xfrm>
-          <a:prstGeom prst="rect">
-            <a:avLst/>
-          </a:prstGeom>
-          <a:solidFill>
-            <a:schemeClr val="bg1"/>
-          </a:solidFill>
-          <a:ln>
-            <a:solidFill>
-              <a:schemeClr val="tx1"/>
-            </a:solidFill>
-            <a:prstDash val="dash"/>
-          </a:ln>
-        </p:spPr>
-        <p:style>
-          <a:lnRef idx="2">
-            <a:schemeClr val="accent1">
-              <a:shade val="50000"/>
-            </a:schemeClr>
-          </a:lnRef>
-          <a:fillRef idx="1">
-            <a:schemeClr val="accent1"/>
-          </a:fillRef>
-          <a:effectRef idx="0">
-            <a:schemeClr val="accent1"/>
-          </a:effectRef>
-          <a:fontRef idx="minor">
-            <a:schemeClr val="lt1"/>
-          </a:fontRef>
-        </p:style>
-        <p:txBody>
-          <a:bodyPr rtlCol="0" anchor="ctr"/>
-          <a:lstStyle/>
-          <a:p>
-            <a:pPr algn="ctr"/>
-            <a:endParaRPr lang="ru-RU"/>
-          </a:p>
-        </p:txBody>
-      </p:sp>
-      <p:sp>
-        <p:nvSpPr>
-          <p:cNvPr id="8" name="Овал 7"/>
-          <p:cNvSpPr/>
-          <p:nvPr/>
-        </p:nvSpPr>
-        <p:spPr>
-          <a:xfrm>
-            <a:off x="1536700" y="1314450"/>
-            <a:ext cx="469900" cy="469900"/>
-          </a:xfrm>
-          <a:prstGeom prst="ellipse">
-            <a:avLst/>
-          </a:prstGeom>
-          <a:solidFill>
-            <a:schemeClr val="bg1"/>
-          </a:solidFill>
-          <a:ln>
-            <a:solidFill>
-              <a:schemeClr val="tx1"/>
-            </a:solidFill>
-          </a:ln>
-        </p:spPr>
-        <p:style>
-          <a:lnRef idx="2">
-            <a:schemeClr val="accent1">
-              <a:shade val="50000"/>
-            </a:schemeClr>
-          </a:lnRef>
-          <a:fillRef idx="1">
-            <a:schemeClr val="accent1"/>
-          </a:fillRef>
-          <a:effectRef idx="0">
-            <a:schemeClr val="accent1"/>
-          </a:effectRef>
-          <a:fontRef idx="minor">
-            <a:schemeClr val="lt1"/>
-          </a:fontRef>
-        </p:style>
-        <p:txBody>
-          <a:bodyPr rtlCol="0" anchor="ctr"/>
-          <a:lstStyle/>
-          <a:p>
-            <a:pPr algn="ctr"/>
-            <a:r>
-              <a:rPr lang="ru-RU" dirty="0">
-                <a:solidFill>
-                  <a:schemeClr val="tx1"/>
-                </a:solidFill>
-              </a:rPr>
-              <a:t>1</a:t>
-            </a:r>
-          </a:p>
-        </p:txBody>
-      </p:sp>
-      <p:sp>
-        <p:nvSpPr>
-          <p:cNvPr id="9" name="Овал 8"/>
-          <p:cNvSpPr/>
-          <p:nvPr/>
-        </p:nvSpPr>
-        <p:spPr>
-          <a:xfrm>
-            <a:off x="1536700" y="1936750"/>
-            <a:ext cx="469900" cy="469900"/>
-          </a:xfrm>
-          <a:prstGeom prst="ellipse">
-            <a:avLst/>
-          </a:prstGeom>
-          <a:solidFill>
-            <a:schemeClr val="bg1"/>
-          </a:solidFill>
-          <a:ln>
-            <a:solidFill>
-              <a:schemeClr val="tx1"/>
-            </a:solidFill>
-          </a:ln>
-        </p:spPr>
-        <p:style>
-          <a:lnRef idx="2">
-            <a:schemeClr val="accent1">
-              <a:shade val="50000"/>
-            </a:schemeClr>
-          </a:lnRef>
-          <a:fillRef idx="1">
-            <a:schemeClr val="accent1"/>
-          </a:fillRef>
-          <a:effectRef idx="0">
-            <a:schemeClr val="accent1"/>
-          </a:effectRef>
-          <a:fontRef idx="minor">
-            <a:schemeClr val="lt1"/>
-          </a:fontRef>
-        </p:style>
-        <p:txBody>
-          <a:bodyPr rtlCol="0" anchor="ctr"/>
-          <a:lstStyle/>
-          <a:p>
-            <a:pPr algn="ctr"/>
-            <a:r>
-              <a:rPr lang="ru-RU" dirty="0">
-                <a:solidFill>
-                  <a:schemeClr val="tx1"/>
-                </a:solidFill>
-              </a:rPr>
-              <a:t>2</a:t>
-            </a:r>
-          </a:p>
-        </p:txBody>
-      </p:sp>
-      <p:sp>
-        <p:nvSpPr>
-          <p:cNvPr id="10" name="Овал 9"/>
-          <p:cNvSpPr/>
-          <p:nvPr/>
-        </p:nvSpPr>
-        <p:spPr>
-          <a:xfrm>
-            <a:off x="1536700" y="3308350"/>
-            <a:ext cx="469900" cy="469900"/>
-          </a:xfrm>
-          <a:prstGeom prst="ellipse">
-            <a:avLst/>
-          </a:prstGeom>
-          <a:solidFill>
-            <a:schemeClr val="bg1"/>
-          </a:solidFill>
-          <a:ln>
-            <a:solidFill>
-              <a:schemeClr val="tx1"/>
-            </a:solidFill>
-          </a:ln>
-        </p:spPr>
-        <p:style>
-          <a:lnRef idx="2">
-            <a:schemeClr val="accent1">
-              <a:shade val="50000"/>
-            </a:schemeClr>
-          </a:lnRef>
-          <a:fillRef idx="1">
-            <a:schemeClr val="accent1"/>
-          </a:fillRef>
-          <a:effectRef idx="0">
-            <a:schemeClr val="accent1"/>
-          </a:effectRef>
-          <a:fontRef idx="minor">
-            <a:schemeClr val="lt1"/>
-          </a:fontRef>
-        </p:style>
-        <p:txBody>
-          <a:bodyPr rtlCol="0" anchor="ctr"/>
-          <a:lstStyle/>
-          <a:p>
-            <a:pPr algn="ctr"/>
-            <a:r>
-              <a:rPr lang="en-US" dirty="0">
-                <a:solidFill>
-                  <a:schemeClr val="tx1"/>
-                </a:solidFill>
-              </a:rPr>
-              <a:t>N</a:t>
-            </a:r>
-            <a:endParaRPr lang="ru-RU" dirty="0">
-              <a:solidFill>
-                <a:schemeClr val="tx1"/>
-              </a:solidFill>
-            </a:endParaRPr>
-          </a:p>
-        </p:txBody>
-      </p:sp>
-      <p:sp>
-        <p:nvSpPr>
-          <p:cNvPr id="21" name="TextBox 20"/>
-          <p:cNvSpPr txBox="1"/>
-          <p:nvPr/>
-        </p:nvSpPr>
-        <p:spPr>
-          <a:xfrm>
-            <a:off x="1485900" y="2558762"/>
-            <a:ext cx="571500" cy="584775"/>
-          </a:xfrm>
-          <a:prstGeom prst="rect">
-            <a:avLst/>
-          </a:prstGeom>
-          <a:noFill/>
-        </p:spPr>
-        <p:txBody>
-          <a:bodyPr wrap="square" rtlCol="0">
-            <a:spAutoFit/>
-          </a:bodyPr>
-          <a:lstStyle/>
-          <a:p>
-            <a:r>
-              <a:rPr lang="en-US" sz="3200" b="1" dirty="0"/>
-              <a:t>…</a:t>
-            </a:r>
-            <a:endParaRPr lang="ru-RU" sz="3200" b="1" dirty="0"/>
-          </a:p>
-        </p:txBody>
-      </p:sp>
-      <p:sp>
-        <p:nvSpPr>
-          <p:cNvPr id="22" name="Прямоугольник 21"/>
-          <p:cNvSpPr/>
-          <p:nvPr/>
-        </p:nvSpPr>
-        <p:spPr>
-          <a:xfrm>
-            <a:off x="7493000" y="1143000"/>
-            <a:ext cx="1206500" cy="2844800"/>
-          </a:xfrm>
-          <a:prstGeom prst="rect">
-            <a:avLst/>
-          </a:prstGeom>
-          <a:solidFill>
-            <a:schemeClr val="bg1"/>
-          </a:solidFill>
-          <a:ln>
-            <a:solidFill>
-              <a:schemeClr val="tx1"/>
-            </a:solidFill>
-            <a:prstDash val="dash"/>
-          </a:ln>
-        </p:spPr>
-        <p:style>
-          <a:lnRef idx="2">
-            <a:schemeClr val="accent1">
-              <a:shade val="50000"/>
-            </a:schemeClr>
-          </a:lnRef>
-          <a:fillRef idx="1">
-            <a:schemeClr val="accent1"/>
-          </a:fillRef>
-          <a:effectRef idx="0">
-            <a:schemeClr val="accent1"/>
-          </a:effectRef>
-          <a:fontRef idx="minor">
-            <a:schemeClr val="lt1"/>
-          </a:fontRef>
-        </p:style>
-        <p:txBody>
-          <a:bodyPr rtlCol="0" anchor="ctr"/>
-          <a:lstStyle/>
-          <a:p>
-            <a:pPr algn="ctr"/>
-            <a:endParaRPr lang="ru-RU" dirty="0"/>
-          </a:p>
-        </p:txBody>
-      </p:sp>
-      <p:sp>
-        <p:nvSpPr>
-          <p:cNvPr id="23" name="Овал 22"/>
-          <p:cNvSpPr/>
-          <p:nvPr/>
-        </p:nvSpPr>
-        <p:spPr>
-          <a:xfrm>
-            <a:off x="7861300" y="1314450"/>
-            <a:ext cx="469900" cy="469900"/>
-          </a:xfrm>
-          <a:prstGeom prst="ellipse">
-            <a:avLst/>
-          </a:prstGeom>
-          <a:solidFill>
-            <a:schemeClr val="bg1"/>
-          </a:solidFill>
-          <a:ln>
-            <a:solidFill>
-              <a:schemeClr val="tx1"/>
-            </a:solidFill>
-          </a:ln>
-        </p:spPr>
-        <p:style>
-          <a:lnRef idx="2">
-            <a:schemeClr val="accent1">
-              <a:shade val="50000"/>
-            </a:schemeClr>
-          </a:lnRef>
-          <a:fillRef idx="1">
-            <a:schemeClr val="accent1"/>
-          </a:fillRef>
-          <a:effectRef idx="0">
-            <a:schemeClr val="accent1"/>
-          </a:effectRef>
-          <a:fontRef idx="minor">
-            <a:schemeClr val="lt1"/>
-          </a:fontRef>
-        </p:style>
-        <p:txBody>
-          <a:bodyPr rtlCol="0" anchor="ctr"/>
-          <a:lstStyle/>
-          <a:p>
-            <a:pPr algn="ctr"/>
-            <a:r>
-              <a:rPr lang="ru-RU" dirty="0">
-                <a:solidFill>
-                  <a:schemeClr val="tx1"/>
-                </a:solidFill>
-              </a:rPr>
-              <a:t>1</a:t>
-            </a:r>
-          </a:p>
-        </p:txBody>
-      </p:sp>
-      <p:sp>
-        <p:nvSpPr>
-          <p:cNvPr id="24" name="Овал 23"/>
-          <p:cNvSpPr/>
-          <p:nvPr/>
-        </p:nvSpPr>
-        <p:spPr>
-          <a:xfrm>
-            <a:off x="7861300" y="1936750"/>
-            <a:ext cx="469900" cy="469900"/>
-          </a:xfrm>
-          <a:prstGeom prst="ellipse">
-            <a:avLst/>
-          </a:prstGeom>
-          <a:solidFill>
-            <a:schemeClr val="bg1"/>
-          </a:solidFill>
-          <a:ln>
-            <a:solidFill>
-              <a:schemeClr val="tx1"/>
-            </a:solidFill>
-          </a:ln>
-        </p:spPr>
-        <p:style>
-          <a:lnRef idx="2">
-            <a:schemeClr val="accent1">
-              <a:shade val="50000"/>
-            </a:schemeClr>
-          </a:lnRef>
-          <a:fillRef idx="1">
-            <a:schemeClr val="accent1"/>
-          </a:fillRef>
-          <a:effectRef idx="0">
-            <a:schemeClr val="accent1"/>
-          </a:effectRef>
-          <a:fontRef idx="minor">
-            <a:schemeClr val="lt1"/>
-          </a:fontRef>
-        </p:style>
-        <p:txBody>
-          <a:bodyPr rtlCol="0" anchor="ctr"/>
-          <a:lstStyle/>
-          <a:p>
-            <a:pPr algn="ctr"/>
-            <a:r>
-              <a:rPr lang="ru-RU" dirty="0">
-                <a:solidFill>
-                  <a:schemeClr val="tx1"/>
-                </a:solidFill>
-              </a:rPr>
-              <a:t>2</a:t>
-            </a:r>
-          </a:p>
-        </p:txBody>
-      </p:sp>
-      <p:sp>
-        <p:nvSpPr>
-          <p:cNvPr id="25" name="Овал 24"/>
-          <p:cNvSpPr/>
-          <p:nvPr/>
-        </p:nvSpPr>
-        <p:spPr>
-          <a:xfrm>
-            <a:off x="7861300" y="3308350"/>
-            <a:ext cx="469900" cy="469900"/>
-          </a:xfrm>
-          <a:prstGeom prst="ellipse">
-            <a:avLst/>
-          </a:prstGeom>
-          <a:solidFill>
-            <a:schemeClr val="bg1"/>
-          </a:solidFill>
-          <a:ln>
-            <a:solidFill>
-              <a:schemeClr val="tx1"/>
-            </a:solidFill>
-          </a:ln>
-        </p:spPr>
-        <p:style>
-          <a:lnRef idx="2">
-            <a:schemeClr val="accent1">
-              <a:shade val="50000"/>
-            </a:schemeClr>
-          </a:lnRef>
-          <a:fillRef idx="1">
-            <a:schemeClr val="accent1"/>
-          </a:fillRef>
-          <a:effectRef idx="0">
-            <a:schemeClr val="accent1"/>
-          </a:effectRef>
-          <a:fontRef idx="minor">
-            <a:schemeClr val="lt1"/>
-          </a:fontRef>
-        </p:style>
-        <p:txBody>
-          <a:bodyPr rtlCol="0" anchor="ctr"/>
-          <a:lstStyle/>
-          <a:p>
-            <a:pPr algn="ctr"/>
-            <a:r>
-              <a:rPr lang="en-US" dirty="0">
-                <a:solidFill>
-                  <a:schemeClr val="tx1"/>
-                </a:solidFill>
-              </a:rPr>
-              <a:t>M</a:t>
-            </a:r>
-            <a:endParaRPr lang="ru-RU" dirty="0">
-              <a:solidFill>
-                <a:schemeClr val="tx1"/>
-              </a:solidFill>
-            </a:endParaRPr>
-          </a:p>
-        </p:txBody>
-      </p:sp>
-      <p:sp>
-        <p:nvSpPr>
-          <p:cNvPr id="26" name="TextBox 25"/>
-          <p:cNvSpPr txBox="1"/>
-          <p:nvPr/>
-        </p:nvSpPr>
-        <p:spPr>
-          <a:xfrm>
-            <a:off x="7810500" y="2558762"/>
-            <a:ext cx="571500" cy="584775"/>
-          </a:xfrm>
-          <a:prstGeom prst="rect">
-            <a:avLst/>
-          </a:prstGeom>
-          <a:noFill/>
-        </p:spPr>
-        <p:txBody>
-          <a:bodyPr wrap="square" rtlCol="0">
-            <a:spAutoFit/>
-          </a:bodyPr>
-          <a:lstStyle/>
-          <a:p>
-            <a:r>
-              <a:rPr lang="en-US" sz="3200" b="1" dirty="0"/>
-              <a:t>…</a:t>
-            </a:r>
-            <a:endParaRPr lang="ru-RU" sz="3200" b="1" dirty="0"/>
-          </a:p>
-        </p:txBody>
-      </p:sp>
-      <p:sp>
-        <p:nvSpPr>
-          <p:cNvPr id="27" name="Овал 26"/>
-          <p:cNvSpPr/>
-          <p:nvPr/>
-        </p:nvSpPr>
-        <p:spPr>
-          <a:xfrm>
-            <a:off x="3708400" y="1314450"/>
-            <a:ext cx="469900" cy="469900"/>
-          </a:xfrm>
-          <a:prstGeom prst="ellipse">
-            <a:avLst/>
-          </a:prstGeom>
-          <a:solidFill>
-            <a:schemeClr val="bg1"/>
-          </a:solidFill>
-          <a:ln>
-            <a:solidFill>
-              <a:schemeClr val="tx1"/>
-            </a:solidFill>
-          </a:ln>
-        </p:spPr>
-        <p:style>
-          <a:lnRef idx="2">
-            <a:schemeClr val="accent1">
-              <a:shade val="50000"/>
-            </a:schemeClr>
-          </a:lnRef>
-          <a:fillRef idx="1">
-            <a:schemeClr val="accent1"/>
-          </a:fillRef>
-          <a:effectRef idx="0">
-            <a:schemeClr val="accent1"/>
-          </a:effectRef>
-          <a:fontRef idx="minor">
-            <a:schemeClr val="lt1"/>
-          </a:fontRef>
-        </p:style>
-        <p:txBody>
-          <a:bodyPr rtlCol="0" anchor="ctr"/>
-          <a:lstStyle/>
-          <a:p>
-            <a:pPr algn="ctr"/>
-            <a:r>
-              <a:rPr lang="ru-RU" dirty="0">
-                <a:solidFill>
-                  <a:schemeClr val="tx1"/>
-                </a:solidFill>
-              </a:rPr>
-              <a:t>1</a:t>
-            </a:r>
-          </a:p>
-        </p:txBody>
-      </p:sp>
-      <p:sp>
-        <p:nvSpPr>
-          <p:cNvPr id="28" name="Овал 27"/>
-          <p:cNvSpPr/>
-          <p:nvPr/>
-        </p:nvSpPr>
-        <p:spPr>
-          <a:xfrm>
-            <a:off x="3708400" y="1936750"/>
-            <a:ext cx="469900" cy="469900"/>
-          </a:xfrm>
-          <a:prstGeom prst="ellipse">
-            <a:avLst/>
-          </a:prstGeom>
-          <a:solidFill>
-            <a:schemeClr val="bg1"/>
-          </a:solidFill>
-          <a:ln>
-            <a:solidFill>
-              <a:schemeClr val="tx1"/>
-            </a:solidFill>
-          </a:ln>
-        </p:spPr>
-        <p:style>
-          <a:lnRef idx="2">
-            <a:schemeClr val="accent1">
-              <a:shade val="50000"/>
-            </a:schemeClr>
-          </a:lnRef>
-          <a:fillRef idx="1">
-            <a:schemeClr val="accent1"/>
-          </a:fillRef>
-          <a:effectRef idx="0">
-            <a:schemeClr val="accent1"/>
-          </a:effectRef>
-          <a:fontRef idx="minor">
-            <a:schemeClr val="lt1"/>
-          </a:fontRef>
-        </p:style>
-        <p:txBody>
-          <a:bodyPr rtlCol="0" anchor="ctr"/>
-          <a:lstStyle/>
-          <a:p>
-            <a:pPr algn="ctr"/>
-            <a:r>
-              <a:rPr lang="ru-RU" dirty="0">
-                <a:solidFill>
-                  <a:schemeClr val="tx1"/>
-                </a:solidFill>
-              </a:rPr>
-              <a:t>2</a:t>
-            </a:r>
-          </a:p>
-        </p:txBody>
-      </p:sp>
-      <p:sp>
-        <p:nvSpPr>
-          <p:cNvPr id="29" name="Овал 28"/>
-          <p:cNvSpPr/>
-          <p:nvPr/>
-        </p:nvSpPr>
-        <p:spPr>
-          <a:xfrm>
-            <a:off x="3708400" y="3308350"/>
-            <a:ext cx="469900" cy="469900"/>
-          </a:xfrm>
-          <a:prstGeom prst="ellipse">
-            <a:avLst/>
-          </a:prstGeom>
-          <a:solidFill>
-            <a:schemeClr val="bg1"/>
-          </a:solidFill>
-          <a:ln>
-            <a:solidFill>
-              <a:schemeClr val="tx1"/>
-            </a:solidFill>
-          </a:ln>
-        </p:spPr>
-        <p:style>
-          <a:lnRef idx="2">
-            <a:schemeClr val="accent1">
-              <a:shade val="50000"/>
-            </a:schemeClr>
-          </a:lnRef>
-          <a:fillRef idx="1">
-            <a:schemeClr val="accent1"/>
-          </a:fillRef>
-          <a:effectRef idx="0">
-            <a:schemeClr val="accent1"/>
-          </a:effectRef>
-          <a:fontRef idx="minor">
-            <a:schemeClr val="lt1"/>
-          </a:fontRef>
-        </p:style>
-        <p:txBody>
-          <a:bodyPr rtlCol="0" anchor="ctr"/>
-          <a:lstStyle/>
-          <a:p>
-            <a:pPr algn="ctr"/>
-            <a:r>
-              <a:rPr lang="en-US" dirty="0">
-                <a:solidFill>
-                  <a:schemeClr val="tx1"/>
-                </a:solidFill>
-              </a:rPr>
-              <a:t>K</a:t>
-            </a:r>
-            <a:endParaRPr lang="ru-RU" dirty="0">
-              <a:solidFill>
-                <a:schemeClr val="tx1"/>
-              </a:solidFill>
-            </a:endParaRPr>
-          </a:p>
-        </p:txBody>
-      </p:sp>
-      <p:sp>
-        <p:nvSpPr>
-          <p:cNvPr id="30" name="TextBox 29"/>
-          <p:cNvSpPr txBox="1"/>
-          <p:nvPr/>
-        </p:nvSpPr>
-        <p:spPr>
-          <a:xfrm>
-            <a:off x="3657600" y="2558762"/>
-            <a:ext cx="571500" cy="584775"/>
-          </a:xfrm>
-          <a:prstGeom prst="rect">
-            <a:avLst/>
-          </a:prstGeom>
-          <a:noFill/>
-        </p:spPr>
-        <p:txBody>
-          <a:bodyPr wrap="square" rtlCol="0">
-            <a:spAutoFit/>
-          </a:bodyPr>
-          <a:lstStyle/>
-          <a:p>
-            <a:r>
-              <a:rPr lang="en-US" sz="3200" b="1" dirty="0"/>
-              <a:t>…</a:t>
-            </a:r>
-            <a:endParaRPr lang="ru-RU" sz="3200" b="1" dirty="0"/>
-          </a:p>
-        </p:txBody>
-      </p:sp>
-      <p:sp>
-        <p:nvSpPr>
-          <p:cNvPr id="31" name="Овал 30"/>
-          <p:cNvSpPr/>
-          <p:nvPr/>
-        </p:nvSpPr>
-        <p:spPr>
-          <a:xfrm>
-            <a:off x="5727700" y="1314450"/>
-            <a:ext cx="469900" cy="469900"/>
-          </a:xfrm>
-          <a:prstGeom prst="ellipse">
-            <a:avLst/>
-          </a:prstGeom>
-          <a:solidFill>
-            <a:schemeClr val="bg1"/>
-          </a:solidFill>
-          <a:ln>
-            <a:solidFill>
-              <a:schemeClr val="tx1"/>
-            </a:solidFill>
-          </a:ln>
-        </p:spPr>
-        <p:style>
-          <a:lnRef idx="2">
-            <a:schemeClr val="accent1">
-              <a:shade val="50000"/>
-            </a:schemeClr>
-          </a:lnRef>
-          <a:fillRef idx="1">
-            <a:schemeClr val="accent1"/>
-          </a:fillRef>
-          <a:effectRef idx="0">
-            <a:schemeClr val="accent1"/>
-          </a:effectRef>
-          <a:fontRef idx="minor">
-            <a:schemeClr val="lt1"/>
-          </a:fontRef>
-        </p:style>
-        <p:txBody>
-          <a:bodyPr rtlCol="0" anchor="ctr"/>
-          <a:lstStyle/>
-          <a:p>
-            <a:pPr algn="ctr"/>
-            <a:r>
-              <a:rPr lang="ru-RU" dirty="0">
-                <a:solidFill>
-                  <a:schemeClr val="tx1"/>
-                </a:solidFill>
-              </a:rPr>
-              <a:t>1</a:t>
-            </a:r>
-          </a:p>
-        </p:txBody>
-      </p:sp>
-      <p:sp>
-        <p:nvSpPr>
-          <p:cNvPr id="32" name="Овал 31"/>
-          <p:cNvSpPr/>
-          <p:nvPr/>
-        </p:nvSpPr>
-        <p:spPr>
-          <a:xfrm>
-            <a:off x="5727700" y="1936750"/>
-            <a:ext cx="469900" cy="469900"/>
-          </a:xfrm>
-          <a:prstGeom prst="ellipse">
-            <a:avLst/>
-          </a:prstGeom>
-          <a:solidFill>
-            <a:schemeClr val="bg1"/>
-          </a:solidFill>
-          <a:ln>
-            <a:solidFill>
-              <a:schemeClr val="tx1"/>
-            </a:solidFill>
-          </a:ln>
-        </p:spPr>
-        <p:style>
-          <a:lnRef idx="2">
-            <a:schemeClr val="accent1">
-              <a:shade val="50000"/>
-            </a:schemeClr>
-          </a:lnRef>
-          <a:fillRef idx="1">
-            <a:schemeClr val="accent1"/>
-          </a:fillRef>
-          <a:effectRef idx="0">
-            <a:schemeClr val="accent1"/>
-          </a:effectRef>
-          <a:fontRef idx="minor">
-            <a:schemeClr val="lt1"/>
-          </a:fontRef>
-        </p:style>
-        <p:txBody>
-          <a:bodyPr rtlCol="0" anchor="ctr"/>
-          <a:lstStyle/>
-          <a:p>
-            <a:pPr algn="ctr"/>
-            <a:r>
-              <a:rPr lang="ru-RU" dirty="0">
-                <a:solidFill>
-                  <a:schemeClr val="tx1"/>
-                </a:solidFill>
-              </a:rPr>
-              <a:t>2</a:t>
-            </a:r>
-          </a:p>
-        </p:txBody>
-      </p:sp>
-      <p:sp>
-        <p:nvSpPr>
-          <p:cNvPr id="33" name="Овал 32"/>
-          <p:cNvSpPr/>
-          <p:nvPr/>
-        </p:nvSpPr>
-        <p:spPr>
-          <a:xfrm>
-            <a:off x="5727700" y="3308350"/>
-            <a:ext cx="469900" cy="469900"/>
-          </a:xfrm>
-          <a:prstGeom prst="ellipse">
-            <a:avLst/>
-          </a:prstGeom>
-          <a:solidFill>
-            <a:schemeClr val="bg1"/>
-          </a:solidFill>
-          <a:ln>
-            <a:solidFill>
-              <a:schemeClr val="tx1"/>
-            </a:solidFill>
-          </a:ln>
-        </p:spPr>
-        <p:style>
-          <a:lnRef idx="2">
-            <a:schemeClr val="accent1">
-              <a:shade val="50000"/>
-            </a:schemeClr>
-          </a:lnRef>
-          <a:fillRef idx="1">
-            <a:schemeClr val="accent1"/>
-          </a:fillRef>
-          <a:effectRef idx="0">
-            <a:schemeClr val="accent1"/>
-          </a:effectRef>
-          <a:fontRef idx="minor">
-            <a:schemeClr val="lt1"/>
-          </a:fontRef>
-        </p:style>
-        <p:txBody>
-          <a:bodyPr rtlCol="0" anchor="ctr"/>
-          <a:lstStyle/>
-          <a:p>
-            <a:pPr algn="ctr"/>
-            <a:r>
-              <a:rPr lang="en-US" dirty="0">
-                <a:solidFill>
-                  <a:schemeClr val="tx1"/>
-                </a:solidFill>
-              </a:rPr>
-              <a:t>K</a:t>
-            </a:r>
-            <a:endParaRPr lang="ru-RU" dirty="0">
-              <a:solidFill>
-                <a:schemeClr val="tx1"/>
-              </a:solidFill>
-            </a:endParaRPr>
-          </a:p>
-        </p:txBody>
-      </p:sp>
-      <p:sp>
-        <p:nvSpPr>
-          <p:cNvPr id="34" name="TextBox 33"/>
-          <p:cNvSpPr txBox="1"/>
-          <p:nvPr/>
-        </p:nvSpPr>
-        <p:spPr>
-          <a:xfrm>
-            <a:off x="5676900" y="2558762"/>
-            <a:ext cx="571500" cy="584775"/>
-          </a:xfrm>
-          <a:prstGeom prst="rect">
-            <a:avLst/>
-          </a:prstGeom>
-          <a:noFill/>
-        </p:spPr>
-        <p:txBody>
-          <a:bodyPr wrap="square" rtlCol="0">
-            <a:spAutoFit/>
-          </a:bodyPr>
-          <a:lstStyle/>
-          <a:p>
-            <a:r>
-              <a:rPr lang="en-US" sz="3200" b="1" dirty="0"/>
-              <a:t>…</a:t>
-            </a:r>
-            <a:endParaRPr lang="ru-RU" sz="3200" b="1" dirty="0"/>
-          </a:p>
-        </p:txBody>
-      </p:sp>
-      <p:sp>
-        <p:nvSpPr>
-          <p:cNvPr id="35" name="TextBox 34"/>
-          <p:cNvSpPr txBox="1"/>
-          <p:nvPr/>
-        </p:nvSpPr>
-        <p:spPr>
-          <a:xfrm>
-            <a:off x="4667250" y="1192937"/>
-            <a:ext cx="571500" cy="584775"/>
-          </a:xfrm>
-          <a:prstGeom prst="rect">
-            <a:avLst/>
-          </a:prstGeom>
-          <a:noFill/>
-        </p:spPr>
-        <p:txBody>
-          <a:bodyPr wrap="square" rtlCol="0">
-            <a:spAutoFit/>
-          </a:bodyPr>
-          <a:lstStyle/>
-          <a:p>
-            <a:r>
-              <a:rPr lang="en-US" sz="3200" b="1" dirty="0"/>
-              <a:t>…</a:t>
-            </a:r>
-            <a:endParaRPr lang="ru-RU" sz="3200" b="1" dirty="0"/>
-          </a:p>
-        </p:txBody>
-      </p:sp>
-      <p:sp>
-        <p:nvSpPr>
-          <p:cNvPr id="36" name="TextBox 35"/>
-          <p:cNvSpPr txBox="1"/>
-          <p:nvPr/>
-        </p:nvSpPr>
-        <p:spPr>
-          <a:xfrm>
-            <a:off x="4667250" y="1815524"/>
-            <a:ext cx="571500" cy="584775"/>
-          </a:xfrm>
-          <a:prstGeom prst="rect">
-            <a:avLst/>
-          </a:prstGeom>
-          <a:noFill/>
-        </p:spPr>
-        <p:txBody>
-          <a:bodyPr wrap="square" rtlCol="0">
-            <a:spAutoFit/>
-          </a:bodyPr>
-          <a:lstStyle/>
-          <a:p>
-            <a:r>
-              <a:rPr lang="en-US" sz="3200" b="1" dirty="0"/>
-              <a:t>…</a:t>
-            </a:r>
-            <a:endParaRPr lang="ru-RU" sz="3200" b="1" dirty="0"/>
-          </a:p>
-        </p:txBody>
-      </p:sp>
-      <p:sp>
-        <p:nvSpPr>
-          <p:cNvPr id="37" name="TextBox 36"/>
-          <p:cNvSpPr txBox="1"/>
-          <p:nvPr/>
-        </p:nvSpPr>
-        <p:spPr>
-          <a:xfrm>
-            <a:off x="4667250" y="3219737"/>
-            <a:ext cx="571500" cy="584775"/>
-          </a:xfrm>
-          <a:prstGeom prst="rect">
-            <a:avLst/>
-          </a:prstGeom>
-          <a:noFill/>
-        </p:spPr>
-        <p:txBody>
-          <a:bodyPr wrap="square" rtlCol="0">
-            <a:spAutoFit/>
-          </a:bodyPr>
-          <a:lstStyle/>
-          <a:p>
-            <a:r>
-              <a:rPr lang="en-US" sz="3200" b="1" dirty="0"/>
-              <a:t>…</a:t>
-            </a:r>
-            <a:endParaRPr lang="ru-RU" sz="3200" b="1" dirty="0"/>
-          </a:p>
-        </p:txBody>
-      </p:sp>
-      <p:sp>
-        <p:nvSpPr>
-          <p:cNvPr id="39" name="TextBox 38"/>
-          <p:cNvSpPr txBox="1"/>
-          <p:nvPr/>
-        </p:nvSpPr>
-        <p:spPr>
-          <a:xfrm>
-            <a:off x="4851400" y="3429000"/>
-            <a:ext cx="184731" cy="369332"/>
-          </a:xfrm>
-          <a:prstGeom prst="rect">
-            <a:avLst/>
-          </a:prstGeom>
-          <a:noFill/>
-        </p:spPr>
-        <p:txBody>
-          <a:bodyPr wrap="none" rtlCol="0">
-            <a:spAutoFit/>
-          </a:bodyPr>
-          <a:lstStyle/>
-          <a:p>
-            <a:endParaRPr lang="ru-RU" dirty="0"/>
-          </a:p>
-        </p:txBody>
-      </p:sp>
-      <p:sp>
-        <p:nvSpPr>
-          <p:cNvPr id="41" name="TextBox 40"/>
-          <p:cNvSpPr txBox="1"/>
-          <p:nvPr/>
-        </p:nvSpPr>
-        <p:spPr>
-          <a:xfrm>
-            <a:off x="2621640" y="1249858"/>
-            <a:ext cx="474617" cy="369332"/>
-          </a:xfrm>
-          <a:prstGeom prst="rect">
-            <a:avLst/>
-          </a:prstGeom>
-          <a:noFill/>
-        </p:spPr>
-        <p:txBody>
-          <a:bodyPr wrap="none" rtlCol="0">
-            <a:spAutoFit/>
-          </a:bodyPr>
-          <a:lstStyle/>
-          <a:p>
-            <a:r>
-              <a:rPr lang="el-GR" i="1" dirty="0"/>
-              <a:t>α</a:t>
-            </a:r>
-            <a:r>
-              <a:rPr lang="en-US" baseline="-25000" dirty="0"/>
-              <a:t>11</a:t>
-            </a:r>
-            <a:endParaRPr lang="ru-RU" dirty="0"/>
-          </a:p>
-        </p:txBody>
-      </p:sp>
-      <p:cxnSp>
-        <p:nvCxnSpPr>
-          <p:cNvPr id="44" name="Прямая со стрелкой 43"/>
-          <p:cNvCxnSpPr>
-            <a:endCxn id="27" idx="2"/>
-          </p:cNvCxnSpPr>
-          <p:nvPr/>
-        </p:nvCxnSpPr>
-        <p:spPr>
-          <a:xfrm>
-            <a:off x="2006600" y="1549400"/>
-            <a:ext cx="1701800" cy="0"/>
-          </a:xfrm>
-          <a:prstGeom prst="straightConnector1">
-            <a:avLst/>
-          </a:prstGeom>
-          <a:ln>
-            <a:solidFill>
-              <a:schemeClr val="tx1"/>
-            </a:solidFill>
-            <a:tailEnd type="stealth"/>
-          </a:ln>
-        </p:spPr>
-        <p:style>
-          <a:lnRef idx="1">
-            <a:schemeClr val="accent1"/>
-          </a:lnRef>
-          <a:fillRef idx="0">
-            <a:schemeClr val="accent1"/>
-          </a:fillRef>
-          <a:effectRef idx="0">
-            <a:schemeClr val="accent1"/>
-          </a:effectRef>
-          <a:fontRef idx="minor">
-            <a:schemeClr val="tx1"/>
-          </a:fontRef>
-        </p:style>
-      </p:cxnSp>
-      <p:cxnSp>
-        <p:nvCxnSpPr>
-          <p:cNvPr id="45" name="Прямая со стрелкой 44"/>
-          <p:cNvCxnSpPr>
-            <a:stCxn id="8" idx="6"/>
-            <a:endCxn id="28" idx="2"/>
-          </p:cNvCxnSpPr>
-          <p:nvPr/>
-        </p:nvCxnSpPr>
-        <p:spPr>
-          <a:xfrm>
-            <a:off x="2006600" y="1549400"/>
-            <a:ext cx="1701800" cy="622300"/>
-          </a:xfrm>
-          <a:prstGeom prst="straightConnector1">
-            <a:avLst/>
-          </a:prstGeom>
-          <a:ln>
-            <a:solidFill>
-              <a:schemeClr val="tx1"/>
-            </a:solidFill>
-            <a:tailEnd type="stealth"/>
-          </a:ln>
-        </p:spPr>
-        <p:style>
-          <a:lnRef idx="1">
-            <a:schemeClr val="accent1"/>
-          </a:lnRef>
-          <a:fillRef idx="0">
-            <a:schemeClr val="accent1"/>
-          </a:fillRef>
-          <a:effectRef idx="0">
-            <a:schemeClr val="accent1"/>
-          </a:effectRef>
-          <a:fontRef idx="minor">
-            <a:schemeClr val="tx1"/>
-          </a:fontRef>
-        </p:style>
-      </p:cxnSp>
-      <p:cxnSp>
-        <p:nvCxnSpPr>
-          <p:cNvPr id="51" name="Прямая со стрелкой 50"/>
-          <p:cNvCxnSpPr>
-            <a:stCxn id="9" idx="6"/>
-            <a:endCxn id="28" idx="2"/>
-          </p:cNvCxnSpPr>
-          <p:nvPr/>
-        </p:nvCxnSpPr>
-        <p:spPr>
-          <a:xfrm>
-            <a:off x="2006600" y="2171700"/>
-            <a:ext cx="1701800" cy="0"/>
-          </a:xfrm>
-          <a:prstGeom prst="straightConnector1">
-            <a:avLst/>
-          </a:prstGeom>
-          <a:ln>
-            <a:solidFill>
-              <a:schemeClr val="tx1"/>
-            </a:solidFill>
-            <a:tailEnd type="stealth"/>
-          </a:ln>
-        </p:spPr>
-        <p:style>
-          <a:lnRef idx="1">
-            <a:schemeClr val="accent1"/>
-          </a:lnRef>
-          <a:fillRef idx="0">
-            <a:schemeClr val="accent1"/>
-          </a:fillRef>
-          <a:effectRef idx="0">
-            <a:schemeClr val="accent1"/>
-          </a:effectRef>
-          <a:fontRef idx="minor">
-            <a:schemeClr val="tx1"/>
-          </a:fontRef>
-        </p:style>
-      </p:cxnSp>
-      <p:cxnSp>
-        <p:nvCxnSpPr>
-          <p:cNvPr id="54" name="Прямая со стрелкой 53"/>
-          <p:cNvCxnSpPr>
-            <a:stCxn id="9" idx="6"/>
-            <a:endCxn id="29" idx="2"/>
-          </p:cNvCxnSpPr>
-          <p:nvPr/>
-        </p:nvCxnSpPr>
-        <p:spPr>
-          <a:xfrm>
-            <a:off x="2006600" y="2171700"/>
-            <a:ext cx="1701800" cy="1371600"/>
-          </a:xfrm>
-          <a:prstGeom prst="straightConnector1">
-            <a:avLst/>
-          </a:prstGeom>
-          <a:ln>
-            <a:solidFill>
-              <a:schemeClr val="tx1"/>
-            </a:solidFill>
-            <a:tailEnd type="stealth"/>
-          </a:ln>
-        </p:spPr>
-        <p:style>
-          <a:lnRef idx="1">
-            <a:schemeClr val="accent1"/>
-          </a:lnRef>
-          <a:fillRef idx="0">
-            <a:schemeClr val="accent1"/>
-          </a:fillRef>
-          <a:effectRef idx="0">
-            <a:schemeClr val="accent1"/>
-          </a:effectRef>
-          <a:fontRef idx="minor">
-            <a:schemeClr val="tx1"/>
-          </a:fontRef>
-        </p:style>
-      </p:cxnSp>
-      <p:cxnSp>
-        <p:nvCxnSpPr>
-          <p:cNvPr id="57" name="Прямая со стрелкой 56"/>
-          <p:cNvCxnSpPr>
-            <a:stCxn id="10" idx="6"/>
-            <a:endCxn id="29" idx="2"/>
-          </p:cNvCxnSpPr>
-          <p:nvPr/>
-        </p:nvCxnSpPr>
-        <p:spPr>
-          <a:xfrm>
-            <a:off x="2006600" y="3543300"/>
-            <a:ext cx="1701800" cy="0"/>
-          </a:xfrm>
-          <a:prstGeom prst="straightConnector1">
-            <a:avLst/>
-          </a:prstGeom>
-          <a:ln>
-            <a:solidFill>
-              <a:schemeClr val="tx1"/>
-            </a:solidFill>
-            <a:tailEnd type="stealth"/>
-          </a:ln>
-        </p:spPr>
-        <p:style>
-          <a:lnRef idx="1">
-            <a:schemeClr val="accent1"/>
-          </a:lnRef>
-          <a:fillRef idx="0">
-            <a:schemeClr val="accent1"/>
-          </a:fillRef>
-          <a:effectRef idx="0">
-            <a:schemeClr val="accent1"/>
-          </a:effectRef>
-          <a:fontRef idx="minor">
-            <a:schemeClr val="tx1"/>
-          </a:fontRef>
-        </p:style>
-      </p:cxnSp>
-      <p:cxnSp>
-        <p:nvCxnSpPr>
-          <p:cNvPr id="60" name="Прямая со стрелкой 59"/>
-          <p:cNvCxnSpPr>
-            <a:stCxn id="10" idx="6"/>
-            <a:endCxn id="28" idx="2"/>
-          </p:cNvCxnSpPr>
-          <p:nvPr/>
-        </p:nvCxnSpPr>
-        <p:spPr>
-          <a:xfrm flipV="1">
-            <a:off x="2006600" y="2171700"/>
-            <a:ext cx="1701800" cy="1371600"/>
-          </a:xfrm>
-          <a:prstGeom prst="straightConnector1">
-            <a:avLst/>
-          </a:prstGeom>
-          <a:ln>
-            <a:solidFill>
-              <a:schemeClr val="tx1"/>
-            </a:solidFill>
-            <a:tailEnd type="stealth"/>
-          </a:ln>
-        </p:spPr>
-        <p:style>
-          <a:lnRef idx="1">
-            <a:schemeClr val="accent1"/>
-          </a:lnRef>
-          <a:fillRef idx="0">
-            <a:schemeClr val="accent1"/>
-          </a:fillRef>
-          <a:effectRef idx="0">
-            <a:schemeClr val="accent1"/>
-          </a:effectRef>
-          <a:fontRef idx="minor">
-            <a:schemeClr val="tx1"/>
-          </a:fontRef>
-        </p:style>
-      </p:cxnSp>
-      <p:cxnSp>
-        <p:nvCxnSpPr>
-          <p:cNvPr id="63" name="Прямая со стрелкой 62"/>
-          <p:cNvCxnSpPr>
-            <a:stCxn id="27" idx="6"/>
-            <a:endCxn id="31" idx="2"/>
-          </p:cNvCxnSpPr>
-          <p:nvPr/>
-        </p:nvCxnSpPr>
-        <p:spPr>
-          <a:xfrm>
-            <a:off x="4178300" y="1549400"/>
-            <a:ext cx="1549400" cy="0"/>
-          </a:xfrm>
-          <a:prstGeom prst="straightConnector1">
-            <a:avLst/>
-          </a:prstGeom>
-          <a:ln>
-            <a:solidFill>
-              <a:schemeClr val="tx1"/>
-            </a:solidFill>
-            <a:tailEnd type="stealth"/>
-          </a:ln>
-        </p:spPr>
-        <p:style>
-          <a:lnRef idx="1">
-            <a:schemeClr val="accent1"/>
-          </a:lnRef>
-          <a:fillRef idx="0">
-            <a:schemeClr val="accent1"/>
-          </a:fillRef>
-          <a:effectRef idx="0">
-            <a:schemeClr val="accent1"/>
-          </a:effectRef>
-          <a:fontRef idx="minor">
-            <a:schemeClr val="tx1"/>
-          </a:fontRef>
-        </p:style>
-      </p:cxnSp>
-      <p:cxnSp>
-        <p:nvCxnSpPr>
-          <p:cNvPr id="66" name="Прямая со стрелкой 65"/>
-          <p:cNvCxnSpPr>
-            <a:stCxn id="27" idx="6"/>
-            <a:endCxn id="32" idx="2"/>
-          </p:cNvCxnSpPr>
-          <p:nvPr/>
-        </p:nvCxnSpPr>
-        <p:spPr>
-          <a:xfrm>
-            <a:off x="4178300" y="1549400"/>
-            <a:ext cx="1549400" cy="622300"/>
-          </a:xfrm>
-          <a:prstGeom prst="straightConnector1">
-            <a:avLst/>
-          </a:prstGeom>
-          <a:ln>
-            <a:solidFill>
-              <a:schemeClr val="tx1"/>
-            </a:solidFill>
-            <a:tailEnd type="stealth"/>
-          </a:ln>
-        </p:spPr>
-        <p:style>
-          <a:lnRef idx="1">
-            <a:schemeClr val="accent1"/>
-          </a:lnRef>
-          <a:fillRef idx="0">
-            <a:schemeClr val="accent1"/>
-          </a:fillRef>
-          <a:effectRef idx="0">
-            <a:schemeClr val="accent1"/>
-          </a:effectRef>
-          <a:fontRef idx="minor">
-            <a:schemeClr val="tx1"/>
-          </a:fontRef>
-        </p:style>
-      </p:cxnSp>
-      <p:cxnSp>
-        <p:nvCxnSpPr>
-          <p:cNvPr id="69" name="Прямая со стрелкой 68"/>
-          <p:cNvCxnSpPr>
-            <a:stCxn id="28" idx="6"/>
-            <a:endCxn id="31" idx="2"/>
-          </p:cNvCxnSpPr>
-          <p:nvPr/>
-        </p:nvCxnSpPr>
-        <p:spPr>
-          <a:xfrm flipV="1">
-            <a:off x="4178300" y="1549400"/>
-            <a:ext cx="1549400" cy="622300"/>
-          </a:xfrm>
-          <a:prstGeom prst="straightConnector1">
-            <a:avLst/>
-          </a:prstGeom>
-          <a:ln>
-            <a:solidFill>
-              <a:schemeClr val="tx1"/>
-            </a:solidFill>
-            <a:tailEnd type="stealth"/>
-          </a:ln>
-        </p:spPr>
-        <p:style>
-          <a:lnRef idx="1">
-            <a:schemeClr val="accent1"/>
-          </a:lnRef>
-          <a:fillRef idx="0">
-            <a:schemeClr val="accent1"/>
-          </a:fillRef>
-          <a:effectRef idx="0">
-            <a:schemeClr val="accent1"/>
-          </a:effectRef>
-          <a:fontRef idx="minor">
-            <a:schemeClr val="tx1"/>
-          </a:fontRef>
-        </p:style>
-      </p:cxnSp>
-      <p:cxnSp>
-        <p:nvCxnSpPr>
-          <p:cNvPr id="72" name="Прямая со стрелкой 71"/>
-          <p:cNvCxnSpPr>
-            <a:stCxn id="28" idx="6"/>
-            <a:endCxn id="32" idx="2"/>
-          </p:cNvCxnSpPr>
-          <p:nvPr/>
-        </p:nvCxnSpPr>
-        <p:spPr>
-          <a:xfrm>
-            <a:off x="4178300" y="2171700"/>
-            <a:ext cx="1549400" cy="0"/>
-          </a:xfrm>
-          <a:prstGeom prst="straightConnector1">
-            <a:avLst/>
-          </a:prstGeom>
-          <a:ln>
-            <a:solidFill>
-              <a:schemeClr val="tx1"/>
-            </a:solidFill>
-            <a:tailEnd type="stealth"/>
-          </a:ln>
-        </p:spPr>
-        <p:style>
-          <a:lnRef idx="1">
-            <a:schemeClr val="accent1"/>
-          </a:lnRef>
-          <a:fillRef idx="0">
-            <a:schemeClr val="accent1"/>
-          </a:fillRef>
-          <a:effectRef idx="0">
-            <a:schemeClr val="accent1"/>
-          </a:effectRef>
-          <a:fontRef idx="minor">
-            <a:schemeClr val="tx1"/>
-          </a:fontRef>
-        </p:style>
-      </p:cxnSp>
-      <p:cxnSp>
-        <p:nvCxnSpPr>
-          <p:cNvPr id="77" name="Прямая со стрелкой 76"/>
-          <p:cNvCxnSpPr>
-            <a:stCxn id="28" idx="6"/>
-            <a:endCxn id="33" idx="2"/>
-          </p:cNvCxnSpPr>
-          <p:nvPr/>
-        </p:nvCxnSpPr>
-        <p:spPr>
-          <a:xfrm>
-            <a:off x="4178300" y="2171700"/>
-            <a:ext cx="1549400" cy="1371600"/>
-          </a:xfrm>
-          <a:prstGeom prst="straightConnector1">
-            <a:avLst/>
-          </a:prstGeom>
-          <a:ln>
-            <a:solidFill>
-              <a:schemeClr val="tx1"/>
-            </a:solidFill>
-            <a:tailEnd type="stealth"/>
-          </a:ln>
-        </p:spPr>
-        <p:style>
-          <a:lnRef idx="1">
-            <a:schemeClr val="accent1"/>
-          </a:lnRef>
-          <a:fillRef idx="0">
-            <a:schemeClr val="accent1"/>
-          </a:fillRef>
-          <a:effectRef idx="0">
-            <a:schemeClr val="accent1"/>
-          </a:effectRef>
-          <a:fontRef idx="minor">
-            <a:schemeClr val="tx1"/>
-          </a:fontRef>
-        </p:style>
-      </p:cxnSp>
-      <p:cxnSp>
-        <p:nvCxnSpPr>
-          <p:cNvPr id="80" name="Прямая со стрелкой 79"/>
-          <p:cNvCxnSpPr>
-            <a:stCxn id="29" idx="6"/>
-            <a:endCxn id="32" idx="2"/>
-          </p:cNvCxnSpPr>
-          <p:nvPr/>
-        </p:nvCxnSpPr>
-        <p:spPr>
-          <a:xfrm flipV="1">
-            <a:off x="4178300" y="2171700"/>
-            <a:ext cx="1549400" cy="1371600"/>
-          </a:xfrm>
-          <a:prstGeom prst="straightConnector1">
-            <a:avLst/>
-          </a:prstGeom>
-          <a:ln>
-            <a:solidFill>
-              <a:schemeClr val="tx1"/>
-            </a:solidFill>
-            <a:tailEnd type="stealth"/>
-          </a:ln>
-        </p:spPr>
-        <p:style>
-          <a:lnRef idx="1">
-            <a:schemeClr val="accent1"/>
-          </a:lnRef>
-          <a:fillRef idx="0">
-            <a:schemeClr val="accent1"/>
-          </a:fillRef>
-          <a:effectRef idx="0">
-            <a:schemeClr val="accent1"/>
-          </a:effectRef>
-          <a:fontRef idx="minor">
-            <a:schemeClr val="tx1"/>
-          </a:fontRef>
-        </p:style>
-      </p:cxnSp>
-      <p:cxnSp>
-        <p:nvCxnSpPr>
-          <p:cNvPr id="83" name="Прямая со стрелкой 82"/>
-          <p:cNvCxnSpPr>
-            <a:stCxn id="29" idx="6"/>
-            <a:endCxn id="33" idx="2"/>
-          </p:cNvCxnSpPr>
-          <p:nvPr/>
-        </p:nvCxnSpPr>
-        <p:spPr>
-          <a:xfrm>
-            <a:off x="4178300" y="3543300"/>
-            <a:ext cx="1549400" cy="0"/>
-          </a:xfrm>
-          <a:prstGeom prst="straightConnector1">
-            <a:avLst/>
-          </a:prstGeom>
-          <a:ln>
-            <a:solidFill>
-              <a:schemeClr val="tx1"/>
-            </a:solidFill>
-            <a:tailEnd type="stealth"/>
-          </a:ln>
-        </p:spPr>
-        <p:style>
-          <a:lnRef idx="1">
-            <a:schemeClr val="accent1"/>
-          </a:lnRef>
-          <a:fillRef idx="0">
-            <a:schemeClr val="accent1"/>
-          </a:fillRef>
-          <a:effectRef idx="0">
-            <a:schemeClr val="accent1"/>
-          </a:effectRef>
-          <a:fontRef idx="minor">
-            <a:schemeClr val="tx1"/>
-          </a:fontRef>
-        </p:style>
-      </p:cxnSp>
-      <p:cxnSp>
-        <p:nvCxnSpPr>
-          <p:cNvPr id="86" name="Прямая со стрелкой 85"/>
-          <p:cNvCxnSpPr>
-            <a:stCxn id="27" idx="6"/>
-            <a:endCxn id="33" idx="2"/>
-          </p:cNvCxnSpPr>
-          <p:nvPr/>
-        </p:nvCxnSpPr>
-        <p:spPr>
-          <a:xfrm>
-            <a:off x="4178300" y="1549400"/>
-            <a:ext cx="1549400" cy="1993900"/>
-          </a:xfrm>
-          <a:prstGeom prst="straightConnector1">
-            <a:avLst/>
-          </a:prstGeom>
-          <a:ln>
-            <a:solidFill>
-              <a:schemeClr val="tx1"/>
-            </a:solidFill>
-            <a:tailEnd type="stealth"/>
-          </a:ln>
-        </p:spPr>
-        <p:style>
-          <a:lnRef idx="1">
-            <a:schemeClr val="accent1"/>
-          </a:lnRef>
-          <a:fillRef idx="0">
-            <a:schemeClr val="accent1"/>
-          </a:fillRef>
-          <a:effectRef idx="0">
-            <a:schemeClr val="accent1"/>
-          </a:effectRef>
-          <a:fontRef idx="minor">
-            <a:schemeClr val="tx1"/>
-          </a:fontRef>
-        </p:style>
-      </p:cxnSp>
-      <p:cxnSp>
-        <p:nvCxnSpPr>
-          <p:cNvPr id="89" name="Прямая со стрелкой 88"/>
-          <p:cNvCxnSpPr>
-            <a:stCxn id="29" idx="6"/>
-            <a:endCxn id="31" idx="2"/>
-          </p:cNvCxnSpPr>
-          <p:nvPr/>
-        </p:nvCxnSpPr>
-        <p:spPr>
-          <a:xfrm flipV="1">
-            <a:off x="4178300" y="1549400"/>
-            <a:ext cx="1549400" cy="1993900"/>
-          </a:xfrm>
-          <a:prstGeom prst="straightConnector1">
-            <a:avLst/>
-          </a:prstGeom>
-          <a:ln>
-            <a:solidFill>
-              <a:schemeClr val="tx1"/>
-            </a:solidFill>
-            <a:tailEnd type="stealth"/>
-          </a:ln>
-        </p:spPr>
-        <p:style>
-          <a:lnRef idx="1">
-            <a:schemeClr val="accent1"/>
-          </a:lnRef>
-          <a:fillRef idx="0">
-            <a:schemeClr val="accent1"/>
-          </a:fillRef>
-          <a:effectRef idx="0">
-            <a:schemeClr val="accent1"/>
-          </a:effectRef>
-          <a:fontRef idx="minor">
-            <a:schemeClr val="tx1"/>
-          </a:fontRef>
-        </p:style>
-      </p:cxnSp>
-      <p:cxnSp>
-        <p:nvCxnSpPr>
-          <p:cNvPr id="92" name="Прямая со стрелкой 91"/>
-          <p:cNvCxnSpPr>
-            <a:stCxn id="31" idx="6"/>
-            <a:endCxn id="23" idx="2"/>
-          </p:cNvCxnSpPr>
-          <p:nvPr/>
-        </p:nvCxnSpPr>
-        <p:spPr>
-          <a:xfrm>
-            <a:off x="6197600" y="1549400"/>
-            <a:ext cx="1663700" cy="0"/>
-          </a:xfrm>
-          <a:prstGeom prst="straightConnector1">
-            <a:avLst/>
-          </a:prstGeom>
-          <a:ln>
-            <a:solidFill>
-              <a:schemeClr val="tx1"/>
-            </a:solidFill>
-            <a:tailEnd type="stealth"/>
-          </a:ln>
-        </p:spPr>
-        <p:style>
-          <a:lnRef idx="1">
-            <a:schemeClr val="accent1"/>
-          </a:lnRef>
-          <a:fillRef idx="0">
-            <a:schemeClr val="accent1"/>
-          </a:fillRef>
-          <a:effectRef idx="0">
-            <a:schemeClr val="accent1"/>
-          </a:effectRef>
-          <a:fontRef idx="minor">
-            <a:schemeClr val="tx1"/>
-          </a:fontRef>
-        </p:style>
-      </p:cxnSp>
-      <p:cxnSp>
-        <p:nvCxnSpPr>
-          <p:cNvPr id="95" name="Прямая со стрелкой 94"/>
-          <p:cNvCxnSpPr>
-            <a:stCxn id="31" idx="6"/>
-            <a:endCxn id="24" idx="2"/>
-          </p:cNvCxnSpPr>
-          <p:nvPr/>
-        </p:nvCxnSpPr>
-        <p:spPr>
-          <a:xfrm>
-            <a:off x="6197600" y="1549400"/>
-            <a:ext cx="1663700" cy="622300"/>
-          </a:xfrm>
-          <a:prstGeom prst="straightConnector1">
-            <a:avLst/>
-          </a:prstGeom>
-          <a:ln>
-            <a:solidFill>
-              <a:schemeClr val="tx1"/>
-            </a:solidFill>
-            <a:tailEnd type="stealth"/>
-          </a:ln>
-        </p:spPr>
-        <p:style>
-          <a:lnRef idx="1">
-            <a:schemeClr val="accent1"/>
-          </a:lnRef>
-          <a:fillRef idx="0">
-            <a:schemeClr val="accent1"/>
-          </a:fillRef>
-          <a:effectRef idx="0">
-            <a:schemeClr val="accent1"/>
-          </a:effectRef>
-          <a:fontRef idx="minor">
-            <a:schemeClr val="tx1"/>
-          </a:fontRef>
-        </p:style>
-      </p:cxnSp>
-      <p:cxnSp>
-        <p:nvCxnSpPr>
-          <p:cNvPr id="98" name="Прямая со стрелкой 97"/>
-          <p:cNvCxnSpPr>
-            <a:stCxn id="31" idx="6"/>
-            <a:endCxn id="25" idx="2"/>
-          </p:cNvCxnSpPr>
-          <p:nvPr/>
-        </p:nvCxnSpPr>
-        <p:spPr>
-          <a:xfrm>
-            <a:off x="6197600" y="1549400"/>
-            <a:ext cx="1663700" cy="1993900"/>
-          </a:xfrm>
-          <a:prstGeom prst="straightConnector1">
-            <a:avLst/>
-          </a:prstGeom>
-          <a:ln>
-            <a:solidFill>
-              <a:schemeClr val="tx1"/>
-            </a:solidFill>
-            <a:tailEnd type="stealth"/>
-          </a:ln>
-        </p:spPr>
-        <p:style>
-          <a:lnRef idx="1">
-            <a:schemeClr val="accent1"/>
-          </a:lnRef>
-          <a:fillRef idx="0">
-            <a:schemeClr val="accent1"/>
-          </a:fillRef>
-          <a:effectRef idx="0">
-            <a:schemeClr val="accent1"/>
-          </a:effectRef>
-          <a:fontRef idx="minor">
-            <a:schemeClr val="tx1"/>
-          </a:fontRef>
-        </p:style>
-      </p:cxnSp>
-      <p:cxnSp>
-        <p:nvCxnSpPr>
-          <p:cNvPr id="104" name="Прямая со стрелкой 103"/>
-          <p:cNvCxnSpPr>
-            <a:stCxn id="32" idx="6"/>
-            <a:endCxn id="24" idx="2"/>
-          </p:cNvCxnSpPr>
-          <p:nvPr/>
-        </p:nvCxnSpPr>
-        <p:spPr>
-          <a:xfrm>
-            <a:off x="6197600" y="2171700"/>
-            <a:ext cx="1663700" cy="0"/>
-          </a:xfrm>
-          <a:prstGeom prst="straightConnector1">
-            <a:avLst/>
-          </a:prstGeom>
-          <a:ln>
-            <a:solidFill>
-              <a:schemeClr val="tx1"/>
-            </a:solidFill>
-            <a:tailEnd type="stealth"/>
-          </a:ln>
-        </p:spPr>
-        <p:style>
-          <a:lnRef idx="1">
-            <a:schemeClr val="accent1"/>
-          </a:lnRef>
-          <a:fillRef idx="0">
-            <a:schemeClr val="accent1"/>
-          </a:fillRef>
-          <a:effectRef idx="0">
-            <a:schemeClr val="accent1"/>
-          </a:effectRef>
-          <a:fontRef idx="minor">
-            <a:schemeClr val="tx1"/>
-          </a:fontRef>
-        </p:style>
-      </p:cxnSp>
-      <p:cxnSp>
-        <p:nvCxnSpPr>
-          <p:cNvPr id="107" name="Прямая со стрелкой 106"/>
-          <p:cNvCxnSpPr>
-            <a:stCxn id="32" idx="6"/>
-            <a:endCxn id="25" idx="2"/>
-          </p:cNvCxnSpPr>
-          <p:nvPr/>
-        </p:nvCxnSpPr>
-        <p:spPr>
-          <a:xfrm>
-            <a:off x="6197600" y="2171700"/>
-            <a:ext cx="1663700" cy="1371600"/>
-          </a:xfrm>
-          <a:prstGeom prst="straightConnector1">
-            <a:avLst/>
-          </a:prstGeom>
-          <a:ln>
-            <a:solidFill>
-              <a:schemeClr val="tx1"/>
-            </a:solidFill>
-            <a:tailEnd type="stealth"/>
-          </a:ln>
-        </p:spPr>
-        <p:style>
-          <a:lnRef idx="1">
-            <a:schemeClr val="accent1"/>
-          </a:lnRef>
-          <a:fillRef idx="0">
-            <a:schemeClr val="accent1"/>
-          </a:fillRef>
-          <a:effectRef idx="0">
-            <a:schemeClr val="accent1"/>
-          </a:effectRef>
-          <a:fontRef idx="minor">
-            <a:schemeClr val="tx1"/>
-          </a:fontRef>
-        </p:style>
-      </p:cxnSp>
-      <p:cxnSp>
-        <p:nvCxnSpPr>
-          <p:cNvPr id="110" name="Прямая со стрелкой 109"/>
-          <p:cNvCxnSpPr>
-            <a:stCxn id="33" idx="6"/>
-            <a:endCxn id="24" idx="2"/>
-          </p:cNvCxnSpPr>
-          <p:nvPr/>
-        </p:nvCxnSpPr>
-        <p:spPr>
-          <a:xfrm flipV="1">
-            <a:off x="6197600" y="2171700"/>
-            <a:ext cx="1663700" cy="1371600"/>
-          </a:xfrm>
-          <a:prstGeom prst="straightConnector1">
-            <a:avLst/>
-          </a:prstGeom>
-          <a:ln>
-            <a:solidFill>
-              <a:schemeClr val="tx1"/>
-            </a:solidFill>
-            <a:tailEnd type="stealth"/>
-          </a:ln>
-        </p:spPr>
-        <p:style>
-          <a:lnRef idx="1">
-            <a:schemeClr val="accent1"/>
-          </a:lnRef>
-          <a:fillRef idx="0">
-            <a:schemeClr val="accent1"/>
-          </a:fillRef>
-          <a:effectRef idx="0">
-            <a:schemeClr val="accent1"/>
-          </a:effectRef>
-          <a:fontRef idx="minor">
-            <a:schemeClr val="tx1"/>
-          </a:fontRef>
-        </p:style>
-      </p:cxnSp>
-      <p:cxnSp>
-        <p:nvCxnSpPr>
-          <p:cNvPr id="113" name="Прямая со стрелкой 112"/>
-          <p:cNvCxnSpPr>
-            <a:stCxn id="33" idx="6"/>
-            <a:endCxn id="25" idx="2"/>
-          </p:cNvCxnSpPr>
-          <p:nvPr/>
-        </p:nvCxnSpPr>
-        <p:spPr>
-          <a:xfrm>
-            <a:off x="6197600" y="3543300"/>
-            <a:ext cx="1663700" cy="0"/>
-          </a:xfrm>
-          <a:prstGeom prst="straightConnector1">
-            <a:avLst/>
-          </a:prstGeom>
-          <a:ln>
-            <a:solidFill>
-              <a:schemeClr val="tx1"/>
-            </a:solidFill>
-            <a:tailEnd type="stealth"/>
-          </a:ln>
-        </p:spPr>
-        <p:style>
-          <a:lnRef idx="1">
-            <a:schemeClr val="accent1"/>
-          </a:lnRef>
-          <a:fillRef idx="0">
-            <a:schemeClr val="accent1"/>
-          </a:fillRef>
-          <a:effectRef idx="0">
-            <a:schemeClr val="accent1"/>
-          </a:effectRef>
-          <a:fontRef idx="minor">
-            <a:schemeClr val="tx1"/>
-          </a:fontRef>
-        </p:style>
-      </p:cxnSp>
-      <p:sp>
-        <p:nvSpPr>
-          <p:cNvPr id="118" name="TextBox 117"/>
-          <p:cNvSpPr txBox="1"/>
-          <p:nvPr/>
-        </p:nvSpPr>
-        <p:spPr>
-          <a:xfrm>
-            <a:off x="2707997" y="1542018"/>
-            <a:ext cx="486030" cy="369332"/>
-          </a:xfrm>
-          <a:prstGeom prst="rect">
-            <a:avLst/>
-          </a:prstGeom>
-          <a:noFill/>
-        </p:spPr>
-        <p:txBody>
-          <a:bodyPr wrap="none" rtlCol="0">
-            <a:spAutoFit/>
-          </a:bodyPr>
-          <a:lstStyle/>
-          <a:p>
-            <a:r>
-              <a:rPr lang="el-GR" i="1" dirty="0"/>
-              <a:t>α</a:t>
-            </a:r>
-            <a:r>
-              <a:rPr lang="en-US" baseline="-25000" dirty="0"/>
-              <a:t>12</a:t>
-            </a:r>
-            <a:endParaRPr lang="ru-RU" dirty="0"/>
-          </a:p>
-        </p:txBody>
-      </p:sp>
-      <p:sp>
-        <p:nvSpPr>
-          <p:cNvPr id="119" name="TextBox 118"/>
-          <p:cNvSpPr txBox="1"/>
-          <p:nvPr/>
-        </p:nvSpPr>
-        <p:spPr>
-          <a:xfrm>
-            <a:off x="2650307" y="1852652"/>
-            <a:ext cx="486030" cy="369332"/>
-          </a:xfrm>
-          <a:prstGeom prst="rect">
-            <a:avLst/>
-          </a:prstGeom>
-          <a:noFill/>
-        </p:spPr>
-        <p:txBody>
-          <a:bodyPr wrap="none" rtlCol="0">
-            <a:spAutoFit/>
-          </a:bodyPr>
-          <a:lstStyle/>
-          <a:p>
-            <a:r>
-              <a:rPr lang="el-GR" i="1" dirty="0"/>
-              <a:t>α</a:t>
-            </a:r>
-            <a:r>
-              <a:rPr lang="en-US" baseline="-25000" dirty="0"/>
-              <a:t>22</a:t>
-            </a:r>
-            <a:endParaRPr lang="ru-RU" dirty="0"/>
-          </a:p>
-        </p:txBody>
-      </p:sp>
-      <p:sp>
-        <p:nvSpPr>
-          <p:cNvPr id="120" name="TextBox 119"/>
-          <p:cNvSpPr txBox="1"/>
-          <p:nvPr/>
-        </p:nvSpPr>
-        <p:spPr>
-          <a:xfrm>
-            <a:off x="2438398" y="2297668"/>
-            <a:ext cx="503664" cy="369332"/>
-          </a:xfrm>
-          <a:prstGeom prst="rect">
-            <a:avLst/>
-          </a:prstGeom>
-          <a:noFill/>
-        </p:spPr>
-        <p:txBody>
-          <a:bodyPr wrap="none" rtlCol="0">
-            <a:spAutoFit/>
-          </a:bodyPr>
-          <a:lstStyle/>
-          <a:p>
-            <a:r>
-              <a:rPr lang="el-GR" i="1" dirty="0"/>
-              <a:t>α</a:t>
-            </a:r>
-            <a:r>
-              <a:rPr lang="en-US" baseline="-25000" dirty="0"/>
-              <a:t>2K</a:t>
-            </a:r>
-            <a:endParaRPr lang="ru-RU" dirty="0"/>
-          </a:p>
-        </p:txBody>
-      </p:sp>
-      <p:sp>
-        <p:nvSpPr>
-          <p:cNvPr id="121" name="TextBox 120"/>
-          <p:cNvSpPr txBox="1"/>
-          <p:nvPr/>
-        </p:nvSpPr>
-        <p:spPr>
-          <a:xfrm>
-            <a:off x="2472996" y="3213387"/>
-            <a:ext cx="529312" cy="369332"/>
-          </a:xfrm>
-          <a:prstGeom prst="rect">
-            <a:avLst/>
-          </a:prstGeom>
-          <a:noFill/>
-        </p:spPr>
-        <p:txBody>
-          <a:bodyPr wrap="none" rtlCol="0">
-            <a:spAutoFit/>
-          </a:bodyPr>
-          <a:lstStyle/>
-          <a:p>
-            <a:r>
-              <a:rPr lang="el-GR" i="1" dirty="0"/>
-              <a:t>α</a:t>
-            </a:r>
-            <a:r>
-              <a:rPr lang="en-US" baseline="-25000" dirty="0"/>
-              <a:t>NK</a:t>
-            </a:r>
-            <a:endParaRPr lang="ru-RU" dirty="0"/>
-          </a:p>
-        </p:txBody>
-      </p:sp>
-      <p:sp>
-        <p:nvSpPr>
-          <p:cNvPr id="123" name="TextBox 122"/>
-          <p:cNvSpPr txBox="1"/>
-          <p:nvPr/>
-        </p:nvSpPr>
-        <p:spPr>
-          <a:xfrm>
-            <a:off x="4715691" y="1222970"/>
-            <a:ext cx="474617" cy="369332"/>
-          </a:xfrm>
-          <a:prstGeom prst="rect">
-            <a:avLst/>
-          </a:prstGeom>
-          <a:noFill/>
-        </p:spPr>
-        <p:txBody>
-          <a:bodyPr wrap="none" rtlCol="0">
-            <a:spAutoFit/>
-          </a:bodyPr>
-          <a:lstStyle/>
-          <a:p>
-            <a:r>
-              <a:rPr lang="el-GR" i="1" dirty="0"/>
-              <a:t>β</a:t>
-            </a:r>
-            <a:r>
-              <a:rPr lang="en-US" baseline="-25000" dirty="0"/>
-              <a:t>11</a:t>
-            </a:r>
-            <a:endParaRPr lang="ru-RU" dirty="0"/>
-          </a:p>
-        </p:txBody>
-      </p:sp>
-      <p:sp>
-        <p:nvSpPr>
-          <p:cNvPr id="124" name="TextBox 123"/>
-          <p:cNvSpPr txBox="1"/>
-          <p:nvPr/>
-        </p:nvSpPr>
-        <p:spPr>
-          <a:xfrm>
-            <a:off x="3987074" y="2888734"/>
-            <a:ext cx="503664" cy="369332"/>
-          </a:xfrm>
-          <a:prstGeom prst="rect">
-            <a:avLst/>
-          </a:prstGeom>
-          <a:noFill/>
-        </p:spPr>
-        <p:txBody>
-          <a:bodyPr wrap="none" rtlCol="0">
-            <a:spAutoFit/>
-          </a:bodyPr>
-          <a:lstStyle/>
-          <a:p>
-            <a:r>
-              <a:rPr lang="el-GR" i="1" dirty="0"/>
-              <a:t>β</a:t>
-            </a:r>
-            <a:r>
-              <a:rPr lang="en-US" baseline="-25000" dirty="0"/>
-              <a:t>K1</a:t>
-            </a:r>
-            <a:endParaRPr lang="ru-RU" dirty="0"/>
-          </a:p>
-        </p:txBody>
-      </p:sp>
-      <p:sp>
-        <p:nvSpPr>
-          <p:cNvPr id="125" name="TextBox 124"/>
-          <p:cNvSpPr txBox="1"/>
-          <p:nvPr/>
-        </p:nvSpPr>
-        <p:spPr>
-          <a:xfrm>
-            <a:off x="4672874" y="3180834"/>
-            <a:ext cx="521297" cy="369332"/>
-          </a:xfrm>
-          <a:prstGeom prst="rect">
-            <a:avLst/>
-          </a:prstGeom>
-          <a:noFill/>
-        </p:spPr>
-        <p:txBody>
-          <a:bodyPr wrap="none" rtlCol="0">
-            <a:spAutoFit/>
-          </a:bodyPr>
-          <a:lstStyle/>
-          <a:p>
-            <a:r>
-              <a:rPr lang="el-GR" i="1" dirty="0"/>
-              <a:t>β</a:t>
-            </a:r>
-            <a:r>
-              <a:rPr lang="en-US" baseline="-25000" dirty="0"/>
-              <a:t>KK</a:t>
-            </a:r>
-            <a:endParaRPr lang="ru-RU" dirty="0"/>
-          </a:p>
-        </p:txBody>
-      </p:sp>
-      <p:sp>
-        <p:nvSpPr>
-          <p:cNvPr id="128" name="TextBox 127"/>
-          <p:cNvSpPr txBox="1"/>
-          <p:nvPr/>
-        </p:nvSpPr>
-        <p:spPr>
-          <a:xfrm>
-            <a:off x="6807369" y="1240988"/>
-            <a:ext cx="444161" cy="369332"/>
-          </a:xfrm>
-          <a:prstGeom prst="rect">
-            <a:avLst/>
-          </a:prstGeom>
-          <a:noFill/>
-        </p:spPr>
-        <p:txBody>
-          <a:bodyPr wrap="none" rtlCol="0">
-            <a:spAutoFit/>
-          </a:bodyPr>
-          <a:lstStyle/>
-          <a:p>
-            <a:r>
-              <a:rPr lang="el-GR" i="1" dirty="0"/>
-              <a:t>ε</a:t>
-            </a:r>
-            <a:r>
-              <a:rPr lang="en-US" baseline="-25000" dirty="0"/>
-              <a:t>11</a:t>
-            </a:r>
-            <a:endParaRPr lang="ru-RU" dirty="0"/>
-          </a:p>
-        </p:txBody>
-      </p:sp>
-      <p:sp>
-        <p:nvSpPr>
-          <p:cNvPr id="129" name="TextBox 128"/>
-          <p:cNvSpPr txBox="1"/>
-          <p:nvPr/>
-        </p:nvSpPr>
-        <p:spPr>
-          <a:xfrm>
-            <a:off x="6883569" y="1533088"/>
-            <a:ext cx="455574" cy="369332"/>
-          </a:xfrm>
-          <a:prstGeom prst="rect">
-            <a:avLst/>
-          </a:prstGeom>
-          <a:noFill/>
-        </p:spPr>
-        <p:txBody>
-          <a:bodyPr wrap="none" rtlCol="0">
-            <a:spAutoFit/>
-          </a:bodyPr>
-          <a:lstStyle/>
-          <a:p>
-            <a:r>
-              <a:rPr lang="el-GR" i="1" dirty="0"/>
-              <a:t>ε</a:t>
-            </a:r>
-            <a:r>
-              <a:rPr lang="en-US" baseline="-25000" dirty="0"/>
-              <a:t>12</a:t>
-            </a:r>
-            <a:endParaRPr lang="ru-RU" dirty="0"/>
-          </a:p>
-        </p:txBody>
-      </p:sp>
-      <p:sp>
-        <p:nvSpPr>
-          <p:cNvPr id="130" name="TextBox 129"/>
-          <p:cNvSpPr txBox="1"/>
-          <p:nvPr/>
-        </p:nvSpPr>
-        <p:spPr>
-          <a:xfrm>
-            <a:off x="6863232" y="2164318"/>
-            <a:ext cx="498855" cy="369332"/>
-          </a:xfrm>
-          <a:prstGeom prst="rect">
-            <a:avLst/>
-          </a:prstGeom>
-          <a:noFill/>
-        </p:spPr>
-        <p:txBody>
-          <a:bodyPr wrap="none" rtlCol="0">
-            <a:spAutoFit/>
-          </a:bodyPr>
-          <a:lstStyle/>
-          <a:p>
-            <a:r>
-              <a:rPr lang="el-GR" i="1" dirty="0"/>
-              <a:t>ε</a:t>
-            </a:r>
-            <a:r>
-              <a:rPr lang="en-US" baseline="-25000" dirty="0"/>
-              <a:t>1M</a:t>
-            </a:r>
-            <a:endParaRPr lang="ru-RU" dirty="0"/>
-          </a:p>
-        </p:txBody>
-      </p:sp>
-      <p:sp>
-        <p:nvSpPr>
-          <p:cNvPr id="131" name="TextBox 130"/>
-          <p:cNvSpPr txBox="1"/>
-          <p:nvPr/>
-        </p:nvSpPr>
-        <p:spPr>
-          <a:xfrm>
-            <a:off x="6168287" y="2284968"/>
-            <a:ext cx="498855" cy="369332"/>
-          </a:xfrm>
-          <a:prstGeom prst="rect">
-            <a:avLst/>
-          </a:prstGeom>
-          <a:noFill/>
-        </p:spPr>
-        <p:txBody>
-          <a:bodyPr wrap="none" rtlCol="0">
-            <a:spAutoFit/>
-          </a:bodyPr>
-          <a:lstStyle/>
-          <a:p>
-            <a:r>
-              <a:rPr lang="el-GR" i="1" dirty="0"/>
-              <a:t>ε</a:t>
-            </a:r>
-            <a:r>
-              <a:rPr lang="en-US" baseline="-25000" dirty="0"/>
-              <a:t>2M</a:t>
-            </a:r>
-            <a:endParaRPr lang="ru-RU" dirty="0"/>
-          </a:p>
-        </p:txBody>
-      </p:sp>
-      <p:sp>
-        <p:nvSpPr>
-          <p:cNvPr id="132" name="TextBox 131"/>
-          <p:cNvSpPr txBox="1"/>
-          <p:nvPr/>
-        </p:nvSpPr>
-        <p:spPr>
-          <a:xfrm>
-            <a:off x="6819542" y="3232436"/>
-            <a:ext cx="516488" cy="369332"/>
-          </a:xfrm>
-          <a:prstGeom prst="rect">
-            <a:avLst/>
-          </a:prstGeom>
-          <a:noFill/>
-        </p:spPr>
-        <p:txBody>
-          <a:bodyPr wrap="none" rtlCol="0">
-            <a:spAutoFit/>
-          </a:bodyPr>
-          <a:lstStyle/>
-          <a:p>
-            <a:r>
-              <a:rPr lang="el-GR" i="1" dirty="0"/>
-              <a:t>ε</a:t>
-            </a:r>
-            <a:r>
-              <a:rPr lang="en-US" baseline="-25000" dirty="0"/>
-              <a:t>KM</a:t>
-            </a:r>
-            <a:endParaRPr lang="ru-RU" dirty="0"/>
-          </a:p>
-        </p:txBody>
-      </p:sp>
-      <p:sp>
-        <p:nvSpPr>
-          <p:cNvPr id="133" name="TextBox 132"/>
-          <p:cNvSpPr txBox="1"/>
-          <p:nvPr/>
-        </p:nvSpPr>
-        <p:spPr>
-          <a:xfrm>
-            <a:off x="7513830" y="2298184"/>
-            <a:ext cx="473206" cy="369332"/>
-          </a:xfrm>
-          <a:prstGeom prst="rect">
-            <a:avLst/>
-          </a:prstGeom>
-          <a:noFill/>
-        </p:spPr>
-        <p:txBody>
-          <a:bodyPr wrap="none" rtlCol="0">
-            <a:spAutoFit/>
-          </a:bodyPr>
-          <a:lstStyle/>
-          <a:p>
-            <a:r>
-              <a:rPr lang="el-GR" i="1" dirty="0"/>
-              <a:t>ε</a:t>
-            </a:r>
-            <a:r>
-              <a:rPr lang="en-US" baseline="-25000" dirty="0"/>
-              <a:t>K2</a:t>
-            </a:r>
-            <a:endParaRPr lang="ru-RU" dirty="0"/>
-          </a:p>
-        </p:txBody>
-      </p:sp>
-      <p:sp>
-        <p:nvSpPr>
-          <p:cNvPr id="134" name="TextBox 133"/>
-          <p:cNvSpPr txBox="1"/>
-          <p:nvPr/>
-        </p:nvSpPr>
-        <p:spPr>
-          <a:xfrm>
-            <a:off x="1625600" y="773668"/>
-            <a:ext cx="325730" cy="369332"/>
-          </a:xfrm>
-          <a:prstGeom prst="rect">
-            <a:avLst/>
-          </a:prstGeom>
-          <a:noFill/>
-        </p:spPr>
-        <p:txBody>
-          <a:bodyPr wrap="none" rtlCol="0">
-            <a:spAutoFit/>
-          </a:bodyPr>
-          <a:lstStyle/>
-          <a:p>
-            <a:r>
-              <a:rPr lang="en-US" dirty="0"/>
-              <a:t>Z</a:t>
-            </a:r>
-            <a:endParaRPr lang="ru-RU" dirty="0"/>
-          </a:p>
-        </p:txBody>
-      </p:sp>
-      <p:sp>
-        <p:nvSpPr>
-          <p:cNvPr id="135" name="TextBox 134"/>
-          <p:cNvSpPr txBox="1"/>
-          <p:nvPr/>
-        </p:nvSpPr>
-        <p:spPr>
-          <a:xfrm>
-            <a:off x="4770657" y="773668"/>
-            <a:ext cx="351378" cy="369332"/>
-          </a:xfrm>
-          <a:prstGeom prst="rect">
-            <a:avLst/>
-          </a:prstGeom>
-          <a:noFill/>
-        </p:spPr>
-        <p:txBody>
-          <a:bodyPr wrap="none" rtlCol="0">
-            <a:spAutoFit/>
-          </a:bodyPr>
-          <a:lstStyle/>
-          <a:p>
-            <a:r>
-              <a:rPr lang="en-US" dirty="0"/>
-              <a:t>R</a:t>
-            </a:r>
-            <a:endParaRPr lang="ru-RU" dirty="0"/>
-          </a:p>
-        </p:txBody>
-      </p:sp>
-      <p:sp>
-        <p:nvSpPr>
-          <p:cNvPr id="137" name="TextBox 136"/>
-          <p:cNvSpPr txBox="1"/>
-          <p:nvPr/>
-        </p:nvSpPr>
-        <p:spPr>
-          <a:xfrm>
-            <a:off x="7933385" y="773668"/>
-            <a:ext cx="325730" cy="369332"/>
-          </a:xfrm>
-          <a:prstGeom prst="rect">
-            <a:avLst/>
-          </a:prstGeom>
-          <a:noFill/>
-        </p:spPr>
-        <p:txBody>
-          <a:bodyPr wrap="none" rtlCol="0">
-            <a:spAutoFit/>
-          </a:bodyPr>
-          <a:lstStyle/>
-          <a:p>
-            <a:r>
-              <a:rPr lang="en-US" dirty="0"/>
-              <a:t>T</a:t>
-            </a:r>
-            <a:endParaRPr lang="ru-RU" dirty="0"/>
-          </a:p>
-        </p:txBody>
-      </p:sp>
-      <p:sp>
-        <p:nvSpPr>
-          <p:cNvPr id="138" name="TextBox 137"/>
-          <p:cNvSpPr txBox="1"/>
-          <p:nvPr/>
-        </p:nvSpPr>
-        <p:spPr>
-          <a:xfrm>
-            <a:off x="1835773" y="4483100"/>
-            <a:ext cx="6855018" cy="1938992"/>
-          </a:xfrm>
-          <a:prstGeom prst="rect">
-            <a:avLst/>
-          </a:prstGeom>
-          <a:noFill/>
-        </p:spPr>
-        <p:txBody>
-          <a:bodyPr wrap="none" rtlCol="0">
-            <a:spAutoFit/>
-          </a:bodyPr>
-          <a:lstStyle/>
-          <a:p>
-            <a:r>
-              <a:rPr lang="en-US" sz="2400" dirty="0"/>
-              <a:t>Z – </a:t>
-            </a:r>
-            <a:r>
-              <a:rPr lang="ru-RU" sz="2400" dirty="0"/>
-              <a:t>множество начальных состояний</a:t>
-            </a:r>
-          </a:p>
-          <a:p>
-            <a:r>
-              <a:rPr lang="en-US" sz="2400" dirty="0"/>
-              <a:t>T – </a:t>
-            </a:r>
-            <a:r>
-              <a:rPr lang="ru-RU" sz="2400" dirty="0"/>
-              <a:t>прогнозные значения</a:t>
-            </a:r>
-          </a:p>
-          <a:p>
-            <a:r>
-              <a:rPr lang="en-US" sz="2400" dirty="0"/>
-              <a:t>F –</a:t>
-            </a:r>
-            <a:r>
-              <a:rPr lang="ru-RU" sz="2400" dirty="0"/>
-              <a:t> полученные значения</a:t>
-            </a:r>
-          </a:p>
-          <a:p>
-            <a:r>
-              <a:rPr lang="en-US" sz="2400" dirty="0"/>
-              <a:t>R – </a:t>
-            </a:r>
-            <a:r>
-              <a:rPr lang="ru-RU" sz="2400" dirty="0"/>
-              <a:t>множество связей в промежуточных</a:t>
-            </a:r>
-            <a:r>
-              <a:rPr lang="en-US" sz="2400" dirty="0"/>
-              <a:t> </a:t>
-            </a:r>
-            <a:r>
-              <a:rPr lang="ru-RU" sz="2400" dirty="0"/>
-              <a:t>слоях</a:t>
-            </a:r>
-          </a:p>
-          <a:p>
-            <a:r>
-              <a:rPr lang="en-US" sz="2400" dirty="0"/>
-              <a:t>|T- F|→ min</a:t>
-            </a:r>
-            <a:endParaRPr lang="ru-RU" sz="2400" dirty="0"/>
-          </a:p>
-        </p:txBody>
-      </p:sp>
+      <mc:AlternateContent xmlns:mc="http://schemas.openxmlformats.org/markup-compatibility/2006">
+        <mc:Choice xmlns:a14="http://schemas.microsoft.com/office/drawing/2010/main" Requires="a14">
+          <p:sp>
+            <p:nvSpPr>
+              <p:cNvPr id="7" name="TextBox 6">
+                <a:extLst>
+                  <a:ext uri="{FF2B5EF4-FFF2-40B4-BE49-F238E27FC236}">
+                    <a16:creationId xmlns:a16="http://schemas.microsoft.com/office/drawing/2014/main" id="{784A2949-F836-FA6D-BD57-F575FC572687}"/>
+                  </a:ext>
+                </a:extLst>
+              </p:cNvPr>
+              <p:cNvSpPr txBox="1"/>
+              <p:nvPr/>
+            </p:nvSpPr>
+            <p:spPr>
+              <a:xfrm>
+                <a:off x="0" y="1742932"/>
+                <a:ext cx="9906000" cy="5028492"/>
+              </a:xfrm>
+              <a:prstGeom prst="rect">
+                <a:avLst/>
+              </a:prstGeom>
+              <a:noFill/>
+            </p:spPr>
+            <p:txBody>
+              <a:bodyPr wrap="square">
+                <a:spAutoFit/>
+              </a:bodyPr>
+              <a:lstStyle/>
+              <a:p>
+                <a:pPr/>
+                <a14:m>
+                  <m:oMath xmlns:m="http://schemas.openxmlformats.org/officeDocument/2006/math">
+                    <m:sSubSup>
+                      <m:sSubSupPr>
+                        <m:ctrlPr>
+                          <a:rPr lang="ru-RU"/>
+                        </m:ctrlPr>
+                      </m:sSubSupPr>
+                      <m:e>
+                        <m:r>
+                          <a:rPr lang="ru-RU"/>
+                          <m:t>𝑃</m:t>
+                        </m:r>
+                      </m:e>
+                      <m:sub>
+                        <m:r>
+                          <a:rPr lang="ru-RU"/>
+                          <m:t>𝑛𝑜𝑟𝑚</m:t>
+                        </m:r>
+                      </m:sub>
+                      <m:sup>
+                        <m:d>
+                          <m:dPr>
+                            <m:ctrlPr>
+                              <a:rPr lang="ru-RU"/>
+                            </m:ctrlPr>
+                          </m:dPr>
+                          <m:e>
+                            <m:r>
+                              <a:rPr lang="ru-RU"/>
+                              <m:t>𝑖</m:t>
+                            </m:r>
+                          </m:e>
+                        </m:d>
+                      </m:sup>
+                    </m:sSubSup>
+                    <m:r>
+                      <a:rPr lang="ru-RU"/>
+                      <m:t>=</m:t>
+                    </m:r>
+                    <m:f>
+                      <m:fPr>
+                        <m:ctrlPr>
+                          <a:rPr lang="ru-RU"/>
+                        </m:ctrlPr>
+                      </m:fPr>
+                      <m:num>
+                        <m:sSup>
+                          <m:sSupPr>
+                            <m:ctrlPr>
+                              <a:rPr lang="ru-RU"/>
+                            </m:ctrlPr>
+                          </m:sSupPr>
+                          <m:e>
+                            <m:r>
+                              <a:rPr lang="ru-RU"/>
+                              <m:t>𝑃</m:t>
+                            </m:r>
+                          </m:e>
+                          <m:sup>
+                            <m:d>
+                              <m:dPr>
+                                <m:ctrlPr>
+                                  <a:rPr lang="ru-RU"/>
+                                </m:ctrlPr>
+                              </m:dPr>
+                              <m:e>
+                                <m:r>
+                                  <a:rPr lang="ru-RU"/>
+                                  <m:t>𝑖</m:t>
+                                </m:r>
+                              </m:e>
+                            </m:d>
+                          </m:sup>
+                        </m:sSup>
+                      </m:num>
+                      <m:den>
+                        <m:func>
+                          <m:funcPr>
+                            <m:ctrlPr>
+                              <a:rPr lang="en-US"/>
+                            </m:ctrlPr>
+                          </m:funcPr>
+                          <m:fName>
+                            <m:limLow>
+                              <m:limLowPr>
+                                <m:ctrlPr>
+                                  <a:rPr lang="en-US"/>
+                                </m:ctrlPr>
+                              </m:limLowPr>
+                              <m:e>
+                                <m:r>
+                                  <m:rPr>
+                                    <m:sty m:val="p"/>
+                                  </m:rPr>
+                                  <a:rPr lang="en-US"/>
+                                  <m:t>max</m:t>
+                                </m:r>
+                              </m:e>
+                              <m:lim>
+                                <m:r>
+                                  <a:rPr lang="en-US"/>
+                                  <m:t>𝑖</m:t>
+                                </m:r>
+                              </m:lim>
+                            </m:limLow>
+                          </m:fName>
+                          <m:e>
+                            <m:d>
+                              <m:dPr>
+                                <m:ctrlPr>
+                                  <a:rPr lang="ru-RU"/>
+                                </m:ctrlPr>
+                              </m:dPr>
+                              <m:e>
+                                <m:sSup>
+                                  <m:sSupPr>
+                                    <m:ctrlPr>
+                                      <a:rPr lang="ru-RU"/>
+                                    </m:ctrlPr>
+                                  </m:sSupPr>
+                                  <m:e>
+                                    <m:r>
+                                      <a:rPr lang="ru-RU"/>
+                                      <m:t>𝑃</m:t>
+                                    </m:r>
+                                  </m:e>
+                                  <m:sup>
+                                    <m:d>
+                                      <m:dPr>
+                                        <m:ctrlPr>
+                                          <a:rPr lang="ru-RU"/>
+                                        </m:ctrlPr>
+                                      </m:dPr>
+                                      <m:e>
+                                        <m:r>
+                                          <a:rPr lang="ru-RU"/>
+                                          <m:t>𝑖</m:t>
+                                        </m:r>
+                                      </m:e>
+                                    </m:d>
+                                  </m:sup>
+                                </m:sSup>
+                              </m:e>
+                            </m:d>
+                          </m:e>
+                        </m:func>
+                      </m:den>
+                    </m:f>
+                    <m:r>
+                      <a:rPr lang="en-US"/>
+                      <m:t> </m:t>
+                    </m:r>
+                    <m:r>
+                      <a:rPr lang="ru-RU"/>
+                      <m:t> </m:t>
+                    </m:r>
+                  </m:oMath>
+                </a14:m>
+                <a:r>
+                  <a:rPr lang="ru-RU" dirty="0"/>
+                  <a:t>(2) – нормализация признаков выборки, где </a:t>
+                </a:r>
+                <a:r>
+                  <a:rPr lang="en-US" dirty="0"/>
+                  <a:t>P</a:t>
+                </a:r>
+                <a:r>
+                  <a:rPr lang="ru-RU" dirty="0"/>
+                  <a:t>(</a:t>
+                </a:r>
+                <a:r>
+                  <a:rPr lang="en-US" dirty="0" err="1"/>
+                  <a:t>i</a:t>
+                </a:r>
+                <a:r>
+                  <a:rPr lang="ru-RU" dirty="0"/>
+                  <a:t>) – значение признака </a:t>
+                </a:r>
+                <a:r>
+                  <a:rPr lang="en-US" dirty="0" err="1"/>
+                  <a:t>i</a:t>
+                </a:r>
+                <a:r>
+                  <a:rPr lang="ru-RU" dirty="0"/>
+                  <a:t>-го предприятия.</a:t>
+                </a:r>
+              </a:p>
+              <a:p>
+                <a:pPr/>
+                <a:endParaRPr lang="ru-RU" dirty="0"/>
+              </a:p>
+              <a:p>
+                <a:pPr/>
+                <a14:m>
+                  <m:oMath xmlns:m="http://schemas.openxmlformats.org/officeDocument/2006/math">
+                    <m:sSub>
+                      <m:sSubPr>
+                        <m:ctrlPr>
+                          <a:rPr lang="ru-RU"/>
+                        </m:ctrlPr>
+                      </m:sSubPr>
+                      <m:e>
+                        <m:r>
+                          <a:rPr lang="en-US"/>
+                          <m:t>𝐹</m:t>
+                        </m:r>
+                      </m:e>
+                      <m:sub>
+                        <m:r>
+                          <a:rPr lang="en-US"/>
+                          <m:t>𝑘</m:t>
+                        </m:r>
+                      </m:sub>
+                    </m:sSub>
+                    <m:r>
+                      <a:rPr lang="ru-RU"/>
+                      <m:t>:</m:t>
+                    </m:r>
+                    <m:r>
+                      <a:rPr lang="ru-RU"/>
+                      <m:t>𝑋</m:t>
+                    </m:r>
+                    <m:r>
+                      <a:rPr lang="ru-RU"/>
+                      <m:t>→</m:t>
+                    </m:r>
+                    <m:r>
+                      <a:rPr lang="ru-RU"/>
+                      <m:t>𝑌</m:t>
+                    </m:r>
+                  </m:oMath>
+                </a14:m>
+                <a:r>
+                  <a:rPr lang="en-US" dirty="0"/>
+                  <a:t>(</a:t>
+                </a:r>
+                <a:r>
+                  <a:rPr lang="ru-RU" dirty="0"/>
+                  <a:t>3</a:t>
+                </a:r>
+                <a:r>
+                  <a:rPr lang="en-US" dirty="0"/>
+                  <a:t>)</a:t>
+                </a:r>
+                <a:r>
+                  <a:rPr lang="ru-RU" dirty="0"/>
+                  <a:t> </a:t>
+                </a:r>
+                <a:r>
+                  <a:rPr lang="en-US" dirty="0"/>
+                  <a:t>– </a:t>
+                </a:r>
+                <a:r>
+                  <a:rPr lang="ru-RU" dirty="0"/>
+                  <a:t>кластеризация предприятий в группы по схожести признаков,</a:t>
+                </a:r>
+                <a:r>
+                  <a:rPr lang="en-US" dirty="0"/>
+                  <a:t> ult</a:t>
+                </a:r>
+                <a:r>
+                  <a:rPr lang="ru-RU" dirty="0"/>
+                  <a:t> </a:t>
+                </a:r>
+                <a:endParaRPr lang="en-US" dirty="0"/>
+              </a:p>
+              <a:p>
+                <a:pPr/>
+                <a:r>
+                  <a:rPr lang="en-US" dirty="0"/>
+                  <a:t>X</a:t>
+                </a:r>
+                <a:r>
+                  <a:rPr lang="ru-RU" dirty="0"/>
+                  <a:t> = {</a:t>
+                </a:r>
+                <a:r>
+                  <a:rPr lang="en-US" dirty="0"/>
+                  <a:t>x</a:t>
+                </a:r>
+                <a:r>
+                  <a:rPr lang="ru-RU" dirty="0"/>
+                  <a:t>(1)(</a:t>
+                </a:r>
+                <a:r>
+                  <a:rPr lang="en-US" dirty="0"/>
+                  <a:t>p</a:t>
+                </a:r>
+                <a:r>
+                  <a:rPr lang="ru-RU" dirty="0"/>
+                  <a:t>1, </a:t>
+                </a:r>
+                <a:r>
+                  <a:rPr lang="en-US" dirty="0"/>
+                  <a:t>p</a:t>
+                </a:r>
+                <a:r>
+                  <a:rPr lang="ru-RU" dirty="0"/>
+                  <a:t>2, …, </a:t>
+                </a:r>
+                <a:r>
+                  <a:rPr lang="en-US" dirty="0" err="1"/>
+                  <a:t>pN</a:t>
+                </a:r>
+                <a:r>
+                  <a:rPr lang="ru-RU" dirty="0"/>
+                  <a:t>), …, </a:t>
+                </a:r>
+                <a:r>
+                  <a:rPr lang="en-US" dirty="0"/>
+                  <a:t>x</a:t>
+                </a:r>
+                <a:r>
+                  <a:rPr lang="ru-RU" dirty="0"/>
+                  <a:t>(</a:t>
+                </a:r>
+                <a:r>
+                  <a:rPr lang="en-US" dirty="0"/>
+                  <a:t>M</a:t>
+                </a:r>
+                <a:r>
+                  <a:rPr lang="ru-RU" dirty="0"/>
+                  <a:t>)(</a:t>
+                </a:r>
+                <a:r>
+                  <a:rPr lang="en-US" dirty="0"/>
+                  <a:t>p</a:t>
+                </a:r>
+                <a:r>
+                  <a:rPr lang="ru-RU" dirty="0"/>
+                  <a:t>1, </a:t>
+                </a:r>
+                <a:r>
+                  <a:rPr lang="en-US" dirty="0"/>
+                  <a:t>p</a:t>
+                </a:r>
+                <a:r>
+                  <a:rPr lang="ru-RU" dirty="0"/>
+                  <a:t>2, …, </a:t>
+                </a:r>
+                <a:r>
+                  <a:rPr lang="en-US" dirty="0" err="1"/>
+                  <a:t>pN</a:t>
+                </a:r>
+                <a:r>
+                  <a:rPr lang="ru-RU" dirty="0"/>
+                  <a:t>)}, </a:t>
+                </a:r>
+                <a:r>
+                  <a:rPr lang="en-US" dirty="0"/>
+                  <a:t>Y</a:t>
+                </a:r>
+                <a:r>
+                  <a:rPr lang="ru-RU" dirty="0"/>
+                  <a:t> = { </a:t>
+                </a:r>
+                <a:r>
+                  <a:rPr lang="en-US" dirty="0"/>
+                  <a:t>y</a:t>
+                </a:r>
+                <a:r>
+                  <a:rPr lang="ru-RU" dirty="0"/>
+                  <a:t>(1), …, </a:t>
+                </a:r>
+                <a:r>
+                  <a:rPr lang="en-US" dirty="0"/>
+                  <a:t>y</a:t>
+                </a:r>
+                <a:r>
+                  <a:rPr lang="ru-RU" dirty="0"/>
+                  <a:t>(</a:t>
+                </a:r>
+                <a:r>
+                  <a:rPr lang="en-US" dirty="0"/>
+                  <a:t>M</a:t>
+                </a:r>
+                <a:r>
+                  <a:rPr lang="ru-RU" dirty="0"/>
+                  <a:t>)}, где </a:t>
+                </a:r>
+                <a:r>
+                  <a:rPr lang="en-US" dirty="0"/>
+                  <a:t>y</a:t>
+                </a:r>
+                <a:r>
+                  <a:rPr lang="ru-RU" dirty="0"/>
+                  <a:t>(</a:t>
+                </a:r>
+                <a:r>
+                  <a:rPr lang="en-US" dirty="0" err="1"/>
+                  <a:t>i</a:t>
+                </a:r>
+                <a:r>
+                  <a:rPr lang="ru-RU" dirty="0"/>
+                  <a:t>) = { </a:t>
+                </a:r>
+                <a:r>
+                  <a:rPr lang="en-US" dirty="0"/>
+                  <a:t>x</a:t>
+                </a:r>
+                <a:r>
+                  <a:rPr lang="ru-RU" dirty="0"/>
+                  <a:t>(1), </a:t>
+                </a:r>
+                <a:r>
+                  <a:rPr lang="en-US" dirty="0" err="1"/>
+                  <a:t>kj</a:t>
+                </a:r>
+                <a:r>
+                  <a:rPr lang="ru-RU" dirty="0"/>
+                  <a:t>}.</a:t>
+                </a:r>
+              </a:p>
+              <a:p>
+                <a:pPr/>
+                <a:endParaRPr lang="ru-RU" dirty="0"/>
+              </a:p>
+              <a:p>
+                <a:pPr/>
+                <a14:m>
+                  <m:oMath xmlns:m="http://schemas.openxmlformats.org/officeDocument/2006/math">
+                    <m:sSub>
+                      <m:sSubPr>
+                        <m:ctrlPr>
+                          <a:rPr lang="ru-RU"/>
+                        </m:ctrlPr>
+                      </m:sSubPr>
+                      <m:e>
+                        <m:r>
+                          <a:rPr lang="en-US"/>
+                          <m:t>𝐹</m:t>
+                        </m:r>
+                      </m:e>
+                      <m:sub>
+                        <m:r>
+                          <a:rPr lang="ru-RU"/>
+                          <m:t>𝑐</m:t>
+                        </m:r>
+                      </m:sub>
+                    </m:sSub>
+                    <m:d>
+                      <m:dPr>
+                        <m:ctrlPr>
+                          <a:rPr lang="ru-RU"/>
+                        </m:ctrlPr>
+                      </m:dPr>
+                      <m:e>
+                        <m:r>
+                          <a:rPr lang="ru-RU"/>
+                          <m:t>𝐶</m:t>
+                        </m:r>
+                        <m:r>
+                          <a:rPr lang="ru-RU"/>
+                          <m:t>, </m:t>
+                        </m:r>
+                        <m:r>
+                          <a:rPr lang="ru-RU"/>
+                          <m:t>𝑊</m:t>
+                        </m:r>
+                      </m:e>
+                    </m:d>
+                    <m:r>
+                      <a:rPr lang="ru-RU"/>
+                      <m:t>=</m:t>
+                    </m:r>
+                    <m:d>
+                      <m:dPr>
+                        <m:begChr m:val="{"/>
+                        <m:endChr m:val="}"/>
+                        <m:ctrlPr>
+                          <a:rPr lang="ru-RU"/>
+                        </m:ctrlPr>
+                      </m:dPr>
+                      <m:e>
+                        <m:sSub>
+                          <m:sSubPr>
+                            <m:ctrlPr>
+                              <a:rPr lang="ru-RU"/>
+                            </m:ctrlPr>
+                          </m:sSubPr>
+                          <m:e>
+                            <m:r>
+                              <a:rPr lang="ru-RU"/>
+                              <m:t>𝑐</m:t>
+                            </m:r>
+                          </m:e>
+                          <m:sub>
+                            <m:r>
+                              <a:rPr lang="ru-RU"/>
+                              <m:t>1</m:t>
+                            </m:r>
+                          </m:sub>
+                        </m:sSub>
+                        <m:r>
+                          <a:rPr lang="ru-RU"/>
+                          <m:t>,…, </m:t>
+                        </m:r>
+                        <m:sSub>
+                          <m:sSubPr>
+                            <m:ctrlPr>
+                              <a:rPr lang="ru-RU"/>
+                            </m:ctrlPr>
+                          </m:sSubPr>
+                          <m:e>
+                            <m:r>
+                              <a:rPr lang="ru-RU"/>
+                              <m:t>𝑐</m:t>
+                            </m:r>
+                          </m:e>
+                          <m:sub>
+                            <m:r>
+                              <a:rPr lang="ru-RU"/>
+                              <m:t>𝐾</m:t>
+                            </m:r>
+                          </m:sub>
+                        </m:sSub>
+                      </m:e>
+                    </m:d>
+                    <m:r>
+                      <a:rPr lang="ru-RU"/>
+                      <m:t>→</m:t>
+                    </m:r>
+                    <m:r>
+                      <a:rPr lang="ru-RU"/>
+                      <m:t>𝑚𝑎𝑥</m:t>
+                    </m:r>
+                  </m:oMath>
+                </a14:m>
+                <a:r>
+                  <a:rPr lang="en-US" dirty="0"/>
+                  <a:t> (</a:t>
+                </a:r>
+                <a:r>
+                  <a:rPr lang="ru-RU" dirty="0"/>
+                  <a:t>4</a:t>
+                </a:r>
+                <a:r>
+                  <a:rPr lang="en-US" dirty="0"/>
+                  <a:t>) –</a:t>
+                </a:r>
+                <a:r>
+                  <a:rPr lang="ru-RU" dirty="0"/>
+                  <a:t> расчет оптимальности кластеров, где</a:t>
+                </a:r>
+              </a:p>
+              <a:p>
+                <a:pPr/>
+                <a:r>
+                  <a:rPr lang="en-US" dirty="0"/>
+                  <a:t>C</a:t>
+                </a:r>
+                <a:r>
+                  <a:rPr lang="ru-RU" dirty="0"/>
+                  <a:t> = { </a:t>
+                </a:r>
+                <a:r>
+                  <a:rPr lang="en-US" dirty="0"/>
+                  <a:t>c</a:t>
+                </a:r>
+                <a:r>
+                  <a:rPr lang="ru-RU" dirty="0"/>
+                  <a:t>(</a:t>
+                </a:r>
+                <a:r>
+                  <a:rPr lang="en-US" dirty="0"/>
+                  <a:t>j</a:t>
+                </a:r>
+                <a:r>
+                  <a:rPr lang="ru-RU" dirty="0"/>
+                  <a:t>) (</a:t>
+                </a:r>
+                <a:r>
+                  <a:rPr lang="en-US" dirty="0"/>
+                  <a:t>p</a:t>
+                </a:r>
+                <a:r>
+                  <a:rPr lang="ru-RU" dirty="0"/>
+                  <a:t>1, </a:t>
+                </a:r>
+                <a:r>
+                  <a:rPr lang="en-US" dirty="0"/>
+                  <a:t>p</a:t>
+                </a:r>
+                <a:r>
+                  <a:rPr lang="ru-RU" dirty="0"/>
+                  <a:t>2, …, </a:t>
+                </a:r>
+                <a:r>
+                  <a:rPr lang="en-US" dirty="0" err="1"/>
+                  <a:t>pN</a:t>
+                </a:r>
+                <a:r>
+                  <a:rPr lang="ru-RU" dirty="0"/>
+                  <a:t>), …, </a:t>
+                </a:r>
+                <a:r>
+                  <a:rPr lang="en-US" dirty="0"/>
+                  <a:t>c</a:t>
+                </a:r>
+                <a:r>
+                  <a:rPr lang="ru-RU" dirty="0"/>
+                  <a:t>(</a:t>
+                </a:r>
+                <a:r>
+                  <a:rPr lang="en-US" dirty="0"/>
+                  <a:t>K</a:t>
+                </a:r>
+                <a:r>
+                  <a:rPr lang="ru-RU" dirty="0"/>
+                  <a:t>) (</a:t>
+                </a:r>
+                <a:r>
+                  <a:rPr lang="en-US" dirty="0"/>
+                  <a:t>p</a:t>
+                </a:r>
+                <a:r>
+                  <a:rPr lang="ru-RU" dirty="0"/>
+                  <a:t>1, </a:t>
+                </a:r>
+                <a:r>
+                  <a:rPr lang="en-US" dirty="0"/>
+                  <a:t>p</a:t>
+                </a:r>
+                <a:r>
+                  <a:rPr lang="ru-RU" dirty="0"/>
+                  <a:t>2, …, </a:t>
+                </a:r>
+                <a:r>
+                  <a:rPr lang="en-US" dirty="0" err="1"/>
+                  <a:t>pN</a:t>
+                </a:r>
+                <a:r>
+                  <a:rPr lang="ru-RU" dirty="0"/>
+                  <a:t>)} – центры кластеров, </a:t>
+                </a:r>
+                <a:r>
+                  <a:rPr lang="en-US" dirty="0"/>
+                  <a:t>W</a:t>
+                </a:r>
+                <a:r>
+                  <a:rPr lang="ru-RU" dirty="0"/>
+                  <a:t> = { </a:t>
+                </a:r>
+                <a:r>
+                  <a:rPr lang="en-US" dirty="0"/>
+                  <a:t>w</a:t>
+                </a:r>
+                <a:r>
+                  <a:rPr lang="ru-RU" dirty="0"/>
+                  <a:t>1, </a:t>
+                </a:r>
+                <a:r>
+                  <a:rPr lang="en-US" dirty="0"/>
+                  <a:t>w</a:t>
+                </a:r>
+                <a:r>
+                  <a:rPr lang="ru-RU" dirty="0"/>
+                  <a:t>2, …, </a:t>
+                </a:r>
+                <a:r>
+                  <a:rPr lang="en-US" dirty="0" err="1"/>
+                  <a:t>wN</a:t>
+                </a:r>
+                <a:r>
+                  <a:rPr lang="en-US" dirty="0"/>
+                  <a:t> </a:t>
+                </a:r>
+                <a:r>
+                  <a:rPr lang="ru-RU" dirty="0"/>
+                  <a:t>} – значимости признаков (область значений [0; 1])</a:t>
+                </a:r>
+                <a:r>
+                  <a:rPr lang="en-US" dirty="0"/>
+                  <a:t>. </a:t>
+                </a:r>
+                <a:endParaRPr lang="ru-RU" dirty="0"/>
+              </a:p>
+              <a:p>
+                <a:pPr/>
+                <a:endParaRPr lang="ru-RU" dirty="0"/>
+              </a:p>
+              <a:p>
+                <a:pPr/>
+                <a14:m>
+                  <m:oMath xmlns:m="http://schemas.openxmlformats.org/officeDocument/2006/math">
+                    <m:sSub>
+                      <m:sSubPr>
+                        <m:ctrlPr>
+                          <a:rPr lang="ru-RU"/>
+                        </m:ctrlPr>
+                      </m:sSubPr>
+                      <m:e>
+                        <m:r>
+                          <a:rPr lang="en-US"/>
+                          <m:t>𝐹</m:t>
+                        </m:r>
+                      </m:e>
+                      <m:sub>
+                        <m:r>
+                          <a:rPr lang="en-US"/>
+                          <m:t>𝑥</m:t>
+                        </m:r>
+                      </m:sub>
+                    </m:sSub>
+                    <m:d>
+                      <m:dPr>
+                        <m:ctrlPr>
+                          <a:rPr lang="ru-RU"/>
+                        </m:ctrlPr>
+                      </m:dPr>
+                      <m:e>
+                        <m:sSup>
+                          <m:sSupPr>
+                            <m:ctrlPr>
+                              <a:rPr lang="ru-RU"/>
+                            </m:ctrlPr>
+                          </m:sSupPr>
+                          <m:e>
+                            <m:r>
+                              <a:rPr lang="ru-RU"/>
+                              <m:t>𝑋</m:t>
+                            </m:r>
+                          </m:e>
+                          <m:sup>
+                            <m:r>
+                              <a:rPr lang="ru-RU"/>
+                              <m:t>∗</m:t>
+                            </m:r>
+                          </m:sup>
+                        </m:sSup>
+                        <m:r>
+                          <a:rPr lang="ru-RU"/>
+                          <m:t>, </m:t>
+                        </m:r>
+                        <m:r>
+                          <a:rPr lang="ru-RU"/>
+                          <m:t>𝑊</m:t>
+                        </m:r>
+                      </m:e>
+                    </m:d>
+                    <m:r>
+                      <a:rPr lang="ru-RU"/>
+                      <m:t>=</m:t>
+                    </m:r>
+                    <m:d>
+                      <m:dPr>
+                        <m:begChr m:val="{"/>
+                        <m:endChr m:val="}"/>
+                        <m:ctrlPr>
+                          <a:rPr lang="ru-RU"/>
+                        </m:ctrlPr>
+                      </m:dPr>
+                      <m:e>
+                        <m:sSub>
+                          <m:sSubPr>
+                            <m:ctrlPr>
+                              <a:rPr lang="ru-RU"/>
+                            </m:ctrlPr>
+                          </m:sSubPr>
+                          <m:e>
+                            <m:r>
+                              <a:rPr lang="ru-RU"/>
+                              <m:t>𝑥</m:t>
+                            </m:r>
+                          </m:e>
+                          <m:sub>
+                            <m:r>
+                              <a:rPr lang="ru-RU"/>
+                              <m:t>1</m:t>
+                            </m:r>
+                          </m:sub>
+                        </m:sSub>
+                        <m:r>
+                          <a:rPr lang="ru-RU"/>
+                          <m:t>,…, </m:t>
+                        </m:r>
+                        <m:sSub>
+                          <m:sSubPr>
+                            <m:ctrlPr>
+                              <a:rPr lang="ru-RU"/>
+                            </m:ctrlPr>
+                          </m:sSubPr>
+                          <m:e>
+                            <m:r>
+                              <a:rPr lang="ru-RU"/>
+                              <m:t>𝑥</m:t>
+                            </m:r>
+                          </m:e>
+                          <m:sub>
+                            <m:r>
+                              <a:rPr lang="ru-RU"/>
+                              <m:t>𝐿</m:t>
+                            </m:r>
+                          </m:sub>
+                        </m:sSub>
+                      </m:e>
+                    </m:d>
+                    <m:r>
+                      <a:rPr lang="ru-RU"/>
+                      <m:t>→</m:t>
+                    </m:r>
+                    <m:r>
+                      <a:rPr lang="ru-RU"/>
+                      <m:t>𝑚𝑎𝑥</m:t>
+                    </m:r>
+                  </m:oMath>
+                </a14:m>
+                <a:r>
+                  <a:rPr lang="ru-RU" dirty="0"/>
+                  <a:t> (5) – расчет оптимальности предприятий, где </a:t>
+                </a:r>
+              </a:p>
+              <a:p>
+                <a:pPr/>
+                <a:r>
+                  <a:rPr lang="en-US" dirty="0"/>
+                  <a:t>X</a:t>
+                </a:r>
+                <a:r>
+                  <a:rPr lang="ru-RU" dirty="0"/>
+                  <a:t>* = { </a:t>
+                </a:r>
+                <a:r>
+                  <a:rPr lang="en-US" dirty="0"/>
+                  <a:t>x</a:t>
+                </a:r>
+                <a:r>
+                  <a:rPr lang="ru-RU" dirty="0"/>
+                  <a:t>(</a:t>
+                </a:r>
+                <a:r>
+                  <a:rPr lang="en-US" dirty="0"/>
+                  <a:t>k</a:t>
+                </a:r>
+                <a:r>
+                  <a:rPr lang="ru-RU" dirty="0"/>
+                  <a:t>) (</a:t>
+                </a:r>
+                <a:r>
+                  <a:rPr lang="en-US" dirty="0"/>
+                  <a:t>p</a:t>
+                </a:r>
+                <a:r>
+                  <a:rPr lang="ru-RU" dirty="0"/>
+                  <a:t>1, </a:t>
+                </a:r>
+                <a:r>
+                  <a:rPr lang="en-US" dirty="0"/>
+                  <a:t>p</a:t>
+                </a:r>
+                <a:r>
+                  <a:rPr lang="ru-RU" dirty="0"/>
+                  <a:t>2, …, </a:t>
+                </a:r>
+                <a:r>
+                  <a:rPr lang="en-US" dirty="0" err="1"/>
+                  <a:t>pN</a:t>
+                </a:r>
+                <a:r>
+                  <a:rPr lang="ru-RU" dirty="0"/>
+                  <a:t>) | </a:t>
+                </a:r>
+                <a:r>
+                  <a:rPr lang="en-US" dirty="0"/>
+                  <a:t>x</a:t>
+                </a:r>
+                <a:r>
+                  <a:rPr lang="ru-RU" dirty="0"/>
+                  <a:t>(</a:t>
+                </a:r>
+                <a:r>
+                  <a:rPr lang="en-US" dirty="0"/>
+                  <a:t>k</a:t>
+                </a:r>
+                <a:r>
+                  <a:rPr lang="ru-RU" dirty="0"/>
+                  <a:t>) </a:t>
+                </a:r>
+                <a:r>
+                  <a:rPr lang="en-US" dirty="0"/>
+                  <a:t>in j and </a:t>
+                </a:r>
+                <a:r>
+                  <a:rPr lang="en-US" dirty="0" err="1"/>
+                  <a:t>cj</a:t>
+                </a:r>
+                <a:r>
+                  <a:rPr lang="en-US" dirty="0"/>
+                  <a:t> </a:t>
+                </a:r>
+                <a:r>
+                  <a:rPr lang="ru-RU" dirty="0"/>
+                  <a:t>&gt; </a:t>
+                </a:r>
+                <a:r>
+                  <a:rPr lang="en-US" dirty="0"/>
+                  <a:t>c</a:t>
+                </a:r>
+                <a:r>
+                  <a:rPr lang="ru-RU" dirty="0"/>
+                  <a:t>*} – центры кластеров, </a:t>
+                </a:r>
+                <a:r>
+                  <a:rPr lang="en-US" dirty="0"/>
+                  <a:t>W</a:t>
+                </a:r>
+                <a:r>
+                  <a:rPr lang="ru-RU" dirty="0"/>
+                  <a:t> = { </a:t>
+                </a:r>
+                <a:r>
+                  <a:rPr lang="en-US" dirty="0"/>
+                  <a:t>w</a:t>
+                </a:r>
+                <a:r>
+                  <a:rPr lang="ru-RU" dirty="0"/>
+                  <a:t>1, </a:t>
+                </a:r>
+                <a:r>
+                  <a:rPr lang="en-US" dirty="0"/>
+                  <a:t>w</a:t>
+                </a:r>
+                <a:r>
+                  <a:rPr lang="ru-RU" dirty="0"/>
+                  <a:t>2, …, </a:t>
+                </a:r>
+                <a:r>
+                  <a:rPr lang="en-US" dirty="0" err="1"/>
+                  <a:t>wN</a:t>
+                </a:r>
+                <a:r>
+                  <a:rPr lang="en-US" dirty="0"/>
+                  <a:t> </a:t>
+                </a:r>
+                <a:r>
+                  <a:rPr lang="ru-RU" dirty="0"/>
+                  <a:t>} – значимости признаков (область значений [0; 1])</a:t>
+                </a:r>
+                <a:r>
+                  <a:rPr lang="en-US" dirty="0"/>
+                  <a:t>, c</a:t>
+                </a:r>
+                <a:r>
+                  <a:rPr lang="ru-RU" dirty="0"/>
+                  <a:t>*</a:t>
+                </a:r>
+                <a:r>
+                  <a:rPr lang="en-US" dirty="0"/>
+                  <a:t> – </a:t>
+                </a:r>
+                <a:r>
+                  <a:rPr lang="ru-RU" dirty="0"/>
+                  <a:t>критерий оптимальности кластеров.</a:t>
+                </a:r>
+              </a:p>
+              <a:p>
+                <a:pPr/>
+                <a:endParaRPr lang="ru-RU" dirty="0"/>
+              </a:p>
+              <a:p>
+                <a:pPr/>
+                <a:r>
+                  <a:rPr lang="en-US" dirty="0"/>
+                  <a:t>X</a:t>
+                </a:r>
+                <a:r>
+                  <a:rPr lang="ru-RU" dirty="0"/>
+                  <a:t>** = {</a:t>
+                </a:r>
+                <a:r>
+                  <a:rPr lang="en-US" dirty="0"/>
+                  <a:t>x</a:t>
+                </a:r>
+                <a:r>
+                  <a:rPr lang="ru-RU" dirty="0"/>
+                  <a:t>(</a:t>
+                </a:r>
+                <a:r>
+                  <a:rPr lang="en-US" dirty="0"/>
+                  <a:t>k</a:t>
+                </a:r>
+                <a:r>
+                  <a:rPr lang="ru-RU" dirty="0"/>
+                  <a:t>)(</a:t>
+                </a:r>
+                <a:r>
+                  <a:rPr lang="en-US" dirty="0"/>
+                  <a:t>p</a:t>
+                </a:r>
+                <a:r>
+                  <a:rPr lang="ru-RU" dirty="0"/>
+                  <a:t>1, </a:t>
+                </a:r>
+                <a:r>
+                  <a:rPr lang="en-US" dirty="0"/>
+                  <a:t>p</a:t>
+                </a:r>
+                <a:r>
+                  <a:rPr lang="ru-RU" dirty="0"/>
+                  <a:t>2, …, </a:t>
+                </a:r>
+                <a:r>
+                  <a:rPr lang="en-US" dirty="0" err="1"/>
+                  <a:t>pN</a:t>
+                </a:r>
+                <a:r>
+                  <a:rPr lang="ru-RU" dirty="0"/>
+                  <a:t>) | </a:t>
+                </a:r>
+                <a:r>
+                  <a:rPr lang="en-US" dirty="0"/>
+                  <a:t>k in L and </a:t>
+                </a:r>
+                <a:r>
+                  <a:rPr lang="en-US" dirty="0" err="1"/>
+                  <a:t>xk</a:t>
+                </a:r>
+                <a:r>
+                  <a:rPr lang="ru-RU" dirty="0"/>
+                  <a:t> &gt;= </a:t>
+                </a:r>
+                <a:r>
+                  <a:rPr lang="en-US" dirty="0"/>
+                  <a:t>x</a:t>
+                </a:r>
+                <a:r>
+                  <a:rPr lang="ru-RU" dirty="0"/>
+                  <a:t>*} (6), где </a:t>
+                </a:r>
+                <a:r>
+                  <a:rPr lang="en-US" dirty="0"/>
+                  <a:t>x</a:t>
+                </a:r>
+                <a:r>
+                  <a:rPr lang="ru-RU" dirty="0"/>
+                  <a:t>*</a:t>
+                </a:r>
+                <a:r>
+                  <a:rPr lang="en-US" dirty="0"/>
+                  <a:t> – </a:t>
+                </a:r>
+                <a:r>
+                  <a:rPr lang="ru-RU" dirty="0"/>
+                  <a:t>критерий оптимальности предприятий из оптимальных кластеров.</a:t>
+                </a:r>
+              </a:p>
+              <a:p>
+                <a:pPr/>
+                <a:endParaRPr lang="ru-RU" dirty="0"/>
+              </a:p>
+            </p:txBody>
+          </p:sp>
+        </mc:Choice>
+        <mc:Fallback>
+          <p:sp>
+            <p:nvSpPr>
+              <p:cNvPr id="7" name="TextBox 6">
+                <a:extLst>
+                  <a:ext uri="{FF2B5EF4-FFF2-40B4-BE49-F238E27FC236}">
+                    <a16:creationId xmlns:a16="http://schemas.microsoft.com/office/drawing/2014/main" id="{784A2949-F836-FA6D-BD57-F575FC572687}"/>
+                  </a:ext>
+                </a:extLst>
+              </p:cNvPr>
+              <p:cNvSpPr txBox="1">
+                <a:spLocks noRot="1" noChangeAspect="1" noMove="1" noResize="1" noEditPoints="1" noAdjustHandles="1" noChangeArrowheads="1" noChangeShapeType="1" noTextEdit="1"/>
+              </p:cNvSpPr>
+              <p:nvPr/>
+            </p:nvSpPr>
+            <p:spPr>
+              <a:xfrm>
+                <a:off x="0" y="1742932"/>
+                <a:ext cx="9906000" cy="5028492"/>
+              </a:xfrm>
+              <a:prstGeom prst="rect">
+                <a:avLst/>
+              </a:prstGeom>
+              <a:blipFill>
+                <a:blip r:embed="rId2"/>
+                <a:stretch>
+                  <a:fillRect l="-492" r="-862"/>
+                </a:stretch>
+              </a:blipFill>
+            </p:spPr>
+            <p:txBody>
+              <a:bodyPr/>
+              <a:lstStyle/>
+              <a:p>
+                <a:r>
+                  <a:rPr lang="ru-RU">
+                    <a:noFill/>
+                  </a:rPr>
+                  <a:t> </a:t>
+                </a:r>
+              </a:p>
+            </p:txBody>
+          </p:sp>
+        </mc:Fallback>
+      </mc:AlternateContent>
+      <mc:AlternateContent xmlns:mc="http://schemas.openxmlformats.org/markup-compatibility/2006">
+        <mc:Choice xmlns:a14="http://schemas.microsoft.com/office/drawing/2010/main" Requires="a14">
+          <p:sp>
+            <p:nvSpPr>
+              <p:cNvPr id="12" name="TextBox 11">
+                <a:extLst>
+                  <a:ext uri="{FF2B5EF4-FFF2-40B4-BE49-F238E27FC236}">
+                    <a16:creationId xmlns:a16="http://schemas.microsoft.com/office/drawing/2014/main" id="{B6F650C2-CC41-4EDA-923C-E528AC9B7669}"/>
+                  </a:ext>
+                </a:extLst>
+              </p:cNvPr>
+              <p:cNvSpPr txBox="1"/>
+              <p:nvPr/>
+            </p:nvSpPr>
+            <p:spPr>
+              <a:xfrm>
+                <a:off x="0" y="736975"/>
+                <a:ext cx="9906000" cy="907556"/>
+              </a:xfrm>
+              <a:prstGeom prst="rect">
+                <a:avLst/>
+              </a:prstGeom>
+              <a:noFill/>
+            </p:spPr>
+            <p:txBody>
+              <a:bodyPr wrap="square">
+                <a:spAutoFit/>
+              </a:bodyPr>
+              <a:lstStyle/>
+              <a:p>
+                <a:pPr algn="ctr">
+                  <a:lnSpc>
+                    <a:spcPct val="150000"/>
+                  </a:lnSpc>
+                </a:pPr>
+                <a14:m>
+                  <m:oMath xmlns:m="http://schemas.openxmlformats.org/officeDocument/2006/math">
+                    <m:r>
+                      <a:rPr lang="ru-RU" sz="2000" b="1" i="1" smtClean="0">
+                        <a:solidFill>
+                          <a:srgbClr val="000000"/>
+                        </a:solidFill>
+                        <a:effectLst/>
+                        <a:ea typeface="Times New Roman" panose="02020603050405020304" pitchFamily="18" charset="0"/>
+                        <a:cs typeface="Times New Roman" panose="02020603050405020304" pitchFamily="18" charset="0"/>
+                      </a:rPr>
+                      <m:t>𝐅</m:t>
+                    </m:r>
+                    <m:r>
+                      <a:rPr lang="ru-RU" sz="2000" b="1" i="1">
+                        <a:solidFill>
+                          <a:srgbClr val="000000"/>
+                        </a:solidFill>
+                        <a:effectLst/>
+                        <a:ea typeface="Times New Roman" panose="02020603050405020304" pitchFamily="18" charset="0"/>
+                        <a:cs typeface="Times New Roman" panose="02020603050405020304" pitchFamily="18" charset="0"/>
+                      </a:rPr>
+                      <m:t>:</m:t>
+                    </m:r>
+                    <m:r>
+                      <a:rPr lang="ru-RU" sz="2000" b="1" i="1">
+                        <a:solidFill>
+                          <a:srgbClr val="000000"/>
+                        </a:solidFill>
+                        <a:effectLst/>
+                        <a:ea typeface="Times New Roman" panose="02020603050405020304" pitchFamily="18" charset="0"/>
+                        <a:cs typeface="Times New Roman" panose="02020603050405020304" pitchFamily="18" charset="0"/>
+                      </a:rPr>
+                      <m:t>𝑿</m:t>
+                    </m:r>
+                    <m:r>
+                      <a:rPr lang="ru-RU" sz="2000" b="1" i="1">
+                        <a:solidFill>
+                          <a:srgbClr val="000000"/>
+                        </a:solidFill>
+                        <a:effectLst/>
+                        <a:ea typeface="Times New Roman" panose="02020603050405020304" pitchFamily="18" charset="0"/>
+                        <a:cs typeface="Times New Roman" panose="02020603050405020304" pitchFamily="18" charset="0"/>
+                      </a:rPr>
+                      <m:t>→</m:t>
+                    </m:r>
+                    <m:sSup>
+                      <m:sSupPr>
+                        <m:ctrlPr>
+                          <a:rPr lang="ru-RU" sz="2000" b="1" i="1">
+                            <a:solidFill>
+                              <a:srgbClr val="000000"/>
+                            </a:solidFill>
+                            <a:effectLst/>
+                            <a:ea typeface="Times New Roman" panose="02020603050405020304" pitchFamily="18" charset="0"/>
+                            <a:cs typeface="Times New Roman" panose="02020603050405020304" pitchFamily="18" charset="0"/>
+                          </a:rPr>
+                        </m:ctrlPr>
+                      </m:sSupPr>
+                      <m:e>
+                        <m:r>
+                          <a:rPr lang="ru-RU" sz="2000" b="1" i="1">
+                            <a:solidFill>
+                              <a:srgbClr val="000000"/>
+                            </a:solidFill>
+                            <a:effectLst/>
+                            <a:ea typeface="Times New Roman" panose="02020603050405020304" pitchFamily="18" charset="0"/>
+                            <a:cs typeface="Times New Roman" panose="02020603050405020304" pitchFamily="18" charset="0"/>
+                          </a:rPr>
+                          <m:t>𝑿</m:t>
+                        </m:r>
+                      </m:e>
+                      <m:sup>
+                        <m:r>
+                          <a:rPr lang="ru-RU" sz="2000" b="1" i="1">
+                            <a:solidFill>
+                              <a:srgbClr val="000000"/>
+                            </a:solidFill>
+                            <a:effectLst/>
+                            <a:ea typeface="Times New Roman" panose="02020603050405020304" pitchFamily="18" charset="0"/>
+                            <a:cs typeface="Times New Roman" panose="02020603050405020304" pitchFamily="18" charset="0"/>
+                          </a:rPr>
+                          <m:t>∗∗</m:t>
+                        </m:r>
+                      </m:sup>
+                    </m:sSup>
+                  </m:oMath>
+                </a14:m>
+                <a:r>
+                  <a:rPr lang="ru-RU" sz="1600" b="1" dirty="0">
+                    <a:effectLst/>
+                    <a:ea typeface="Arial" panose="020B0604020202020204" pitchFamily="34" charset="0"/>
+                  </a:rPr>
+                  <a:t> </a:t>
+                </a:r>
+                <a:r>
+                  <a:rPr lang="ru-RU" sz="1600" dirty="0">
+                    <a:effectLst/>
+                    <a:ea typeface="Arial" panose="020B0604020202020204" pitchFamily="34" charset="0"/>
+                  </a:rPr>
+                  <a:t>(1),</a:t>
+                </a:r>
+              </a:p>
+              <a:p>
+                <a:pPr>
+                  <a:lnSpc>
+                    <a:spcPct val="150000"/>
+                  </a:lnSpc>
+                </a:pPr>
+                <a:r>
+                  <a:rPr lang="ru-RU" dirty="0"/>
+                  <a:t>где множество </a:t>
+                </a:r>
+                <a:r>
+                  <a:rPr lang="en-US" dirty="0"/>
+                  <a:t>X</a:t>
+                </a:r>
+                <a:r>
+                  <a:rPr lang="ru-RU" dirty="0"/>
+                  <a:t>** рассчитывается как:</a:t>
+                </a:r>
+              </a:p>
+            </p:txBody>
+          </p:sp>
+        </mc:Choice>
+        <mc:Fallback>
+          <p:sp>
+            <p:nvSpPr>
+              <p:cNvPr id="12" name="TextBox 11">
+                <a:extLst>
+                  <a:ext uri="{FF2B5EF4-FFF2-40B4-BE49-F238E27FC236}">
+                    <a16:creationId xmlns:a16="http://schemas.microsoft.com/office/drawing/2014/main" id="{B6F650C2-CC41-4EDA-923C-E528AC9B7669}"/>
+                  </a:ext>
+                </a:extLst>
+              </p:cNvPr>
+              <p:cNvSpPr txBox="1">
+                <a:spLocks noRot="1" noChangeAspect="1" noMove="1" noResize="1" noEditPoints="1" noAdjustHandles="1" noChangeArrowheads="1" noChangeShapeType="1" noTextEdit="1"/>
+              </p:cNvSpPr>
+              <p:nvPr/>
+            </p:nvSpPr>
+            <p:spPr>
+              <a:xfrm>
+                <a:off x="0" y="736975"/>
+                <a:ext cx="9906000" cy="907556"/>
+              </a:xfrm>
+              <a:prstGeom prst="rect">
+                <a:avLst/>
+              </a:prstGeom>
+              <a:blipFill>
+                <a:blip r:embed="rId3"/>
+                <a:stretch>
+                  <a:fillRect l="-492" b="-10067"/>
+                </a:stretch>
+              </a:blipFill>
+            </p:spPr>
+            <p:txBody>
+              <a:bodyPr/>
+              <a:lstStyle/>
+              <a:p>
+                <a:r>
+                  <a:rPr lang="ru-RU">
+                    <a:noFill/>
+                  </a:rPr>
+                  <a:t> </a:t>
+                </a:r>
+              </a:p>
+            </p:txBody>
+          </p:sp>
+        </mc:Fallback>
+      </mc:AlternateContent>
     </p:spTree>
     <p:extLst>
       <p:ext uri="{BB962C8B-B14F-4D97-AF65-F5344CB8AC3E}">
@@ -13203,2150 +11679,6 @@
 </file>
 
 <file path=ppt/slides/slide7.xml><?xml version="1.0" encoding="utf-8"?>
-<p:sld xmlns:a="http://schemas.openxmlformats.org/drawingml/2006/main" xmlns:r="http://schemas.openxmlformats.org/officeDocument/2006/relationships" xmlns:p="http://schemas.openxmlformats.org/presentationml/2006/main">
-  <p:cSld>
-    <p:spTree>
-      <p:nvGrpSpPr>
-        <p:cNvPr id="1" name=""/>
-        <p:cNvGrpSpPr/>
-        <p:nvPr/>
-      </p:nvGrpSpPr>
-      <p:grpSpPr>
-        <a:xfrm>
-          <a:off x="0" y="0"/>
-          <a:ext cx="0" cy="0"/>
-          <a:chOff x="0" y="0"/>
-          <a:chExt cx="0" cy="0"/>
-        </a:xfrm>
-      </p:grpSpPr>
-      <p:sp>
-        <p:nvSpPr>
-          <p:cNvPr id="2" name="Заголовок 1"/>
-          <p:cNvSpPr>
-            <a:spLocks noGrp="1"/>
-          </p:cNvSpPr>
-          <p:nvPr>
-            <p:ph type="title"/>
-          </p:nvPr>
-        </p:nvSpPr>
-        <p:spPr>
-          <a:xfrm>
-            <a:off x="0" y="1"/>
-            <a:ext cx="9906000" cy="981074"/>
-          </a:xfrm>
-        </p:spPr>
-        <p:txBody>
-          <a:bodyPr>
-            <a:normAutofit/>
-          </a:bodyPr>
-          <a:lstStyle/>
-          <a:p>
-            <a:r>
-              <a:rPr lang="ru-RU" sz="2400" dirty="0"/>
-              <a:t>Алгоритм обучения нейронной сети</a:t>
-            </a:r>
-          </a:p>
-        </p:txBody>
-      </p:sp>
-      <p:sp>
-        <p:nvSpPr>
-          <p:cNvPr id="3" name="Номер слайда 2"/>
-          <p:cNvSpPr>
-            <a:spLocks noGrp="1"/>
-          </p:cNvSpPr>
-          <p:nvPr>
-            <p:ph type="sldNum" sz="quarter" idx="12"/>
-          </p:nvPr>
-        </p:nvSpPr>
-        <p:spPr/>
-        <p:txBody>
-          <a:bodyPr/>
-          <a:lstStyle/>
-          <a:p>
-            <a:fld id="{E61BA17C-8861-48C6-BD31-E6A55A1FA5BD}" type="slidenum">
-              <a:rPr lang="ru-RU" smtClean="0"/>
-              <a:pPr/>
-              <a:t>7</a:t>
-            </a:fld>
-            <a:endParaRPr lang="ru-RU"/>
-          </a:p>
-        </p:txBody>
-      </p:sp>
-      <mc:AlternateContent xmlns:mc="http://schemas.openxmlformats.org/markup-compatibility/2006" xmlns:a14="http://schemas.microsoft.com/office/drawing/2010/main">
-        <mc:Choice Requires="a14">
-          <p:sp>
-            <p:nvSpPr>
-              <p:cNvPr id="4" name="TextBox 3"/>
-              <p:cNvSpPr txBox="1"/>
-              <p:nvPr/>
-            </p:nvSpPr>
-            <p:spPr>
-              <a:xfrm>
-                <a:off x="152400" y="1295400"/>
-                <a:ext cx="9658350" cy="3543342"/>
-              </a:xfrm>
-              <a:prstGeom prst="rect">
-                <a:avLst/>
-              </a:prstGeom>
-              <a:noFill/>
-            </p:spPr>
-            <p:txBody>
-              <a:bodyPr wrap="square" rtlCol="0">
-                <a:spAutoFit/>
-              </a:bodyPr>
-              <a:lstStyle/>
-              <a:p>
-                <a14:m>
-                  <m:oMath xmlns:m="http://schemas.openxmlformats.org/officeDocument/2006/math">
-                    <m:sSub>
-                      <m:sSubPr>
-                        <m:ctrlPr>
-                          <a:rPr lang="ru-RU" sz="2400" i="1" smtClean="0">
-                            <a:latin typeface="Cambria Math" panose="02040503050406030204" pitchFamily="18" charset="0"/>
-                          </a:rPr>
-                        </m:ctrlPr>
-                      </m:sSubPr>
-                      <m:e>
-                        <m:r>
-                          <a:rPr lang="en-US" sz="2400" b="0" i="1" smtClean="0">
-                            <a:latin typeface="Cambria Math"/>
-                          </a:rPr>
-                          <m:t>𝑦</m:t>
-                        </m:r>
-                      </m:e>
-                      <m:sub>
-                        <m:r>
-                          <a:rPr lang="en-US" sz="2400" b="0" i="1" smtClean="0">
-                            <a:latin typeface="Cambria Math"/>
-                          </a:rPr>
-                          <m:t>𝑖</m:t>
-                        </m:r>
-                      </m:sub>
-                    </m:sSub>
-                    <m:r>
-                      <a:rPr lang="en-US" sz="2400" b="0" i="1" smtClean="0">
-                        <a:latin typeface="Cambria Math"/>
-                      </a:rPr>
-                      <m:t>=</m:t>
-                    </m:r>
-                    <m:r>
-                      <a:rPr lang="en-US" sz="2400" b="0" i="1" smtClean="0">
-                        <a:latin typeface="Cambria Math"/>
-                      </a:rPr>
-                      <m:t>𝑎𝑟𝑐𝑡𝑔</m:t>
-                    </m:r>
-                    <m:d>
-                      <m:dPr>
-                        <m:ctrlPr>
-                          <a:rPr lang="en-US" sz="2400" b="0" i="1" smtClean="0">
-                            <a:latin typeface="Cambria Math" panose="02040503050406030204" pitchFamily="18" charset="0"/>
-                          </a:rPr>
-                        </m:ctrlPr>
-                      </m:dPr>
-                      <m:e>
-                        <m:nary>
-                          <m:naryPr>
-                            <m:chr m:val="∑"/>
-                            <m:ctrlPr>
-                              <a:rPr lang="en-US" sz="2400" b="0" i="1" smtClean="0">
-                                <a:latin typeface="Cambria Math" panose="02040503050406030204" pitchFamily="18" charset="0"/>
-                              </a:rPr>
-                            </m:ctrlPr>
-                          </m:naryPr>
-                          <m:sub>
-                            <m:r>
-                              <m:rPr>
-                                <m:brk m:alnAt="23"/>
-                              </m:rPr>
-                              <a:rPr lang="en-US" sz="2400" b="0" i="1" smtClean="0">
-                                <a:latin typeface="Cambria Math"/>
-                              </a:rPr>
-                              <m:t>𝑗</m:t>
-                            </m:r>
-                            <m:r>
-                              <a:rPr lang="en-US" sz="2400" b="0" i="1" smtClean="0">
-                                <a:latin typeface="Cambria Math"/>
-                              </a:rPr>
-                              <m:t>=1</m:t>
-                            </m:r>
-                          </m:sub>
-                          <m:sup>
-                            <m:sSub>
-                              <m:sSubPr>
-                                <m:ctrlPr>
-                                  <a:rPr lang="en-US" sz="2400" b="0" i="1" smtClean="0">
-                                    <a:latin typeface="Cambria Math" panose="02040503050406030204" pitchFamily="18" charset="0"/>
-                                  </a:rPr>
-                                </m:ctrlPr>
-                              </m:sSubPr>
-                              <m:e>
-                                <m:r>
-                                  <a:rPr lang="en-US" sz="2400" b="0" i="1" smtClean="0">
-                                    <a:latin typeface="Cambria Math"/>
-                                  </a:rPr>
-                                  <m:t>𝑁</m:t>
-                                </m:r>
-                              </m:e>
-                              <m:sub>
-                                <m:r>
-                                  <a:rPr lang="en-US" sz="2400" b="0" i="1" smtClean="0">
-                                    <a:latin typeface="Cambria Math"/>
-                                  </a:rPr>
-                                  <m:t>𝑖𝑛</m:t>
-                                </m:r>
-                              </m:sub>
-                            </m:sSub>
-                          </m:sup>
-                          <m:e>
-                            <m:sSub>
-                              <m:sSubPr>
-                                <m:ctrlPr>
-                                  <a:rPr lang="en-US" sz="2400" b="0" i="1" smtClean="0">
-                                    <a:latin typeface="Cambria Math" panose="02040503050406030204" pitchFamily="18" charset="0"/>
-                                  </a:rPr>
-                                </m:ctrlPr>
-                              </m:sSubPr>
-                              <m:e>
-                                <m:r>
-                                  <a:rPr lang="en-US" sz="2400" b="0" i="1" smtClean="0">
-                                    <a:latin typeface="Cambria Math"/>
-                                  </a:rPr>
-                                  <m:t>𝑥</m:t>
-                                </m:r>
-                              </m:e>
-                              <m:sub>
-                                <m:r>
-                                  <a:rPr lang="en-US" sz="2400" b="0" i="1" smtClean="0">
-                                    <a:latin typeface="Cambria Math"/>
-                                  </a:rPr>
-                                  <m:t>𝑗</m:t>
-                                </m:r>
-                              </m:sub>
-                            </m:sSub>
-                            <m:sSub>
-                              <m:sSubPr>
-                                <m:ctrlPr>
-                                  <a:rPr lang="en-US" sz="2400" b="0" i="1" smtClean="0">
-                                    <a:latin typeface="Cambria Math" panose="02040503050406030204" pitchFamily="18" charset="0"/>
-                                  </a:rPr>
-                                </m:ctrlPr>
-                              </m:sSubPr>
-                              <m:e>
-                                <m:r>
-                                  <a:rPr lang="en-US" sz="2400" b="0" i="1" smtClean="0">
-                                    <a:latin typeface="Cambria Math"/>
-                                  </a:rPr>
-                                  <m:t>𝑤</m:t>
-                                </m:r>
-                              </m:e>
-                              <m:sub>
-                                <m:r>
-                                  <a:rPr lang="en-US" sz="2400" b="0" i="1" smtClean="0">
-                                    <a:latin typeface="Cambria Math"/>
-                                  </a:rPr>
-                                  <m:t>𝑖𝑗</m:t>
-                                </m:r>
-                              </m:sub>
-                            </m:sSub>
-                          </m:e>
-                        </m:nary>
-                      </m:e>
-                    </m:d>
-                  </m:oMath>
-                </a14:m>
-                <a:r>
-                  <a:rPr lang="ru-RU" sz="2400" dirty="0"/>
-                  <a:t>Функция активации</a:t>
-                </a:r>
-                <a:endParaRPr lang="en-US" sz="2400" dirty="0"/>
-              </a:p>
-              <a:p>
-                <a14:m>
-                  <m:oMath xmlns:m="http://schemas.openxmlformats.org/officeDocument/2006/math">
-                    <m:r>
-                      <m:rPr>
-                        <m:sty m:val="p"/>
-                      </m:rPr>
-                      <a:rPr lang="en-US" sz="2400" i="1">
-                        <a:latin typeface="Cambria Math"/>
-                      </a:rPr>
-                      <m:t>E</m:t>
-                    </m:r>
-                    <m:r>
-                      <a:rPr lang="en-US" sz="2400" b="0" i="1" smtClean="0">
-                        <a:latin typeface="Cambria Math"/>
-                      </a:rPr>
-                      <m:t>= </m:t>
-                    </m:r>
-                    <m:nary>
-                      <m:naryPr>
-                        <m:chr m:val="∑"/>
-                        <m:ctrlPr>
-                          <a:rPr lang="en-US" sz="2400" b="0" i="1" smtClean="0">
-                            <a:latin typeface="Cambria Math" panose="02040503050406030204" pitchFamily="18" charset="0"/>
-                          </a:rPr>
-                        </m:ctrlPr>
-                      </m:naryPr>
-                      <m:sub>
-                        <m:r>
-                          <m:rPr>
-                            <m:brk m:alnAt="23"/>
-                          </m:rPr>
-                          <a:rPr lang="en-US" sz="2400" b="0" i="1" smtClean="0">
-                            <a:latin typeface="Cambria Math"/>
-                          </a:rPr>
-                          <m:t>𝑖</m:t>
-                        </m:r>
-                        <m:r>
-                          <a:rPr lang="en-US" sz="2400" b="0" i="1" smtClean="0">
-                            <a:latin typeface="Cambria Math"/>
-                          </a:rPr>
-                          <m:t>=1</m:t>
-                        </m:r>
-                      </m:sub>
-                      <m:sup>
-                        <m:sSub>
-                          <m:sSubPr>
-                            <m:ctrlPr>
-                              <a:rPr lang="en-US" sz="2400" b="0" i="1" smtClean="0">
-                                <a:latin typeface="Cambria Math" panose="02040503050406030204" pitchFamily="18" charset="0"/>
-                              </a:rPr>
-                            </m:ctrlPr>
-                          </m:sSubPr>
-                          <m:e>
-                            <m:r>
-                              <a:rPr lang="en-US" sz="2400" b="0" i="1" smtClean="0">
-                                <a:latin typeface="Cambria Math"/>
-                              </a:rPr>
-                              <m:t>𝑁</m:t>
-                            </m:r>
-                          </m:e>
-                          <m:sub>
-                            <m:r>
-                              <a:rPr lang="en-US" sz="2400" b="0" i="1" smtClean="0">
-                                <a:latin typeface="Cambria Math"/>
-                              </a:rPr>
-                              <m:t>𝑂𝑢𝑡</m:t>
-                            </m:r>
-                          </m:sub>
-                        </m:sSub>
-                      </m:sup>
-                      <m:e>
-                        <m:d>
-                          <m:dPr>
-                            <m:ctrlPr>
-                              <a:rPr lang="en-US" sz="2400" b="0" i="1" smtClean="0">
-                                <a:latin typeface="Cambria Math" panose="02040503050406030204" pitchFamily="18" charset="0"/>
-                              </a:rPr>
-                            </m:ctrlPr>
-                          </m:dPr>
-                          <m:e>
-                            <m:sSub>
-                              <m:sSubPr>
-                                <m:ctrlPr>
-                                  <a:rPr lang="en-US" sz="2400" b="0" i="1" smtClean="0">
-                                    <a:latin typeface="Cambria Math" panose="02040503050406030204" pitchFamily="18" charset="0"/>
-                                  </a:rPr>
-                                </m:ctrlPr>
-                              </m:sSubPr>
-                              <m:e>
-                                <m:r>
-                                  <a:rPr lang="en-US" sz="2400" b="0" i="1" smtClean="0">
-                                    <a:latin typeface="Cambria Math"/>
-                                  </a:rPr>
-                                  <m:t>𝑡</m:t>
-                                </m:r>
-                              </m:e>
-                              <m:sub>
-                                <m:r>
-                                  <a:rPr lang="en-US" sz="2400" b="0" i="1" smtClean="0">
-                                    <a:latin typeface="Cambria Math"/>
-                                  </a:rPr>
-                                  <m:t>𝑖</m:t>
-                                </m:r>
-                              </m:sub>
-                            </m:sSub>
-                            <m:func>
-                              <m:funcPr>
-                                <m:ctrlPr>
-                                  <a:rPr lang="en-US" sz="2400" b="0" i="1" smtClean="0">
-                                    <a:latin typeface="Cambria Math" panose="02040503050406030204" pitchFamily="18" charset="0"/>
-                                  </a:rPr>
-                                </m:ctrlPr>
-                              </m:funcPr>
-                              <m:fName>
-                                <m:r>
-                                  <m:rPr>
-                                    <m:sty m:val="p"/>
-                                  </m:rPr>
-                                  <a:rPr lang="en-US" sz="2400" b="0" i="0" smtClean="0">
-                                    <a:latin typeface="Cambria Math"/>
-                                  </a:rPr>
-                                  <m:t>log</m:t>
-                                </m:r>
-                              </m:fName>
-                              <m:e>
-                                <m:sSub>
-                                  <m:sSubPr>
-                                    <m:ctrlPr>
-                                      <a:rPr lang="en-US" sz="2400" i="1">
-                                        <a:latin typeface="Cambria Math" panose="02040503050406030204" pitchFamily="18" charset="0"/>
-                                      </a:rPr>
-                                    </m:ctrlPr>
-                                  </m:sSubPr>
-                                  <m:e>
-                                    <m:r>
-                                      <a:rPr lang="en-US" sz="2400" i="1">
-                                        <a:latin typeface="Cambria Math"/>
-                                      </a:rPr>
-                                      <m:t>𝑦</m:t>
-                                    </m:r>
-                                  </m:e>
-                                  <m:sub>
-                                    <m:r>
-                                      <a:rPr lang="en-US" sz="2400" i="1">
-                                        <a:latin typeface="Cambria Math"/>
-                                      </a:rPr>
-                                      <m:t>𝑖</m:t>
-                                    </m:r>
-                                  </m:sub>
-                                </m:sSub>
-                              </m:e>
-                            </m:func>
-                            <m:r>
-                              <a:rPr lang="en-US" sz="2400" b="0" i="1" smtClean="0">
-                                <a:latin typeface="Cambria Math"/>
-                              </a:rPr>
-                              <m:t>+(1−</m:t>
-                            </m:r>
-                            <m:sSub>
-                              <m:sSubPr>
-                                <m:ctrlPr>
-                                  <a:rPr lang="en-US" sz="2400" i="1">
-                                    <a:latin typeface="Cambria Math" panose="02040503050406030204" pitchFamily="18" charset="0"/>
-                                  </a:rPr>
-                                </m:ctrlPr>
-                              </m:sSubPr>
-                              <m:e>
-                                <m:r>
-                                  <a:rPr lang="en-US" sz="2400" i="1">
-                                    <a:latin typeface="Cambria Math"/>
-                                  </a:rPr>
-                                  <m:t>𝑡</m:t>
-                                </m:r>
-                              </m:e>
-                              <m:sub>
-                                <m:r>
-                                  <a:rPr lang="en-US" sz="2400" i="1">
-                                    <a:latin typeface="Cambria Math"/>
-                                  </a:rPr>
-                                  <m:t>𝑖</m:t>
-                                </m:r>
-                              </m:sub>
-                            </m:sSub>
-                            <m:r>
-                              <a:rPr lang="en-US" sz="2400" b="0" i="1" smtClean="0">
-                                <a:latin typeface="Cambria Math"/>
-                              </a:rPr>
-                              <m:t>)</m:t>
-                            </m:r>
-                            <m:func>
-                              <m:funcPr>
-                                <m:ctrlPr>
-                                  <a:rPr lang="en-US" sz="2400" i="1">
-                                    <a:latin typeface="Cambria Math" panose="02040503050406030204" pitchFamily="18" charset="0"/>
-                                  </a:rPr>
-                                </m:ctrlPr>
-                              </m:funcPr>
-                              <m:fName>
-                                <m:r>
-                                  <m:rPr>
-                                    <m:sty m:val="p"/>
-                                  </m:rPr>
-                                  <a:rPr lang="en-US" sz="2400">
-                                    <a:latin typeface="Cambria Math"/>
-                                  </a:rPr>
-                                  <m:t>log</m:t>
-                                </m:r>
-                              </m:fName>
-                              <m:e>
-                                <m:sSub>
-                                  <m:sSubPr>
-                                    <m:ctrlPr>
-                                      <a:rPr lang="en-US" sz="2400" i="1">
-                                        <a:latin typeface="Cambria Math" panose="02040503050406030204" pitchFamily="18" charset="0"/>
-                                      </a:rPr>
-                                    </m:ctrlPr>
-                                  </m:sSubPr>
-                                  <m:e>
-                                    <m:r>
-                                      <a:rPr lang="en-US" sz="2400" b="0" i="1" smtClean="0">
-                                        <a:latin typeface="Cambria Math"/>
-                                      </a:rPr>
-                                      <m:t>(1−</m:t>
-                                    </m:r>
-                                    <m:r>
-                                      <a:rPr lang="en-US" sz="2400" i="1">
-                                        <a:latin typeface="Cambria Math"/>
-                                      </a:rPr>
-                                      <m:t>𝑦</m:t>
-                                    </m:r>
-                                  </m:e>
-                                  <m:sub>
-                                    <m:r>
-                                      <a:rPr lang="en-US" sz="2400" i="1">
-                                        <a:latin typeface="Cambria Math"/>
-                                      </a:rPr>
-                                      <m:t>𝑖</m:t>
-                                    </m:r>
-                                  </m:sub>
-                                </m:sSub>
-                                <m:r>
-                                  <a:rPr lang="en-US" sz="2400" b="0" i="1" smtClean="0">
-                                    <a:latin typeface="Cambria Math"/>
-                                  </a:rPr>
-                                  <m:t>)</m:t>
-                                </m:r>
-                              </m:e>
-                            </m:func>
-                          </m:e>
-                        </m:d>
-                      </m:e>
-                    </m:nary>
-                  </m:oMath>
-                </a14:m>
-                <a:r>
-                  <a:rPr lang="ru-RU" sz="2400" dirty="0"/>
-                  <a:t>Функция ошибки</a:t>
-                </a:r>
-              </a:p>
-              <a:p>
-                <a14:m>
-                  <m:oMath xmlns:m="http://schemas.openxmlformats.org/officeDocument/2006/math">
-                    <m:f>
-                      <m:fPr>
-                        <m:ctrlPr>
-                          <a:rPr lang="ru-RU" sz="2400" i="1">
-                            <a:latin typeface="Cambria Math" panose="02040503050406030204" pitchFamily="18" charset="0"/>
-                          </a:rPr>
-                        </m:ctrlPr>
-                      </m:fPr>
-                      <m:num>
-                        <m:r>
-                          <a:rPr lang="ru-RU" sz="2400" i="1">
-                            <a:latin typeface="Cambria Math"/>
-                            <a:ea typeface="Cambria Math"/>
-                          </a:rPr>
-                          <m:t>𝜕</m:t>
-                        </m:r>
-                        <m:r>
-                          <a:rPr lang="en-US" sz="2400" i="1">
-                            <a:latin typeface="Cambria Math"/>
-                            <a:ea typeface="Cambria Math"/>
-                          </a:rPr>
-                          <m:t>𝐸</m:t>
-                        </m:r>
-                      </m:num>
-                      <m:den>
-                        <m:r>
-                          <a:rPr lang="ru-RU" sz="2400" i="1">
-                            <a:latin typeface="Cambria Math"/>
-                            <a:ea typeface="Cambria Math"/>
-                          </a:rPr>
-                          <m:t>𝜕</m:t>
-                        </m:r>
-                        <m:sSubSup>
-                          <m:sSubSupPr>
-                            <m:ctrlPr>
-                              <a:rPr lang="en-US" sz="2400" i="1">
-                                <a:latin typeface="Cambria Math" panose="02040503050406030204" pitchFamily="18" charset="0"/>
-                              </a:rPr>
-                            </m:ctrlPr>
-                          </m:sSubSupPr>
-                          <m:e>
-                            <m:r>
-                              <a:rPr lang="en-US" sz="2400" i="1">
-                                <a:latin typeface="Cambria Math"/>
-                              </a:rPr>
-                              <m:t>𝑤</m:t>
-                            </m:r>
-                          </m:e>
-                          <m:sub>
-                            <m:r>
-                              <a:rPr lang="en-US" sz="2400" i="1">
-                                <a:latin typeface="Cambria Math"/>
-                              </a:rPr>
-                              <m:t>𝑖𝑗</m:t>
-                            </m:r>
-                          </m:sub>
-                          <m:sup>
-                            <m:d>
-                              <m:dPr>
-                                <m:ctrlPr>
-                                  <a:rPr lang="en-US" sz="2400" i="1">
-                                    <a:latin typeface="Cambria Math" panose="02040503050406030204" pitchFamily="18" charset="0"/>
-                                  </a:rPr>
-                                </m:ctrlPr>
-                              </m:dPr>
-                              <m:e>
-                                <m:r>
-                                  <a:rPr lang="en-US" sz="2400" i="1">
-                                    <a:latin typeface="Cambria Math"/>
-                                  </a:rPr>
-                                  <m:t>𝑛</m:t>
-                                </m:r>
-                              </m:e>
-                            </m:d>
-                          </m:sup>
-                        </m:sSubSup>
-                      </m:den>
-                    </m:f>
-                    <m:r>
-                      <a:rPr lang="ru-RU" sz="2400" b="0" i="1" smtClean="0">
-                        <a:latin typeface="Cambria Math"/>
-                      </a:rPr>
-                      <m:t>=</m:t>
-                    </m:r>
-                    <m:f>
-                      <m:fPr>
-                        <m:ctrlPr>
-                          <a:rPr lang="ru-RU" sz="2400" i="1">
-                            <a:latin typeface="Cambria Math" panose="02040503050406030204" pitchFamily="18" charset="0"/>
-                          </a:rPr>
-                        </m:ctrlPr>
-                      </m:fPr>
-                      <m:num>
-                        <m:r>
-                          <a:rPr lang="ru-RU" sz="2400" i="1">
-                            <a:latin typeface="Cambria Math"/>
-                            <a:ea typeface="Cambria Math"/>
-                          </a:rPr>
-                          <m:t>𝜕</m:t>
-                        </m:r>
-                        <m:r>
-                          <a:rPr lang="en-US" sz="2400" i="1">
-                            <a:latin typeface="Cambria Math"/>
-                            <a:ea typeface="Cambria Math"/>
-                          </a:rPr>
-                          <m:t>𝐸</m:t>
-                        </m:r>
-                      </m:num>
-                      <m:den>
-                        <m:r>
-                          <a:rPr lang="ru-RU" sz="2400" i="1">
-                            <a:latin typeface="Cambria Math"/>
-                            <a:ea typeface="Cambria Math"/>
-                          </a:rPr>
-                          <m:t>𝜕</m:t>
-                        </m:r>
-                        <m:sSubSup>
-                          <m:sSubSupPr>
-                            <m:ctrlPr>
-                              <a:rPr lang="en-US" sz="2400" i="1">
-                                <a:latin typeface="Cambria Math" panose="02040503050406030204" pitchFamily="18" charset="0"/>
-                              </a:rPr>
-                            </m:ctrlPr>
-                          </m:sSubSupPr>
-                          <m:e>
-                            <m:r>
-                              <a:rPr lang="en-US" sz="2400" b="0" i="1" smtClean="0">
-                                <a:latin typeface="Cambria Math"/>
-                              </a:rPr>
-                              <m:t>𝑧</m:t>
-                            </m:r>
-                          </m:e>
-                          <m:sub>
-                            <m:r>
-                              <a:rPr lang="en-US" sz="2400" i="1">
-                                <a:latin typeface="Cambria Math"/>
-                              </a:rPr>
-                              <m:t>𝑗</m:t>
-                            </m:r>
-                          </m:sub>
-                          <m:sup>
-                            <m:d>
-                              <m:dPr>
-                                <m:ctrlPr>
-                                  <a:rPr lang="en-US" sz="2400" i="1">
-                                    <a:latin typeface="Cambria Math" panose="02040503050406030204" pitchFamily="18" charset="0"/>
-                                  </a:rPr>
-                                </m:ctrlPr>
-                              </m:dPr>
-                              <m:e>
-                                <m:r>
-                                  <a:rPr lang="en-US" sz="2400" i="1">
-                                    <a:latin typeface="Cambria Math"/>
-                                  </a:rPr>
-                                  <m:t>𝑛</m:t>
-                                </m:r>
-                              </m:e>
-                            </m:d>
-                          </m:sup>
-                        </m:sSubSup>
-                      </m:den>
-                    </m:f>
-                    <m:f>
-                      <m:fPr>
-                        <m:ctrlPr>
-                          <a:rPr lang="ru-RU" sz="2400" i="1">
-                            <a:latin typeface="Cambria Math" panose="02040503050406030204" pitchFamily="18" charset="0"/>
-                          </a:rPr>
-                        </m:ctrlPr>
-                      </m:fPr>
-                      <m:num>
-                        <m:r>
-                          <a:rPr lang="ru-RU" sz="2400" i="1">
-                            <a:latin typeface="Cambria Math"/>
-                            <a:ea typeface="Cambria Math"/>
-                          </a:rPr>
-                          <m:t>𝜕</m:t>
-                        </m:r>
-                        <m:sSubSup>
-                          <m:sSubSupPr>
-                            <m:ctrlPr>
-                              <a:rPr lang="en-US" sz="2400" i="1">
-                                <a:latin typeface="Cambria Math" panose="02040503050406030204" pitchFamily="18" charset="0"/>
-                              </a:rPr>
-                            </m:ctrlPr>
-                          </m:sSubSupPr>
-                          <m:e>
-                            <m:r>
-                              <a:rPr lang="en-US" sz="2400" i="1">
-                                <a:latin typeface="Cambria Math"/>
-                              </a:rPr>
-                              <m:t>𝑧</m:t>
-                            </m:r>
-                          </m:e>
-                          <m:sub>
-                            <m:r>
-                              <a:rPr lang="en-US" sz="2400" i="1">
-                                <a:latin typeface="Cambria Math"/>
-                              </a:rPr>
-                              <m:t>𝑗</m:t>
-                            </m:r>
-                          </m:sub>
-                          <m:sup>
-                            <m:d>
-                              <m:dPr>
-                                <m:ctrlPr>
-                                  <a:rPr lang="en-US" sz="2400" i="1">
-                                    <a:latin typeface="Cambria Math" panose="02040503050406030204" pitchFamily="18" charset="0"/>
-                                  </a:rPr>
-                                </m:ctrlPr>
-                              </m:dPr>
-                              <m:e>
-                                <m:r>
-                                  <a:rPr lang="en-US" sz="2400" i="1">
-                                    <a:latin typeface="Cambria Math"/>
-                                  </a:rPr>
-                                  <m:t>𝑛</m:t>
-                                </m:r>
-                              </m:e>
-                            </m:d>
-                          </m:sup>
-                        </m:sSubSup>
-                      </m:num>
-                      <m:den>
-                        <m:r>
-                          <a:rPr lang="ru-RU" sz="2400" i="1">
-                            <a:latin typeface="Cambria Math"/>
-                            <a:ea typeface="Cambria Math"/>
-                          </a:rPr>
-                          <m:t>𝜕</m:t>
-                        </m:r>
-                        <m:sSubSup>
-                          <m:sSubSupPr>
-                            <m:ctrlPr>
-                              <a:rPr lang="en-US" sz="2400" i="1">
-                                <a:latin typeface="Cambria Math" panose="02040503050406030204" pitchFamily="18" charset="0"/>
-                              </a:rPr>
-                            </m:ctrlPr>
-                          </m:sSubSupPr>
-                          <m:e>
-                            <m:r>
-                              <a:rPr lang="en-US" sz="2400" i="1">
-                                <a:latin typeface="Cambria Math"/>
-                              </a:rPr>
-                              <m:t>𝑤</m:t>
-                            </m:r>
-                          </m:e>
-                          <m:sub>
-                            <m:r>
-                              <a:rPr lang="en-US" sz="2400" i="1">
-                                <a:latin typeface="Cambria Math"/>
-                              </a:rPr>
-                              <m:t>𝑖𝑗</m:t>
-                            </m:r>
-                          </m:sub>
-                          <m:sup>
-                            <m:d>
-                              <m:dPr>
-                                <m:ctrlPr>
-                                  <a:rPr lang="en-US" sz="2400" i="1">
-                                    <a:latin typeface="Cambria Math" panose="02040503050406030204" pitchFamily="18" charset="0"/>
-                                  </a:rPr>
-                                </m:ctrlPr>
-                              </m:dPr>
-                              <m:e>
-                                <m:r>
-                                  <a:rPr lang="en-US" sz="2400" i="1">
-                                    <a:latin typeface="Cambria Math"/>
-                                  </a:rPr>
-                                  <m:t>𝑛</m:t>
-                                </m:r>
-                              </m:e>
-                            </m:d>
-                          </m:sup>
-                        </m:sSubSup>
-                      </m:den>
-                    </m:f>
-                  </m:oMath>
-                </a14:m>
-                <a:r>
-                  <a:rPr lang="en-US" sz="2400" dirty="0"/>
-                  <a:t> </a:t>
-                </a:r>
-                <a:r>
-                  <a:rPr lang="ru-RU" sz="2400" dirty="0"/>
-                  <a:t>т.к. </a:t>
-                </a:r>
-                <a14:m>
-                  <m:oMath xmlns:m="http://schemas.openxmlformats.org/officeDocument/2006/math">
-                    <m:sSubSup>
-                      <m:sSubSupPr>
-                        <m:ctrlPr>
-                          <a:rPr lang="en-US" sz="2400" i="1">
-                            <a:latin typeface="Cambria Math" panose="02040503050406030204" pitchFamily="18" charset="0"/>
-                          </a:rPr>
-                        </m:ctrlPr>
-                      </m:sSubSupPr>
-                      <m:e>
-                        <m:r>
-                          <a:rPr lang="en-US" sz="2400" i="1">
-                            <a:latin typeface="Cambria Math"/>
-                          </a:rPr>
-                          <m:t>𝑧</m:t>
-                        </m:r>
-                      </m:e>
-                      <m:sub>
-                        <m:r>
-                          <a:rPr lang="en-US" sz="2400" i="1">
-                            <a:latin typeface="Cambria Math"/>
-                          </a:rPr>
-                          <m:t>𝑗</m:t>
-                        </m:r>
-                      </m:sub>
-                      <m:sup>
-                        <m:d>
-                          <m:dPr>
-                            <m:ctrlPr>
-                              <a:rPr lang="en-US" sz="2400" i="1">
-                                <a:latin typeface="Cambria Math" panose="02040503050406030204" pitchFamily="18" charset="0"/>
-                              </a:rPr>
-                            </m:ctrlPr>
-                          </m:dPr>
-                          <m:e>
-                            <m:r>
-                              <a:rPr lang="en-US" sz="2400" i="1">
-                                <a:latin typeface="Cambria Math"/>
-                              </a:rPr>
-                              <m:t>𝑛</m:t>
-                            </m:r>
-                          </m:e>
-                        </m:d>
-                      </m:sup>
-                    </m:sSubSup>
-                    <m:r>
-                      <a:rPr lang="ru-RU" sz="2400" b="0" i="1" smtClean="0">
-                        <a:latin typeface="Cambria Math"/>
-                      </a:rPr>
-                      <m:t>= </m:t>
-                    </m:r>
-                    <m:nary>
-                      <m:naryPr>
-                        <m:chr m:val="∑"/>
-                        <m:limLoc m:val="subSup"/>
-                        <m:supHide m:val="on"/>
-                        <m:ctrlPr>
-                          <a:rPr lang="ru-RU" sz="2400" b="0" i="1" smtClean="0">
-                            <a:latin typeface="Cambria Math" panose="02040503050406030204" pitchFamily="18" charset="0"/>
-                          </a:rPr>
-                        </m:ctrlPr>
-                      </m:naryPr>
-                      <m:sub>
-                        <m:r>
-                          <m:rPr>
-                            <m:brk m:alnAt="9"/>
-                          </m:rPr>
-                          <a:rPr lang="en-US" sz="2400" b="0" i="1" smtClean="0">
-                            <a:latin typeface="Cambria Math"/>
-                          </a:rPr>
-                          <m:t>𝑖</m:t>
-                        </m:r>
-                      </m:sub>
-                      <m:sup/>
-                      <m:e>
-                        <m:sSubSup>
-                          <m:sSubSupPr>
-                            <m:ctrlPr>
-                              <a:rPr lang="en-US" sz="2400" i="1">
-                                <a:latin typeface="Cambria Math" panose="02040503050406030204" pitchFamily="18" charset="0"/>
-                              </a:rPr>
-                            </m:ctrlPr>
-                          </m:sSubSupPr>
-                          <m:e>
-                            <m:r>
-                              <a:rPr lang="en-US" sz="2400" b="0" i="1" smtClean="0">
-                                <a:latin typeface="Cambria Math"/>
-                              </a:rPr>
-                              <m:t>𝑤</m:t>
-                            </m:r>
-                          </m:e>
-                          <m:sub>
-                            <m:r>
-                              <a:rPr lang="en-US" sz="2400" b="0" i="1" smtClean="0">
-                                <a:latin typeface="Cambria Math"/>
-                              </a:rPr>
-                              <m:t>𝑖</m:t>
-                            </m:r>
-                            <m:r>
-                              <a:rPr lang="en-US" sz="2400" i="1">
-                                <a:latin typeface="Cambria Math"/>
-                              </a:rPr>
-                              <m:t>𝑗</m:t>
-                            </m:r>
-                          </m:sub>
-                          <m:sup>
-                            <m:d>
-                              <m:dPr>
-                                <m:ctrlPr>
-                                  <a:rPr lang="en-US" sz="2400" i="1">
-                                    <a:latin typeface="Cambria Math" panose="02040503050406030204" pitchFamily="18" charset="0"/>
-                                  </a:rPr>
-                                </m:ctrlPr>
-                              </m:dPr>
-                              <m:e>
-                                <m:r>
-                                  <a:rPr lang="en-US" sz="2400" i="1">
-                                    <a:latin typeface="Cambria Math"/>
-                                  </a:rPr>
-                                  <m:t>𝑛</m:t>
-                                </m:r>
-                              </m:e>
-                            </m:d>
-                          </m:sup>
-                        </m:sSubSup>
-                        <m:sSubSup>
-                          <m:sSubSupPr>
-                            <m:ctrlPr>
-                              <a:rPr lang="en-US" sz="2400" i="1">
-                                <a:latin typeface="Cambria Math" panose="02040503050406030204" pitchFamily="18" charset="0"/>
-                              </a:rPr>
-                            </m:ctrlPr>
-                          </m:sSubSupPr>
-                          <m:e>
-                            <m:r>
-                              <a:rPr lang="en-US" sz="2400" b="0" i="1" smtClean="0">
-                                <a:latin typeface="Cambria Math"/>
-                              </a:rPr>
-                              <m:t>𝑥</m:t>
-                            </m:r>
-                          </m:e>
-                          <m:sub>
-                            <m:r>
-                              <a:rPr lang="en-US" sz="2400" i="1">
-                                <a:latin typeface="Cambria Math"/>
-                              </a:rPr>
-                              <m:t>𝑗</m:t>
-                            </m:r>
-                          </m:sub>
-                          <m:sup>
-                            <m:d>
-                              <m:dPr>
-                                <m:ctrlPr>
-                                  <a:rPr lang="en-US" sz="2400" i="1">
-                                    <a:latin typeface="Cambria Math" panose="02040503050406030204" pitchFamily="18" charset="0"/>
-                                  </a:rPr>
-                                </m:ctrlPr>
-                              </m:dPr>
-                              <m:e>
-                                <m:r>
-                                  <a:rPr lang="en-US" sz="2400" i="1">
-                                    <a:latin typeface="Cambria Math"/>
-                                  </a:rPr>
-                                  <m:t>𝑛</m:t>
-                                </m:r>
-                                <m:r>
-                                  <a:rPr lang="en-US" sz="2400" b="0" i="1" smtClean="0">
-                                    <a:latin typeface="Cambria Math"/>
-                                  </a:rPr>
-                                  <m:t>−1</m:t>
-                                </m:r>
-                              </m:e>
-                            </m:d>
-                          </m:sup>
-                        </m:sSubSup>
-                      </m:e>
-                    </m:nary>
-                  </m:oMath>
-                </a14:m>
-                <a:r>
-                  <a:rPr lang="en-US" sz="2400" dirty="0"/>
-                  <a:t>,</a:t>
-                </a:r>
-                <a:r>
-                  <a:rPr lang="ru-RU" sz="2400" dirty="0"/>
-                  <a:t> то имеем</a:t>
-                </a:r>
-              </a:p>
-              <a:p>
-                <a14:m>
-                  <m:oMath xmlns:m="http://schemas.openxmlformats.org/officeDocument/2006/math">
-                    <m:f>
-                      <m:fPr>
-                        <m:ctrlPr>
-                          <a:rPr lang="ru-RU" sz="2400" i="1">
-                            <a:latin typeface="Cambria Math" panose="02040503050406030204" pitchFamily="18" charset="0"/>
-                          </a:rPr>
-                        </m:ctrlPr>
-                      </m:fPr>
-                      <m:num>
-                        <m:r>
-                          <a:rPr lang="ru-RU" sz="2400" i="1">
-                            <a:latin typeface="Cambria Math"/>
-                            <a:ea typeface="Cambria Math"/>
-                          </a:rPr>
-                          <m:t>𝜕</m:t>
-                        </m:r>
-                        <m:r>
-                          <a:rPr lang="en-US" sz="2400" i="1">
-                            <a:latin typeface="Cambria Math"/>
-                            <a:ea typeface="Cambria Math"/>
-                          </a:rPr>
-                          <m:t>𝐸</m:t>
-                        </m:r>
-                      </m:num>
-                      <m:den>
-                        <m:r>
-                          <a:rPr lang="ru-RU" sz="2400" i="1">
-                            <a:latin typeface="Cambria Math"/>
-                            <a:ea typeface="Cambria Math"/>
-                          </a:rPr>
-                          <m:t>𝜕</m:t>
-                        </m:r>
-                        <m:sSubSup>
-                          <m:sSubSupPr>
-                            <m:ctrlPr>
-                              <a:rPr lang="en-US" sz="2400" i="1">
-                                <a:latin typeface="Cambria Math" panose="02040503050406030204" pitchFamily="18" charset="0"/>
-                              </a:rPr>
-                            </m:ctrlPr>
-                          </m:sSubSupPr>
-                          <m:e>
-                            <m:r>
-                              <a:rPr lang="en-US" sz="2400" i="1">
-                                <a:latin typeface="Cambria Math"/>
-                              </a:rPr>
-                              <m:t>𝑤</m:t>
-                            </m:r>
-                          </m:e>
-                          <m:sub>
-                            <m:r>
-                              <a:rPr lang="en-US" sz="2400" i="1">
-                                <a:latin typeface="Cambria Math"/>
-                              </a:rPr>
-                              <m:t>𝑖𝑗</m:t>
-                            </m:r>
-                          </m:sub>
-                          <m:sup>
-                            <m:d>
-                              <m:dPr>
-                                <m:ctrlPr>
-                                  <a:rPr lang="en-US" sz="2400" i="1">
-                                    <a:latin typeface="Cambria Math" panose="02040503050406030204" pitchFamily="18" charset="0"/>
-                                  </a:rPr>
-                                </m:ctrlPr>
-                              </m:dPr>
-                              <m:e>
-                                <m:r>
-                                  <a:rPr lang="en-US" sz="2400" i="1">
-                                    <a:latin typeface="Cambria Math"/>
-                                  </a:rPr>
-                                  <m:t>𝑛</m:t>
-                                </m:r>
-                              </m:e>
-                            </m:d>
-                          </m:sup>
-                        </m:sSubSup>
-                      </m:den>
-                    </m:f>
-                    <m:r>
-                      <a:rPr lang="ru-RU" sz="2400" i="1">
-                        <a:latin typeface="Cambria Math"/>
-                      </a:rPr>
-                      <m:t>=</m:t>
-                    </m:r>
-                    <m:sSubSup>
-                      <m:sSubSupPr>
-                        <m:ctrlPr>
-                          <a:rPr lang="en-US" sz="2400" i="1">
-                            <a:latin typeface="Cambria Math" panose="02040503050406030204" pitchFamily="18" charset="0"/>
-                          </a:rPr>
-                        </m:ctrlPr>
-                      </m:sSubSupPr>
-                      <m:e>
-                        <m:r>
-                          <a:rPr lang="en-US" sz="2400" b="0" i="1" smtClean="0">
-                            <a:latin typeface="Cambria Math"/>
-                          </a:rPr>
-                          <m:t>𝑥</m:t>
-                        </m:r>
-                      </m:e>
-                      <m:sub>
-                        <m:r>
-                          <a:rPr lang="en-US" sz="2400" i="1">
-                            <a:latin typeface="Cambria Math"/>
-                          </a:rPr>
-                          <m:t>𝑖</m:t>
-                        </m:r>
-                      </m:sub>
-                      <m:sup>
-                        <m:d>
-                          <m:dPr>
-                            <m:ctrlPr>
-                              <a:rPr lang="en-US" sz="2400" i="1">
-                                <a:latin typeface="Cambria Math" panose="02040503050406030204" pitchFamily="18" charset="0"/>
-                              </a:rPr>
-                            </m:ctrlPr>
-                          </m:dPr>
-                          <m:e>
-                            <m:r>
-                              <a:rPr lang="en-US" sz="2400" i="1">
-                                <a:latin typeface="Cambria Math"/>
-                              </a:rPr>
-                              <m:t>𝑛</m:t>
-                            </m:r>
-                            <m:r>
-                              <a:rPr lang="en-US" sz="2400" b="0" i="1" smtClean="0">
-                                <a:latin typeface="Cambria Math"/>
-                              </a:rPr>
-                              <m:t>−1</m:t>
-                            </m:r>
-                          </m:e>
-                        </m:d>
-                      </m:sup>
-                    </m:sSubSup>
-                    <m:nary>
-                      <m:naryPr>
-                        <m:chr m:val="∑"/>
-                        <m:limLoc m:val="subSup"/>
-                        <m:supHide m:val="on"/>
-                        <m:ctrlPr>
-                          <a:rPr lang="ru-RU" sz="2400" i="1">
-                            <a:latin typeface="Cambria Math" panose="02040503050406030204" pitchFamily="18" charset="0"/>
-                          </a:rPr>
-                        </m:ctrlPr>
-                      </m:naryPr>
-                      <m:sub>
-                        <m:r>
-                          <m:rPr>
-                            <m:brk m:alnAt="1"/>
-                          </m:rPr>
-                          <a:rPr lang="en-US" sz="2400" b="0" i="1" smtClean="0">
-                            <a:latin typeface="Cambria Math"/>
-                          </a:rPr>
-                          <m:t>𝑘</m:t>
-                        </m:r>
-                      </m:sub>
-                      <m:sup/>
-                      <m:e>
-                        <m:sSubSup>
-                          <m:sSubSupPr>
-                            <m:ctrlPr>
-                              <a:rPr lang="en-US" sz="2400" i="1">
-                                <a:latin typeface="Cambria Math" panose="02040503050406030204" pitchFamily="18" charset="0"/>
-                              </a:rPr>
-                            </m:ctrlPr>
-                          </m:sSubSupPr>
-                          <m:e>
-                            <m:r>
-                              <a:rPr lang="en-US" sz="2400" i="1">
-                                <a:latin typeface="Cambria Math"/>
-                              </a:rPr>
-                              <m:t>𝑤</m:t>
-                            </m:r>
-                          </m:e>
-                          <m:sub>
-                            <m:r>
-                              <a:rPr lang="en-US" sz="2400" i="1">
-                                <a:latin typeface="Cambria Math"/>
-                              </a:rPr>
-                              <m:t>𝑗</m:t>
-                            </m:r>
-                            <m:r>
-                              <a:rPr lang="en-US" sz="2400" b="0" i="1" smtClean="0">
-                                <a:latin typeface="Cambria Math"/>
-                              </a:rPr>
-                              <m:t>𝑘</m:t>
-                            </m:r>
-                          </m:sub>
-                          <m:sup>
-                            <m:d>
-                              <m:dPr>
-                                <m:ctrlPr>
-                                  <a:rPr lang="en-US" sz="2400" i="1">
-                                    <a:latin typeface="Cambria Math" panose="02040503050406030204" pitchFamily="18" charset="0"/>
-                                  </a:rPr>
-                                </m:ctrlPr>
-                              </m:dPr>
-                              <m:e>
-                                <m:r>
-                                  <a:rPr lang="en-US" sz="2400" i="1">
-                                    <a:latin typeface="Cambria Math"/>
-                                  </a:rPr>
-                                  <m:t>𝑛</m:t>
-                                </m:r>
-                              </m:e>
-                            </m:d>
-                          </m:sup>
-                        </m:sSubSup>
-                      </m:e>
-                    </m:nary>
-                    <m:f>
-                      <m:fPr>
-                        <m:ctrlPr>
-                          <a:rPr lang="ru-RU" sz="2400" i="1">
-                            <a:latin typeface="Cambria Math" panose="02040503050406030204" pitchFamily="18" charset="0"/>
-                          </a:rPr>
-                        </m:ctrlPr>
-                      </m:fPr>
-                      <m:num>
-                        <m:r>
-                          <a:rPr lang="ru-RU" sz="2400" i="1">
-                            <a:latin typeface="Cambria Math"/>
-                            <a:ea typeface="Cambria Math"/>
-                          </a:rPr>
-                          <m:t>𝜕</m:t>
-                        </m:r>
-                        <m:r>
-                          <a:rPr lang="en-US" sz="2400" b="0" i="1" smtClean="0">
-                            <a:latin typeface="Cambria Math"/>
-                          </a:rPr>
-                          <m:t>𝐸</m:t>
-                        </m:r>
-                      </m:num>
-                      <m:den>
-                        <m:r>
-                          <a:rPr lang="ru-RU" sz="2400" i="1">
-                            <a:latin typeface="Cambria Math"/>
-                            <a:ea typeface="Cambria Math"/>
-                          </a:rPr>
-                          <m:t>𝜕</m:t>
-                        </m:r>
-                        <m:sSubSup>
-                          <m:sSubSupPr>
-                            <m:ctrlPr>
-                              <a:rPr lang="en-US" sz="2400" i="1">
-                                <a:latin typeface="Cambria Math" panose="02040503050406030204" pitchFamily="18" charset="0"/>
-                              </a:rPr>
-                            </m:ctrlPr>
-                          </m:sSubSupPr>
-                          <m:e>
-                            <m:r>
-                              <a:rPr lang="en-US" sz="2400" b="0" i="1" smtClean="0">
-                                <a:latin typeface="Cambria Math"/>
-                              </a:rPr>
-                              <m:t>𝑧</m:t>
-                            </m:r>
-                          </m:e>
-                          <m:sub>
-                            <m:r>
-                              <a:rPr lang="en-US" sz="2400" b="0" i="1" smtClean="0">
-                                <a:latin typeface="Cambria Math"/>
-                              </a:rPr>
-                              <m:t>𝑘</m:t>
-                            </m:r>
-                          </m:sub>
-                          <m:sup>
-                            <m:d>
-                              <m:dPr>
-                                <m:ctrlPr>
-                                  <a:rPr lang="en-US" sz="2400" i="1">
-                                    <a:latin typeface="Cambria Math" panose="02040503050406030204" pitchFamily="18" charset="0"/>
-                                  </a:rPr>
-                                </m:ctrlPr>
-                              </m:dPr>
-                              <m:e>
-                                <m:r>
-                                  <a:rPr lang="en-US" sz="2400" i="1">
-                                    <a:latin typeface="Cambria Math"/>
-                                  </a:rPr>
-                                  <m:t>𝑛</m:t>
-                                </m:r>
-                                <m:r>
-                                  <a:rPr lang="en-US" sz="2400" b="0" i="1" smtClean="0">
-                                    <a:latin typeface="Cambria Math"/>
-                                  </a:rPr>
-                                  <m:t>+1</m:t>
-                                </m:r>
-                              </m:e>
-                            </m:d>
-                          </m:sup>
-                        </m:sSubSup>
-                      </m:den>
-                    </m:f>
-                    <m:f>
-                      <m:fPr>
-                        <m:ctrlPr>
-                          <a:rPr lang="ru-RU" sz="2400" i="1">
-                            <a:latin typeface="Cambria Math" panose="02040503050406030204" pitchFamily="18" charset="0"/>
-                          </a:rPr>
-                        </m:ctrlPr>
-                      </m:fPr>
-                      <m:num>
-                        <m:r>
-                          <a:rPr lang="ru-RU" sz="2400" i="1">
-                            <a:latin typeface="Cambria Math"/>
-                            <a:ea typeface="Cambria Math"/>
-                          </a:rPr>
-                          <m:t>𝜕</m:t>
-                        </m:r>
-                        <m:sSubSup>
-                          <m:sSubSupPr>
-                            <m:ctrlPr>
-                              <a:rPr lang="en-US" sz="2400" i="1">
-                                <a:latin typeface="Cambria Math" panose="02040503050406030204" pitchFamily="18" charset="0"/>
-                              </a:rPr>
-                            </m:ctrlPr>
-                          </m:sSubSupPr>
-                          <m:e>
-                            <m:r>
-                              <a:rPr lang="en-US" sz="2400" b="0" i="1" smtClean="0">
-                                <a:latin typeface="Cambria Math"/>
-                              </a:rPr>
-                              <m:t>𝑦</m:t>
-                            </m:r>
-                          </m:e>
-                          <m:sub>
-                            <m:r>
-                              <a:rPr lang="en-US" sz="2400" i="1">
-                                <a:latin typeface="Cambria Math"/>
-                              </a:rPr>
-                              <m:t>𝑗</m:t>
-                            </m:r>
-                          </m:sub>
-                          <m:sup>
-                            <m:d>
-                              <m:dPr>
-                                <m:ctrlPr>
-                                  <a:rPr lang="en-US" sz="2400" i="1">
-                                    <a:latin typeface="Cambria Math" panose="02040503050406030204" pitchFamily="18" charset="0"/>
-                                  </a:rPr>
-                                </m:ctrlPr>
-                              </m:dPr>
-                              <m:e>
-                                <m:r>
-                                  <a:rPr lang="en-US" sz="2400" i="1">
-                                    <a:latin typeface="Cambria Math"/>
-                                  </a:rPr>
-                                  <m:t>𝑛</m:t>
-                                </m:r>
-                              </m:e>
-                            </m:d>
-                          </m:sup>
-                        </m:sSubSup>
-                      </m:num>
-                      <m:den>
-                        <m:r>
-                          <a:rPr lang="ru-RU" sz="2400" i="1">
-                            <a:latin typeface="Cambria Math"/>
-                            <a:ea typeface="Cambria Math"/>
-                          </a:rPr>
-                          <m:t>𝜕</m:t>
-                        </m:r>
-                        <m:sSubSup>
-                          <m:sSubSupPr>
-                            <m:ctrlPr>
-                              <a:rPr lang="en-US" sz="2400" i="1">
-                                <a:latin typeface="Cambria Math" panose="02040503050406030204" pitchFamily="18" charset="0"/>
-                              </a:rPr>
-                            </m:ctrlPr>
-                          </m:sSubSupPr>
-                          <m:e>
-                            <m:r>
-                              <a:rPr lang="en-US" sz="2400" b="0" i="1" smtClean="0">
-                                <a:latin typeface="Cambria Math"/>
-                              </a:rPr>
-                              <m:t>𝑧</m:t>
-                            </m:r>
-                          </m:e>
-                          <m:sub>
-                            <m:r>
-                              <a:rPr lang="en-US" sz="2400" i="1">
-                                <a:latin typeface="Cambria Math"/>
-                              </a:rPr>
-                              <m:t>𝑗</m:t>
-                            </m:r>
-                          </m:sub>
-                          <m:sup>
-                            <m:d>
-                              <m:dPr>
-                                <m:ctrlPr>
-                                  <a:rPr lang="en-US" sz="2400" i="1">
-                                    <a:latin typeface="Cambria Math" panose="02040503050406030204" pitchFamily="18" charset="0"/>
-                                  </a:rPr>
-                                </m:ctrlPr>
-                              </m:dPr>
-                              <m:e>
-                                <m:r>
-                                  <a:rPr lang="en-US" sz="2400" i="1">
-                                    <a:latin typeface="Cambria Math"/>
-                                  </a:rPr>
-                                  <m:t>𝑛</m:t>
-                                </m:r>
-                              </m:e>
-                            </m:d>
-                          </m:sup>
-                        </m:sSubSup>
-                      </m:den>
-                    </m:f>
-                  </m:oMath>
-                </a14:m>
-                <a:r>
-                  <a:rPr lang="en-US" sz="2400" dirty="0"/>
-                  <a:t> - </a:t>
-                </a:r>
-                <a:r>
-                  <a:rPr lang="ru-RU" sz="2400" dirty="0"/>
-                  <a:t>верно для промежуточных слоев</a:t>
-                </a:r>
-              </a:p>
-              <a:p>
-                <a:r>
-                  <a:rPr lang="ru-RU" sz="2400" dirty="0"/>
-                  <a:t>Для выходного слоя имеем </a:t>
-                </a:r>
-                <a14:m>
-                  <m:oMath xmlns:m="http://schemas.openxmlformats.org/officeDocument/2006/math">
-                    <m:f>
-                      <m:fPr>
-                        <m:ctrlPr>
-                          <a:rPr lang="ru-RU" sz="2000" i="1">
-                            <a:latin typeface="Cambria Math" panose="02040503050406030204" pitchFamily="18" charset="0"/>
-                          </a:rPr>
-                        </m:ctrlPr>
-                      </m:fPr>
-                      <m:num>
-                        <m:r>
-                          <a:rPr lang="ru-RU" sz="2000" i="1">
-                            <a:latin typeface="Cambria Math"/>
-                            <a:ea typeface="Cambria Math"/>
-                          </a:rPr>
-                          <m:t>𝜕</m:t>
-                        </m:r>
-                        <m:r>
-                          <a:rPr lang="en-US" sz="2000" i="1">
-                            <a:latin typeface="Cambria Math"/>
-                            <a:ea typeface="Cambria Math"/>
-                          </a:rPr>
-                          <m:t>𝐸</m:t>
-                        </m:r>
-                      </m:num>
-                      <m:den>
-                        <m:r>
-                          <a:rPr lang="ru-RU" sz="2000" i="1">
-                            <a:latin typeface="Cambria Math"/>
-                            <a:ea typeface="Cambria Math"/>
-                          </a:rPr>
-                          <m:t>𝜕</m:t>
-                        </m:r>
-                        <m:sSubSup>
-                          <m:sSubSupPr>
-                            <m:ctrlPr>
-                              <a:rPr lang="en-US" sz="2000" i="1">
-                                <a:latin typeface="Cambria Math" panose="02040503050406030204" pitchFamily="18" charset="0"/>
-                              </a:rPr>
-                            </m:ctrlPr>
-                          </m:sSubSupPr>
-                          <m:e>
-                            <m:r>
-                              <a:rPr lang="en-US" sz="2000" i="1">
-                                <a:latin typeface="Cambria Math"/>
-                              </a:rPr>
-                              <m:t>𝑤</m:t>
-                            </m:r>
-                          </m:e>
-                          <m:sub>
-                            <m:r>
-                              <a:rPr lang="en-US" sz="2000" i="1">
-                                <a:latin typeface="Cambria Math"/>
-                              </a:rPr>
-                              <m:t>𝑖𝑗</m:t>
-                            </m:r>
-                          </m:sub>
-                          <m:sup>
-                            <m:d>
-                              <m:dPr>
-                                <m:ctrlPr>
-                                  <a:rPr lang="en-US" sz="2000" i="1">
-                                    <a:latin typeface="Cambria Math" panose="02040503050406030204" pitchFamily="18" charset="0"/>
-                                  </a:rPr>
-                                </m:ctrlPr>
-                              </m:dPr>
-                              <m:e>
-                                <m:r>
-                                  <a:rPr lang="en-US" sz="2000" i="1">
-                                    <a:latin typeface="Cambria Math"/>
-                                  </a:rPr>
-                                  <m:t>𝑛</m:t>
-                                </m:r>
-                              </m:e>
-                            </m:d>
-                          </m:sup>
-                        </m:sSubSup>
-                      </m:den>
-                    </m:f>
-                    <m:r>
-                      <a:rPr lang="ru-RU" sz="2000" i="1">
-                        <a:latin typeface="Cambria Math"/>
-                      </a:rPr>
-                      <m:t>=</m:t>
-                    </m:r>
-                    <m:f>
-                      <m:fPr>
-                        <m:ctrlPr>
-                          <a:rPr lang="ru-RU" sz="2000" i="1">
-                            <a:latin typeface="Cambria Math" panose="02040503050406030204" pitchFamily="18" charset="0"/>
-                          </a:rPr>
-                        </m:ctrlPr>
-                      </m:fPr>
-                      <m:num>
-                        <m:r>
-                          <a:rPr lang="ru-RU" sz="2000" i="1">
-                            <a:latin typeface="Cambria Math"/>
-                            <a:ea typeface="Cambria Math"/>
-                          </a:rPr>
-                          <m:t>𝜕</m:t>
-                        </m:r>
-                        <m:r>
-                          <a:rPr lang="en-US" sz="2000" i="1">
-                            <a:latin typeface="Cambria Math"/>
-                            <a:ea typeface="Cambria Math"/>
-                          </a:rPr>
-                          <m:t>𝐸</m:t>
-                        </m:r>
-                      </m:num>
-                      <m:den>
-                        <m:r>
-                          <a:rPr lang="ru-RU" sz="2000" i="1">
-                            <a:latin typeface="Cambria Math"/>
-                            <a:ea typeface="Cambria Math"/>
-                          </a:rPr>
-                          <m:t>𝜕</m:t>
-                        </m:r>
-                        <m:sSubSup>
-                          <m:sSubSupPr>
-                            <m:ctrlPr>
-                              <a:rPr lang="en-US" sz="2000" i="1">
-                                <a:latin typeface="Cambria Math" panose="02040503050406030204" pitchFamily="18" charset="0"/>
-                              </a:rPr>
-                            </m:ctrlPr>
-                          </m:sSubSupPr>
-                          <m:e>
-                            <m:r>
-                              <a:rPr lang="en-US" sz="2000" i="1">
-                                <a:latin typeface="Cambria Math"/>
-                              </a:rPr>
-                              <m:t>𝑧</m:t>
-                            </m:r>
-                          </m:e>
-                          <m:sub>
-                            <m:r>
-                              <a:rPr lang="en-US" sz="2000" i="1">
-                                <a:latin typeface="Cambria Math"/>
-                              </a:rPr>
-                              <m:t>𝑗</m:t>
-                            </m:r>
-                          </m:sub>
-                          <m:sup>
-                            <m:d>
-                              <m:dPr>
-                                <m:ctrlPr>
-                                  <a:rPr lang="en-US" sz="2000" i="1">
-                                    <a:latin typeface="Cambria Math" panose="02040503050406030204" pitchFamily="18" charset="0"/>
-                                  </a:rPr>
-                                </m:ctrlPr>
-                              </m:dPr>
-                              <m:e>
-                                <m:r>
-                                  <a:rPr lang="en-US" sz="2000" i="1">
-                                    <a:latin typeface="Cambria Math"/>
-                                  </a:rPr>
-                                  <m:t>𝑛</m:t>
-                                </m:r>
-                              </m:e>
-                            </m:d>
-                          </m:sup>
-                        </m:sSubSup>
-                      </m:den>
-                    </m:f>
-                    <m:f>
-                      <m:fPr>
-                        <m:ctrlPr>
-                          <a:rPr lang="ru-RU" sz="2000" i="1">
-                            <a:latin typeface="Cambria Math" panose="02040503050406030204" pitchFamily="18" charset="0"/>
-                          </a:rPr>
-                        </m:ctrlPr>
-                      </m:fPr>
-                      <m:num>
-                        <m:r>
-                          <a:rPr lang="ru-RU" sz="2000" i="1">
-                            <a:latin typeface="Cambria Math"/>
-                            <a:ea typeface="Cambria Math"/>
-                          </a:rPr>
-                          <m:t>𝜕</m:t>
-                        </m:r>
-                        <m:sSubSup>
-                          <m:sSubSupPr>
-                            <m:ctrlPr>
-                              <a:rPr lang="en-US" sz="2000" i="1">
-                                <a:latin typeface="Cambria Math" panose="02040503050406030204" pitchFamily="18" charset="0"/>
-                              </a:rPr>
-                            </m:ctrlPr>
-                          </m:sSubSupPr>
-                          <m:e>
-                            <m:r>
-                              <a:rPr lang="en-US" sz="2000" i="1">
-                                <a:latin typeface="Cambria Math"/>
-                              </a:rPr>
-                              <m:t>𝑧</m:t>
-                            </m:r>
-                          </m:e>
-                          <m:sub>
-                            <m:r>
-                              <a:rPr lang="en-US" sz="2000" i="1">
-                                <a:latin typeface="Cambria Math"/>
-                              </a:rPr>
-                              <m:t>𝑗</m:t>
-                            </m:r>
-                          </m:sub>
-                          <m:sup>
-                            <m:d>
-                              <m:dPr>
-                                <m:ctrlPr>
-                                  <a:rPr lang="en-US" sz="2000" i="1">
-                                    <a:latin typeface="Cambria Math" panose="02040503050406030204" pitchFamily="18" charset="0"/>
-                                  </a:rPr>
-                                </m:ctrlPr>
-                              </m:dPr>
-                              <m:e>
-                                <m:r>
-                                  <a:rPr lang="en-US" sz="2000" i="1">
-                                    <a:latin typeface="Cambria Math"/>
-                                  </a:rPr>
-                                  <m:t>𝑛</m:t>
-                                </m:r>
-                              </m:e>
-                            </m:d>
-                          </m:sup>
-                        </m:sSubSup>
-                      </m:num>
-                      <m:den>
-                        <m:r>
-                          <a:rPr lang="ru-RU" sz="2000" i="1">
-                            <a:latin typeface="Cambria Math"/>
-                            <a:ea typeface="Cambria Math"/>
-                          </a:rPr>
-                          <m:t>𝜕</m:t>
-                        </m:r>
-                        <m:sSubSup>
-                          <m:sSubSupPr>
-                            <m:ctrlPr>
-                              <a:rPr lang="en-US" sz="2000" i="1">
-                                <a:latin typeface="Cambria Math" panose="02040503050406030204" pitchFamily="18" charset="0"/>
-                              </a:rPr>
-                            </m:ctrlPr>
-                          </m:sSubSupPr>
-                          <m:e>
-                            <m:r>
-                              <a:rPr lang="en-US" sz="2000" i="1">
-                                <a:latin typeface="Cambria Math"/>
-                              </a:rPr>
-                              <m:t>𝑤</m:t>
-                            </m:r>
-                          </m:e>
-                          <m:sub>
-                            <m:r>
-                              <a:rPr lang="en-US" sz="2000" i="1">
-                                <a:latin typeface="Cambria Math"/>
-                              </a:rPr>
-                              <m:t>𝑖𝑗</m:t>
-                            </m:r>
-                          </m:sub>
-                          <m:sup>
-                            <m:d>
-                              <m:dPr>
-                                <m:ctrlPr>
-                                  <a:rPr lang="en-US" sz="2000" i="1">
-                                    <a:latin typeface="Cambria Math" panose="02040503050406030204" pitchFamily="18" charset="0"/>
-                                  </a:rPr>
-                                </m:ctrlPr>
-                              </m:dPr>
-                              <m:e>
-                                <m:r>
-                                  <a:rPr lang="en-US" sz="2000" i="1">
-                                    <a:latin typeface="Cambria Math"/>
-                                  </a:rPr>
-                                  <m:t>𝑛</m:t>
-                                </m:r>
-                              </m:e>
-                            </m:d>
-                          </m:sup>
-                        </m:sSubSup>
-                      </m:den>
-                    </m:f>
-                    <m:r>
-                      <a:rPr lang="ru-RU" sz="2000" b="0" i="1" smtClean="0">
-                        <a:latin typeface="Cambria Math"/>
-                      </a:rPr>
-                      <m:t>=</m:t>
-                    </m:r>
-                    <m:sSubSup>
-                      <m:sSubSupPr>
-                        <m:ctrlPr>
-                          <a:rPr lang="en-US" sz="2000" i="1">
-                            <a:latin typeface="Cambria Math" panose="02040503050406030204" pitchFamily="18" charset="0"/>
-                          </a:rPr>
-                        </m:ctrlPr>
-                      </m:sSubSupPr>
-                      <m:e>
-                        <m:r>
-                          <a:rPr lang="en-US" sz="2000" i="1">
-                            <a:latin typeface="Cambria Math"/>
-                          </a:rPr>
-                          <m:t>𝑥</m:t>
-                        </m:r>
-                      </m:e>
-                      <m:sub>
-                        <m:r>
-                          <a:rPr lang="en-US" sz="2000" i="1">
-                            <a:latin typeface="Cambria Math"/>
-                          </a:rPr>
-                          <m:t>𝑖</m:t>
-                        </m:r>
-                      </m:sub>
-                      <m:sup>
-                        <m:d>
-                          <m:dPr>
-                            <m:ctrlPr>
-                              <a:rPr lang="en-US" sz="2000" i="1">
-                                <a:latin typeface="Cambria Math" panose="02040503050406030204" pitchFamily="18" charset="0"/>
-                              </a:rPr>
-                            </m:ctrlPr>
-                          </m:dPr>
-                          <m:e>
-                            <m:r>
-                              <a:rPr lang="en-US" sz="2000" i="1">
-                                <a:latin typeface="Cambria Math"/>
-                              </a:rPr>
-                              <m:t>𝑛</m:t>
-                            </m:r>
-                            <m:r>
-                              <a:rPr lang="en-US" sz="2000" i="1">
-                                <a:latin typeface="Cambria Math"/>
-                              </a:rPr>
-                              <m:t>−1</m:t>
-                            </m:r>
-                          </m:e>
-                        </m:d>
-                      </m:sup>
-                    </m:sSubSup>
-                    <m:f>
-                      <m:fPr>
-                        <m:ctrlPr>
-                          <a:rPr lang="ru-RU" sz="2000" i="1">
-                            <a:latin typeface="Cambria Math" panose="02040503050406030204" pitchFamily="18" charset="0"/>
-                          </a:rPr>
-                        </m:ctrlPr>
-                      </m:fPr>
-                      <m:num>
-                        <m:r>
-                          <a:rPr lang="ru-RU" sz="2000" i="1">
-                            <a:latin typeface="Cambria Math"/>
-                            <a:ea typeface="Cambria Math"/>
-                          </a:rPr>
-                          <m:t>𝜕</m:t>
-                        </m:r>
-                        <m:r>
-                          <a:rPr lang="en-US" sz="2000" i="1">
-                            <a:latin typeface="Cambria Math"/>
-                            <a:ea typeface="Cambria Math"/>
-                          </a:rPr>
-                          <m:t>𝐸</m:t>
-                        </m:r>
-                      </m:num>
-                      <m:den>
-                        <m:r>
-                          <a:rPr lang="ru-RU" sz="2000" i="1">
-                            <a:latin typeface="Cambria Math"/>
-                            <a:ea typeface="Cambria Math"/>
-                          </a:rPr>
-                          <m:t>𝜕</m:t>
-                        </m:r>
-                        <m:sSubSup>
-                          <m:sSubSupPr>
-                            <m:ctrlPr>
-                              <a:rPr lang="en-US" sz="2000" i="1">
-                                <a:latin typeface="Cambria Math" panose="02040503050406030204" pitchFamily="18" charset="0"/>
-                              </a:rPr>
-                            </m:ctrlPr>
-                          </m:sSubSupPr>
-                          <m:e>
-                            <m:r>
-                              <a:rPr lang="en-US" sz="2000" i="1">
-                                <a:latin typeface="Cambria Math"/>
-                              </a:rPr>
-                              <m:t>𝑧</m:t>
-                            </m:r>
-                          </m:e>
-                          <m:sub>
-                            <m:r>
-                              <a:rPr lang="en-US" sz="2000" i="1">
-                                <a:latin typeface="Cambria Math"/>
-                              </a:rPr>
-                              <m:t>𝑗</m:t>
-                            </m:r>
-                          </m:sub>
-                          <m:sup>
-                            <m:d>
-                              <m:dPr>
-                                <m:ctrlPr>
-                                  <a:rPr lang="en-US" sz="2000" i="1">
-                                    <a:latin typeface="Cambria Math" panose="02040503050406030204" pitchFamily="18" charset="0"/>
-                                  </a:rPr>
-                                </m:ctrlPr>
-                              </m:dPr>
-                              <m:e>
-                                <m:r>
-                                  <a:rPr lang="en-US" sz="2000" i="1">
-                                    <a:latin typeface="Cambria Math"/>
-                                  </a:rPr>
-                                  <m:t>𝑛</m:t>
-                                </m:r>
-                              </m:e>
-                            </m:d>
-                          </m:sup>
-                        </m:sSubSup>
-                      </m:den>
-                    </m:f>
-                    <m:r>
-                      <a:rPr lang="en-US" sz="2000" b="0" i="1" smtClean="0">
-                        <a:latin typeface="Cambria Math"/>
-                      </a:rPr>
-                      <m:t>=</m:t>
-                    </m:r>
-                    <m:sSubSup>
-                      <m:sSubSupPr>
-                        <m:ctrlPr>
-                          <a:rPr lang="en-US" sz="2000" i="1">
-                            <a:latin typeface="Cambria Math" panose="02040503050406030204" pitchFamily="18" charset="0"/>
-                          </a:rPr>
-                        </m:ctrlPr>
-                      </m:sSubSupPr>
-                      <m:e>
-                        <m:r>
-                          <a:rPr lang="en-US" sz="2000" i="1">
-                            <a:latin typeface="Cambria Math"/>
-                          </a:rPr>
-                          <m:t>𝑥</m:t>
-                        </m:r>
-                      </m:e>
-                      <m:sub>
-                        <m:r>
-                          <a:rPr lang="en-US" sz="2000" i="1">
-                            <a:latin typeface="Cambria Math"/>
-                          </a:rPr>
-                          <m:t>𝑖</m:t>
-                        </m:r>
-                      </m:sub>
-                      <m:sup>
-                        <m:d>
-                          <m:dPr>
-                            <m:ctrlPr>
-                              <a:rPr lang="en-US" sz="2000" i="1">
-                                <a:latin typeface="Cambria Math" panose="02040503050406030204" pitchFamily="18" charset="0"/>
-                              </a:rPr>
-                            </m:ctrlPr>
-                          </m:dPr>
-                          <m:e>
-                            <m:r>
-                              <a:rPr lang="en-US" sz="2000" i="1">
-                                <a:latin typeface="Cambria Math"/>
-                              </a:rPr>
-                              <m:t>𝑛</m:t>
-                            </m:r>
-                            <m:r>
-                              <a:rPr lang="en-US" sz="2000" i="1">
-                                <a:latin typeface="Cambria Math"/>
-                              </a:rPr>
-                              <m:t>−1</m:t>
-                            </m:r>
-                          </m:e>
-                        </m:d>
-                      </m:sup>
-                    </m:sSubSup>
-                    <m:f>
-                      <m:fPr>
-                        <m:ctrlPr>
-                          <a:rPr lang="ru-RU" sz="2000" i="1">
-                            <a:latin typeface="Cambria Math" panose="02040503050406030204" pitchFamily="18" charset="0"/>
-                          </a:rPr>
-                        </m:ctrlPr>
-                      </m:fPr>
-                      <m:num>
-                        <m:r>
-                          <a:rPr lang="ru-RU" sz="2000" i="1">
-                            <a:latin typeface="Cambria Math"/>
-                            <a:ea typeface="Cambria Math"/>
-                          </a:rPr>
-                          <m:t>𝜕</m:t>
-                        </m:r>
-                        <m:r>
-                          <a:rPr lang="en-US" sz="2000" i="1">
-                            <a:latin typeface="Cambria Math"/>
-                          </a:rPr>
-                          <m:t>𝐸</m:t>
-                        </m:r>
-                      </m:num>
-                      <m:den>
-                        <m:r>
-                          <a:rPr lang="ru-RU" sz="2000" i="1">
-                            <a:latin typeface="Cambria Math"/>
-                            <a:ea typeface="Cambria Math"/>
-                          </a:rPr>
-                          <m:t>𝜕</m:t>
-                        </m:r>
-                        <m:sSubSup>
-                          <m:sSubSupPr>
-                            <m:ctrlPr>
-                              <a:rPr lang="en-US" sz="2000" i="1">
-                                <a:latin typeface="Cambria Math" panose="02040503050406030204" pitchFamily="18" charset="0"/>
-                              </a:rPr>
-                            </m:ctrlPr>
-                          </m:sSubSupPr>
-                          <m:e>
-                            <m:r>
-                              <a:rPr lang="en-US" sz="2000" b="0" i="1" smtClean="0">
-                                <a:latin typeface="Cambria Math"/>
-                              </a:rPr>
-                              <m:t>𝑦</m:t>
-                            </m:r>
-                          </m:e>
-                          <m:sub>
-                            <m:r>
-                              <a:rPr lang="en-US" sz="2000" b="0" i="1" smtClean="0">
-                                <a:latin typeface="Cambria Math"/>
-                              </a:rPr>
-                              <m:t>𝑗</m:t>
-                            </m:r>
-                          </m:sub>
-                          <m:sup>
-                            <m:d>
-                              <m:dPr>
-                                <m:ctrlPr>
-                                  <a:rPr lang="en-US" sz="2000" i="1">
-                                    <a:latin typeface="Cambria Math" panose="02040503050406030204" pitchFamily="18" charset="0"/>
-                                  </a:rPr>
-                                </m:ctrlPr>
-                              </m:dPr>
-                              <m:e>
-                                <m:r>
-                                  <a:rPr lang="en-US" sz="2000" i="1">
-                                    <a:latin typeface="Cambria Math"/>
-                                  </a:rPr>
-                                  <m:t>𝑛</m:t>
-                                </m:r>
-                              </m:e>
-                            </m:d>
-                          </m:sup>
-                        </m:sSubSup>
-                      </m:den>
-                    </m:f>
-                    <m:f>
-                      <m:fPr>
-                        <m:ctrlPr>
-                          <a:rPr lang="ru-RU" sz="2000" i="1">
-                            <a:latin typeface="Cambria Math" panose="02040503050406030204" pitchFamily="18" charset="0"/>
-                          </a:rPr>
-                        </m:ctrlPr>
-                      </m:fPr>
-                      <m:num>
-                        <m:r>
-                          <a:rPr lang="ru-RU" sz="2000" i="1">
-                            <a:latin typeface="Cambria Math"/>
-                            <a:ea typeface="Cambria Math"/>
-                          </a:rPr>
-                          <m:t>𝜕</m:t>
-                        </m:r>
-                        <m:sSubSup>
-                          <m:sSubSupPr>
-                            <m:ctrlPr>
-                              <a:rPr lang="en-US" sz="2000" i="1">
-                                <a:latin typeface="Cambria Math" panose="02040503050406030204" pitchFamily="18" charset="0"/>
-                              </a:rPr>
-                            </m:ctrlPr>
-                          </m:sSubSupPr>
-                          <m:e>
-                            <m:r>
-                              <a:rPr lang="en-US" sz="2000" i="1">
-                                <a:latin typeface="Cambria Math"/>
-                              </a:rPr>
-                              <m:t>𝑦</m:t>
-                            </m:r>
-                          </m:e>
-                          <m:sub>
-                            <m:r>
-                              <a:rPr lang="en-US" sz="2000" i="1">
-                                <a:latin typeface="Cambria Math"/>
-                              </a:rPr>
-                              <m:t>𝑗</m:t>
-                            </m:r>
-                          </m:sub>
-                          <m:sup>
-                            <m:d>
-                              <m:dPr>
-                                <m:ctrlPr>
-                                  <a:rPr lang="en-US" sz="2000" i="1">
-                                    <a:latin typeface="Cambria Math" panose="02040503050406030204" pitchFamily="18" charset="0"/>
-                                  </a:rPr>
-                                </m:ctrlPr>
-                              </m:dPr>
-                              <m:e>
-                                <m:r>
-                                  <a:rPr lang="en-US" sz="2000" i="1">
-                                    <a:latin typeface="Cambria Math"/>
-                                  </a:rPr>
-                                  <m:t>𝑛</m:t>
-                                </m:r>
-                              </m:e>
-                            </m:d>
-                          </m:sup>
-                        </m:sSubSup>
-                      </m:num>
-                      <m:den>
-                        <m:r>
-                          <a:rPr lang="ru-RU" sz="2000" i="1">
-                            <a:latin typeface="Cambria Math"/>
-                            <a:ea typeface="Cambria Math"/>
-                          </a:rPr>
-                          <m:t>𝜕</m:t>
-                        </m:r>
-                        <m:sSubSup>
-                          <m:sSubSupPr>
-                            <m:ctrlPr>
-                              <a:rPr lang="en-US" sz="2000" i="1">
-                                <a:latin typeface="Cambria Math" panose="02040503050406030204" pitchFamily="18" charset="0"/>
-                              </a:rPr>
-                            </m:ctrlPr>
-                          </m:sSubSupPr>
-                          <m:e>
-                            <m:r>
-                              <a:rPr lang="en-US" sz="2000" i="1">
-                                <a:latin typeface="Cambria Math"/>
-                              </a:rPr>
-                              <m:t>𝑧</m:t>
-                            </m:r>
-                          </m:e>
-                          <m:sub>
-                            <m:r>
-                              <a:rPr lang="en-US" sz="2000" i="1">
-                                <a:latin typeface="Cambria Math"/>
-                              </a:rPr>
-                              <m:t>𝑗</m:t>
-                            </m:r>
-                          </m:sub>
-                          <m:sup>
-                            <m:d>
-                              <m:dPr>
-                                <m:ctrlPr>
-                                  <a:rPr lang="en-US" sz="2000" i="1">
-                                    <a:latin typeface="Cambria Math" panose="02040503050406030204" pitchFamily="18" charset="0"/>
-                                  </a:rPr>
-                                </m:ctrlPr>
-                              </m:dPr>
-                              <m:e>
-                                <m:r>
-                                  <a:rPr lang="en-US" sz="2000" i="1">
-                                    <a:latin typeface="Cambria Math"/>
-                                  </a:rPr>
-                                  <m:t>𝑛</m:t>
-                                </m:r>
-                              </m:e>
-                            </m:d>
-                          </m:sup>
-                        </m:sSubSup>
-                      </m:den>
-                    </m:f>
-                  </m:oMath>
-                </a14:m>
-                <a:endParaRPr lang="ru-RU" sz="2400" dirty="0"/>
-              </a:p>
-            </p:txBody>
-          </p:sp>
-        </mc:Choice>
-        <mc:Fallback xmlns="">
-          <p:sp>
-            <p:nvSpPr>
-              <p:cNvPr id="4" name="TextBox 3"/>
-              <p:cNvSpPr txBox="1">
-                <a:spLocks noRot="1" noChangeAspect="1" noMove="1" noResize="1" noEditPoints="1" noAdjustHandles="1" noChangeArrowheads="1" noChangeShapeType="1" noTextEdit="1"/>
-              </p:cNvSpPr>
-              <p:nvPr/>
-            </p:nvSpPr>
-            <p:spPr>
-              <a:xfrm>
-                <a:off x="152400" y="1295400"/>
-                <a:ext cx="9658350" cy="3543342"/>
-              </a:xfrm>
-              <a:prstGeom prst="rect">
-                <a:avLst/>
-              </a:prstGeom>
-              <a:blipFill rotWithShape="1">
-                <a:blip r:embed="rId2" cstate="print"/>
-                <a:stretch>
-                  <a:fillRect l="-947"/>
-                </a:stretch>
-              </a:blipFill>
-            </p:spPr>
-            <p:txBody>
-              <a:bodyPr/>
-              <a:lstStyle/>
-              <a:p>
-                <a:r>
-                  <a:rPr lang="ru-RU">
-                    <a:noFill/>
-                  </a:rPr>
-                  <a:t> </a:t>
-                </a:r>
-              </a:p>
-            </p:txBody>
-          </p:sp>
-        </mc:Fallback>
-      </mc:AlternateContent>
-    </p:spTree>
-    <p:extLst>
-      <p:ext uri="{BB962C8B-B14F-4D97-AF65-F5344CB8AC3E}">
-        <p14:creationId xmlns:p14="http://schemas.microsoft.com/office/powerpoint/2010/main" val="1504838351"/>
-      </p:ext>
-    </p:extLst>
-  </p:cSld>
-  <p:clrMapOvr>
-    <a:masterClrMapping/>
-  </p:clrMapOvr>
-</p:sld>
-</file>
-
-<file path=ppt/slides/slide8.xml><?xml version="1.0" encoding="utf-8"?>
 <p:sld xmlns:a="http://schemas.openxmlformats.org/drawingml/2006/main" xmlns:r="http://schemas.openxmlformats.org/officeDocument/2006/relationships" xmlns:p="http://schemas.openxmlformats.org/presentationml/2006/main">
   <p:cSld>
     <p:spTree>
@@ -15422,7 +11754,7 @@
             <a:fld id="{E61BA17C-8861-48C6-BD31-E6A55A1FA5BD}" type="slidenum">
               <a:rPr lang="ru-RU" smtClean="0"/>
               <a:pPr/>
-              <a:t>8</a:t>
+              <a:t>7</a:t>
             </a:fld>
             <a:endParaRPr lang="ru-RU"/>
           </a:p>
@@ -15663,6 +11995,168 @@
 </p:sld>
 </file>
 
+<file path=ppt/slides/slide8.xml><?xml version="1.0" encoding="utf-8"?>
+<p:sld xmlns:a="http://schemas.openxmlformats.org/drawingml/2006/main" xmlns:r="http://schemas.openxmlformats.org/officeDocument/2006/relationships" xmlns:p="http://schemas.openxmlformats.org/presentationml/2006/main">
+  <p:cSld>
+    <p:spTree>
+      <p:nvGrpSpPr>
+        <p:cNvPr id="1" name=""/>
+        <p:cNvGrpSpPr/>
+        <p:nvPr/>
+      </p:nvGrpSpPr>
+      <p:grpSpPr>
+        <a:xfrm>
+          <a:off x="0" y="0"/>
+          <a:ext cx="0" cy="0"/>
+          <a:chOff x="0" y="0"/>
+          <a:chExt cx="0" cy="0"/>
+        </a:xfrm>
+      </p:grpSpPr>
+      <p:sp>
+        <p:nvSpPr>
+          <p:cNvPr id="2" name="Заголовок 1">
+            <a:extLst>
+              <a:ext uri="{FF2B5EF4-FFF2-40B4-BE49-F238E27FC236}">
+                <a16:creationId xmlns:a16="http://schemas.microsoft.com/office/drawing/2014/main" id="{642C3DFB-D80E-473F-AA49-7F2442F00278}"/>
+              </a:ext>
+            </a:extLst>
+          </p:cNvPr>
+          <p:cNvSpPr>
+            <a:spLocks noGrp="1"/>
+          </p:cNvSpPr>
+          <p:nvPr>
+            <p:ph type="title"/>
+          </p:nvPr>
+        </p:nvSpPr>
+        <p:spPr>
+          <a:xfrm>
+            <a:off x="0" y="0"/>
+            <a:ext cx="9906000" cy="1038224"/>
+          </a:xfrm>
+        </p:spPr>
+        <p:txBody>
+          <a:bodyPr>
+            <a:normAutofit/>
+          </a:bodyPr>
+          <a:lstStyle/>
+          <a:p>
+            <a:r>
+              <a:rPr lang="ru-RU" sz="2400" dirty="0"/>
+              <a:t>Функциональная схема сбора и мониторинга данных интегрированной системы контроля энергопотребления</a:t>
+            </a:r>
+          </a:p>
+        </p:txBody>
+      </p:sp>
+      <p:sp>
+        <p:nvSpPr>
+          <p:cNvPr id="4" name="Номер слайда 3">
+            <a:extLst>
+              <a:ext uri="{FF2B5EF4-FFF2-40B4-BE49-F238E27FC236}">
+                <a16:creationId xmlns:a16="http://schemas.microsoft.com/office/drawing/2014/main" id="{5B696B89-ED8E-4E28-813F-7C2B394B98C6}"/>
+              </a:ext>
+            </a:extLst>
+          </p:cNvPr>
+          <p:cNvSpPr>
+            <a:spLocks noGrp="1"/>
+          </p:cNvSpPr>
+          <p:nvPr>
+            <p:ph type="sldNum" sz="quarter" idx="12"/>
+          </p:nvPr>
+        </p:nvSpPr>
+        <p:spPr/>
+        <p:txBody>
+          <a:bodyPr/>
+          <a:lstStyle/>
+          <a:p>
+            <a:fld id="{E61BA17C-8861-48C6-BD31-E6A55A1FA5BD}" type="slidenum">
+              <a:rPr lang="ru-RU" smtClean="0"/>
+              <a:pPr/>
+              <a:t>8</a:t>
+            </a:fld>
+            <a:endParaRPr lang="ru-RU"/>
+          </a:p>
+        </p:txBody>
+      </p:sp>
+      <p:sp>
+        <p:nvSpPr>
+          <p:cNvPr id="36" name="TextBox 35">
+            <a:extLst>
+              <a:ext uri="{FF2B5EF4-FFF2-40B4-BE49-F238E27FC236}">
+                <a16:creationId xmlns:a16="http://schemas.microsoft.com/office/drawing/2014/main" id="{96ADAA6F-E672-4F8B-B545-8E941C6568D5}"/>
+              </a:ext>
+            </a:extLst>
+          </p:cNvPr>
+          <p:cNvSpPr txBox="1"/>
+          <p:nvPr/>
+        </p:nvSpPr>
+        <p:spPr>
+          <a:xfrm>
+            <a:off x="2627606" y="5425318"/>
+            <a:ext cx="5001492" cy="461665"/>
+          </a:xfrm>
+          <a:prstGeom prst="rect">
+            <a:avLst/>
+          </a:prstGeom>
+          <a:noFill/>
+        </p:spPr>
+        <p:txBody>
+          <a:bodyPr wrap="square" rtlCol="0">
+            <a:spAutoFit/>
+          </a:bodyPr>
+          <a:lstStyle/>
+          <a:p>
+            <a:r>
+              <a:rPr lang="ru-RU" sz="1200" dirty="0"/>
+              <a:t>Компоненты в предлагаемой системе машинного обучения и их взаимодействие друг с другом</a:t>
+            </a:r>
+          </a:p>
+        </p:txBody>
+      </p:sp>
+      <p:pic>
+        <p:nvPicPr>
+          <p:cNvPr id="9222" name="Picture 6"/>
+          <p:cNvPicPr>
+            <a:picLocks noChangeAspect="1" noChangeArrowheads="1"/>
+          </p:cNvPicPr>
+          <p:nvPr/>
+        </p:nvPicPr>
+        <p:blipFill>
+          <a:blip r:embed="rId2" cstate="print"/>
+          <a:srcRect/>
+          <a:stretch>
+            <a:fillRect/>
+          </a:stretch>
+        </p:blipFill>
+        <p:spPr bwMode="auto">
+          <a:xfrm>
+            <a:off x="1882435" y="1416336"/>
+            <a:ext cx="5746663" cy="4008982"/>
+          </a:xfrm>
+          <a:prstGeom prst="rect">
+            <a:avLst/>
+          </a:prstGeom>
+          <a:noFill/>
+          <a:ln w="9525">
+            <a:noFill/>
+            <a:miter lim="800000"/>
+            <a:headEnd/>
+            <a:tailEnd/>
+          </a:ln>
+        </p:spPr>
+      </p:pic>
+    </p:spTree>
+    <p:extLst>
+      <p:ext uri="{BB962C8B-B14F-4D97-AF65-F5344CB8AC3E}">
+        <p14:creationId xmlns:p14="http://schemas.microsoft.com/office/powerpoint/2010/main" val="2280985388"/>
+      </p:ext>
+    </p:extLst>
+  </p:cSld>
+  <p:clrMapOvr>
+    <a:masterClrMapping/>
+  </p:clrMapOvr>
+</p:sld>
+</file>
+
 <file path=ppt/slides/slide9.xml><?xml version="1.0" encoding="utf-8"?>
 <p:sld xmlns:a="http://schemas.openxmlformats.org/drawingml/2006/main" xmlns:r="http://schemas.openxmlformats.org/officeDocument/2006/relationships" xmlns:p="http://schemas.openxmlformats.org/presentationml/2006/main">
   <p:cSld>
@@ -15710,7 +12204,7 @@
           <a:p>
             <a:r>
               <a:rPr lang="ru-RU" sz="2400" dirty="0"/>
-              <a:t>Функциональная схема сбора и мониторинга данных интегрированной системы контроля энергопотребления</a:t>
+              <a:t>Модель сбора и мониторинга данных интегрированной системы контроля энергопотребления</a:t>
             </a:r>
           </a:p>
         </p:txBody>
@@ -15747,7 +12241,7 @@
       </p:sp>
       <p:sp>
         <p:nvSpPr>
-          <p:cNvPr id="36" name="TextBox 35">
+          <p:cNvPr id="25" name="TextBox 24">
             <a:extLst>
               <a:ext uri="{FF2B5EF4-FFF2-40B4-BE49-F238E27FC236}">
                 <a16:creationId xmlns:a16="http://schemas.microsoft.com/office/drawing/2014/main" id="{96ADAA6F-E672-4F8B-B545-8E941C6568D5}"/>
@@ -15759,7 +12253,93 @@
         </p:nvSpPr>
         <p:spPr>
           <a:xfrm>
-            <a:off x="2627606" y="5425318"/>
+            <a:off x="4984656" y="4691898"/>
+            <a:ext cx="4696692" cy="646331"/>
+          </a:xfrm>
+          <a:prstGeom prst="rect">
+            <a:avLst/>
+          </a:prstGeom>
+          <a:noFill/>
+        </p:spPr>
+        <p:txBody>
+          <a:bodyPr wrap="square" rtlCol="0">
+            <a:spAutoFit/>
+          </a:bodyPr>
+          <a:lstStyle/>
+          <a:p>
+            <a:r>
+              <a:rPr lang="ru-RU" sz="1200" dirty="0"/>
+              <a:t>Схема системы для </a:t>
+            </a:r>
+            <a:r>
+              <a:rPr lang="ru-RU" sz="1200" dirty="0" err="1"/>
+              <a:t>хаба</a:t>
+            </a:r>
+            <a:r>
+              <a:rPr lang="ru-RU" sz="1200" dirty="0"/>
+              <a:t> и его четырех терминаторов; приложение, его хранилище данных;  интеллектуальные устройства и сервер.</a:t>
+            </a:r>
+          </a:p>
+        </p:txBody>
+      </p:sp>
+      <p:sp>
+        <p:nvSpPr>
+          <p:cNvPr id="28" name="TextBox 27">
+            <a:extLst>
+              <a:ext uri="{FF2B5EF4-FFF2-40B4-BE49-F238E27FC236}">
+                <a16:creationId xmlns:a16="http://schemas.microsoft.com/office/drawing/2014/main" id="{96ADAA6F-E672-4F8B-B545-8E941C6568D5}"/>
+              </a:ext>
+            </a:extLst>
+          </p:cNvPr>
+          <p:cNvSpPr txBox="1"/>
+          <p:nvPr/>
+        </p:nvSpPr>
+        <p:spPr>
+          <a:xfrm>
+            <a:off x="507867" y="6567353"/>
+            <a:ext cx="4696692" cy="276999"/>
+          </a:xfrm>
+          <a:prstGeom prst="rect">
+            <a:avLst/>
+          </a:prstGeom>
+          <a:noFill/>
+        </p:spPr>
+        <p:txBody>
+          <a:bodyPr wrap="square" rtlCol="0">
+            <a:spAutoFit/>
+          </a:bodyPr>
+          <a:lstStyle/>
+          <a:p>
+            <a:r>
+              <a:rPr lang="ru-RU" sz="1200" dirty="0"/>
+              <a:t>Схема вариантов взаимодействия </a:t>
+            </a:r>
+            <a:r>
+              <a:rPr lang="ru-RU" sz="1200" dirty="0" err="1"/>
+              <a:t>хаба</a:t>
+            </a:r>
+            <a:r>
+              <a:rPr lang="ru-RU" sz="1200" dirty="0"/>
+              <a:t> и приложения</a:t>
+            </a:r>
+          </a:p>
+        </p:txBody>
+      </p:sp>
+      <p:sp>
+        <p:nvSpPr>
+          <p:cNvPr id="34" name="TextBox 33">
+            <a:extLst>
+              <a:ext uri="{FF2B5EF4-FFF2-40B4-BE49-F238E27FC236}">
+                <a16:creationId xmlns:a16="http://schemas.microsoft.com/office/drawing/2014/main" id="{96ADAA6F-E672-4F8B-B545-8E941C6568D5}"/>
+              </a:ext>
+            </a:extLst>
+          </p:cNvPr>
+          <p:cNvSpPr txBox="1"/>
+          <p:nvPr/>
+        </p:nvSpPr>
+        <p:spPr>
+          <a:xfrm>
+            <a:off x="41563" y="3302169"/>
             <a:ext cx="5001492" cy="461665"/>
           </a:xfrm>
           <a:prstGeom prst="rect">
@@ -15775,14 +12355,22 @@
           <a:p>
             <a:r>
               <a:rPr lang="ru-RU" sz="1200" dirty="0"/>
-              <a:t>Компоненты в предлагаемой системе машинного обучения и их взаимодействие друг с другом</a:t>
+              <a:t>Схема  для сервера и его четырех терминаторов; </a:t>
+            </a:r>
+            <a:r>
+              <a:rPr lang="ru-RU" sz="1200" dirty="0" err="1"/>
+              <a:t>хаб</a:t>
+            </a:r>
+            <a:r>
+              <a:rPr lang="ru-RU" sz="1200" dirty="0"/>
+              <a:t>, хранилище данных, приложение и источник цен на электроэнергию</a:t>
             </a:r>
           </a:p>
         </p:txBody>
       </p:sp>
       <p:pic>
         <p:nvPicPr>
-          <p:cNvPr id="9222" name="Picture 6"/>
+          <p:cNvPr id="9217" name="Picture 1"/>
           <p:cNvPicPr>
             <a:picLocks noChangeAspect="1" noChangeArrowheads="1"/>
           </p:cNvPicPr>
@@ -15797,8 +12385,72 @@
         </p:blipFill>
         <p:spPr bwMode="auto">
           <a:xfrm>
-            <a:off x="1882435" y="1416336"/>
-            <a:ext cx="5746663" cy="4008982"/>
+            <a:off x="5080340" y="2009277"/>
+            <a:ext cx="4505325" cy="2628900"/>
+          </a:xfrm>
+          <a:prstGeom prst="rect">
+            <a:avLst/>
+          </a:prstGeom>
+          <a:noFill/>
+          <a:ln w="9525">
+            <a:noFill/>
+            <a:miter lim="800000"/>
+            <a:headEnd/>
+            <a:tailEnd/>
+          </a:ln>
+        </p:spPr>
+      </p:pic>
+      <p:pic>
+        <p:nvPicPr>
+          <p:cNvPr id="9218" name="Picture 2"/>
+          <p:cNvPicPr>
+            <a:picLocks noChangeAspect="1" noChangeArrowheads="1"/>
+          </p:cNvPicPr>
+          <p:nvPr/>
+        </p:nvPicPr>
+        <p:blipFill>
+          <a:blip r:embed="rId3" cstate="print"/>
+          <a:srcRect/>
+          <a:stretch>
+            <a:fillRect/>
+          </a:stretch>
+        </p:blipFill>
+        <p:spPr bwMode="auto">
+          <a:xfrm>
+            <a:off x="103909" y="941094"/>
+            <a:ext cx="4876800" cy="2381250"/>
+          </a:xfrm>
+          <a:prstGeom prst="rect">
+            <a:avLst/>
+          </a:prstGeom>
+          <a:noFill/>
+          <a:ln w="9525">
+            <a:noFill/>
+            <a:miter lim="800000"/>
+            <a:headEnd/>
+            <a:tailEnd/>
+          </a:ln>
+        </p:spPr>
+      </p:pic>
+      <p:pic>
+        <p:nvPicPr>
+          <p:cNvPr id="1027" name="Picture 3"/>
+          <p:cNvPicPr>
+            <a:picLocks noChangeAspect="1" noChangeArrowheads="1"/>
+          </p:cNvPicPr>
+          <p:nvPr/>
+        </p:nvPicPr>
+        <p:blipFill>
+          <a:blip r:embed="rId4" cstate="print"/>
+          <a:srcRect/>
+          <a:stretch>
+            <a:fillRect/>
+          </a:stretch>
+        </p:blipFill>
+        <p:spPr bwMode="auto">
+          <a:xfrm>
+            <a:off x="842002" y="4040765"/>
+            <a:ext cx="3857625" cy="2600325"/>
           </a:xfrm>
           <a:prstGeom prst="rect">
             <a:avLst/>
@@ -15815,7 +12467,7 @@
     </p:spTree>
     <p:extLst>
       <p:ext uri="{BB962C8B-B14F-4D97-AF65-F5344CB8AC3E}">
-        <p14:creationId xmlns:p14="http://schemas.microsoft.com/office/powerpoint/2010/main" val="2280985388"/>
+        <p14:creationId xmlns:p14="http://schemas.microsoft.com/office/powerpoint/2010/main" val="2506469640"/>
       </p:ext>
     </p:extLst>
   </p:cSld>
